--- a/TRaining_Sreverless_IMages.pptx
+++ b/TRaining_Sreverless_IMages.pptx
@@ -12,6 +12,9 @@
     <p:sldId id="260" r:id="rId6"/>
     <p:sldId id="261" r:id="rId7"/>
     <p:sldId id="262" r:id="rId8"/>
+    <p:sldId id="263" r:id="rId9"/>
+    <p:sldId id="264" r:id="rId10"/>
+    <p:sldId id="265" r:id="rId11"/>
   </p:sldIdLst>
   <p:sldSz cx="12192000" cy="6858000"/>
   <p:notesSz cx="6858000" cy="9144000"/>
@@ -265,7 +268,7 @@
           <a:p>
             <a:fld id="{63E833F7-F67A-46CE-A29F-562BF6475A37}" type="datetimeFigureOut">
               <a:rPr lang="en-US" smtClean="0"/>
-              <a:t>4/26/2023</a:t>
+              <a:t>4/27/2023</a:t>
             </a:fld>
             <a:endParaRPr lang="en-US"/>
           </a:p>
@@ -463,7 +466,7 @@
           <a:p>
             <a:fld id="{63E833F7-F67A-46CE-A29F-562BF6475A37}" type="datetimeFigureOut">
               <a:rPr lang="en-US" smtClean="0"/>
-              <a:t>4/26/2023</a:t>
+              <a:t>4/27/2023</a:t>
             </a:fld>
             <a:endParaRPr lang="en-US"/>
           </a:p>
@@ -671,7 +674,7 @@
           <a:p>
             <a:fld id="{63E833F7-F67A-46CE-A29F-562BF6475A37}" type="datetimeFigureOut">
               <a:rPr lang="en-US" smtClean="0"/>
-              <a:t>4/26/2023</a:t>
+              <a:t>4/27/2023</a:t>
             </a:fld>
             <a:endParaRPr lang="en-US"/>
           </a:p>
@@ -869,7 +872,7 @@
           <a:p>
             <a:fld id="{63E833F7-F67A-46CE-A29F-562BF6475A37}" type="datetimeFigureOut">
               <a:rPr lang="en-US" smtClean="0"/>
-              <a:t>4/26/2023</a:t>
+              <a:t>4/27/2023</a:t>
             </a:fld>
             <a:endParaRPr lang="en-US"/>
           </a:p>
@@ -1144,7 +1147,7 @@
           <a:p>
             <a:fld id="{63E833F7-F67A-46CE-A29F-562BF6475A37}" type="datetimeFigureOut">
               <a:rPr lang="en-US" smtClean="0"/>
-              <a:t>4/26/2023</a:t>
+              <a:t>4/27/2023</a:t>
             </a:fld>
             <a:endParaRPr lang="en-US"/>
           </a:p>
@@ -1409,7 +1412,7 @@
           <a:p>
             <a:fld id="{63E833F7-F67A-46CE-A29F-562BF6475A37}" type="datetimeFigureOut">
               <a:rPr lang="en-US" smtClean="0"/>
-              <a:t>4/26/2023</a:t>
+              <a:t>4/27/2023</a:t>
             </a:fld>
             <a:endParaRPr lang="en-US"/>
           </a:p>
@@ -1821,7 +1824,7 @@
           <a:p>
             <a:fld id="{63E833F7-F67A-46CE-A29F-562BF6475A37}" type="datetimeFigureOut">
               <a:rPr lang="en-US" smtClean="0"/>
-              <a:t>4/26/2023</a:t>
+              <a:t>4/27/2023</a:t>
             </a:fld>
             <a:endParaRPr lang="en-US"/>
           </a:p>
@@ -1962,7 +1965,7 @@
           <a:p>
             <a:fld id="{63E833F7-F67A-46CE-A29F-562BF6475A37}" type="datetimeFigureOut">
               <a:rPr lang="en-US" smtClean="0"/>
-              <a:t>4/26/2023</a:t>
+              <a:t>4/27/2023</a:t>
             </a:fld>
             <a:endParaRPr lang="en-US"/>
           </a:p>
@@ -2075,7 +2078,7 @@
           <a:p>
             <a:fld id="{63E833F7-F67A-46CE-A29F-562BF6475A37}" type="datetimeFigureOut">
               <a:rPr lang="en-US" smtClean="0"/>
-              <a:t>4/26/2023</a:t>
+              <a:t>4/27/2023</a:t>
             </a:fld>
             <a:endParaRPr lang="en-US"/>
           </a:p>
@@ -2386,7 +2389,7 @@
           <a:p>
             <a:fld id="{63E833F7-F67A-46CE-A29F-562BF6475A37}" type="datetimeFigureOut">
               <a:rPr lang="en-US" smtClean="0"/>
-              <a:t>4/26/2023</a:t>
+              <a:t>4/27/2023</a:t>
             </a:fld>
             <a:endParaRPr lang="en-US"/>
           </a:p>
@@ -2674,7 +2677,7 @@
           <a:p>
             <a:fld id="{63E833F7-F67A-46CE-A29F-562BF6475A37}" type="datetimeFigureOut">
               <a:rPr lang="en-US" smtClean="0"/>
-              <a:t>4/26/2023</a:t>
+              <a:t>4/27/2023</a:t>
             </a:fld>
             <a:endParaRPr lang="en-US"/>
           </a:p>
@@ -2915,7 +2918,7 @@
           <a:p>
             <a:fld id="{63E833F7-F67A-46CE-A29F-562BF6475A37}" type="datetimeFigureOut">
               <a:rPr lang="en-US" smtClean="0"/>
-              <a:t>4/26/2023</a:t>
+              <a:t>4/27/2023</a:t>
             </a:fld>
             <a:endParaRPr lang="en-US"/>
           </a:p>
@@ -3908,6 +3911,597 @@
 </p:sld>
 </file>
 
+<file path=ppt/slides/slide10.xml><?xml version="1.0" encoding="utf-8"?>
+<p:sld xmlns:a="http://schemas.openxmlformats.org/drawingml/2006/main" xmlns:r="http://schemas.openxmlformats.org/officeDocument/2006/relationships" xmlns:p="http://schemas.openxmlformats.org/presentationml/2006/main">
+  <p:cSld>
+    <p:spTree>
+      <p:nvGrpSpPr>
+        <p:cNvPr id="1" name=""/>
+        <p:cNvGrpSpPr/>
+        <p:nvPr/>
+      </p:nvGrpSpPr>
+      <p:grpSpPr>
+        <a:xfrm>
+          <a:off x="0" y="0"/>
+          <a:ext cx="0" cy="0"/>
+          <a:chOff x="0" y="0"/>
+          <a:chExt cx="0" cy="0"/>
+        </a:xfrm>
+      </p:grpSpPr>
+      <p:sp>
+        <p:nvSpPr>
+          <p:cNvPr id="2" name="Rectangle: Rounded Corners 1">
+            <a:extLst>
+              <a:ext uri="{FF2B5EF4-FFF2-40B4-BE49-F238E27FC236}">
+                <a16:creationId xmlns:a16="http://schemas.microsoft.com/office/drawing/2014/main" id="{337DB265-BE48-2758-DD0B-CF99A505A6CF}"/>
+              </a:ext>
+            </a:extLst>
+          </p:cNvPr>
+          <p:cNvSpPr/>
+          <p:nvPr/>
+        </p:nvSpPr>
+        <p:spPr>
+          <a:xfrm>
+            <a:off x="1464906" y="1026366"/>
+            <a:ext cx="2743200" cy="4170783"/>
+          </a:xfrm>
+          <a:prstGeom prst="roundRect">
+            <a:avLst/>
+          </a:prstGeom>
+        </p:spPr>
+        <p:style>
+          <a:lnRef idx="2">
+            <a:schemeClr val="accent1">
+              <a:shade val="50000"/>
+            </a:schemeClr>
+          </a:lnRef>
+          <a:fillRef idx="1">
+            <a:schemeClr val="accent1"/>
+          </a:fillRef>
+          <a:effectRef idx="0">
+            <a:schemeClr val="accent1"/>
+          </a:effectRef>
+          <a:fontRef idx="minor">
+            <a:schemeClr val="lt1"/>
+          </a:fontRef>
+        </p:style>
+        <p:txBody>
+          <a:bodyPr rtlCol="0" anchor="ctr"/>
+          <a:lstStyle/>
+          <a:p>
+            <a:pPr algn="ctr"/>
+            <a:r>
+              <a:rPr lang="en-IN" dirty="0"/>
+              <a:t>Function for Uploading File</a:t>
+            </a:r>
+            <a:endParaRPr lang="en-US" dirty="0"/>
+          </a:p>
+        </p:txBody>
+      </p:sp>
+      <p:sp>
+        <p:nvSpPr>
+          <p:cNvPr id="3" name="Rectangle: Rounded Corners 2">
+            <a:extLst>
+              <a:ext uri="{FF2B5EF4-FFF2-40B4-BE49-F238E27FC236}">
+                <a16:creationId xmlns:a16="http://schemas.microsoft.com/office/drawing/2014/main" id="{7EE5C1E8-A4F8-1D49-1605-8E99E8AAD86E}"/>
+              </a:ext>
+            </a:extLst>
+          </p:cNvPr>
+          <p:cNvSpPr/>
+          <p:nvPr/>
+        </p:nvSpPr>
+        <p:spPr>
+          <a:xfrm>
+            <a:off x="7420946" y="1026367"/>
+            <a:ext cx="2743200" cy="4170783"/>
+          </a:xfrm>
+          <a:prstGeom prst="roundRect">
+            <a:avLst/>
+          </a:prstGeom>
+        </p:spPr>
+        <p:style>
+          <a:lnRef idx="2">
+            <a:schemeClr val="accent1">
+              <a:shade val="50000"/>
+            </a:schemeClr>
+          </a:lnRef>
+          <a:fillRef idx="1">
+            <a:schemeClr val="accent1"/>
+          </a:fillRef>
+          <a:effectRef idx="0">
+            <a:schemeClr val="accent1"/>
+          </a:effectRef>
+          <a:fontRef idx="minor">
+            <a:schemeClr val="lt1"/>
+          </a:fontRef>
+        </p:style>
+        <p:txBody>
+          <a:bodyPr rtlCol="0" anchor="ctr"/>
+          <a:lstStyle/>
+          <a:p>
+            <a:pPr algn="ctr"/>
+            <a:r>
+              <a:rPr lang="en-IN" dirty="0"/>
+              <a:t>Function for copying files</a:t>
+            </a:r>
+            <a:endParaRPr lang="en-US" dirty="0"/>
+          </a:p>
+        </p:txBody>
+      </p:sp>
+      <p:sp>
+        <p:nvSpPr>
+          <p:cNvPr id="4" name="Arrow: Down 3">
+            <a:extLst>
+              <a:ext uri="{FF2B5EF4-FFF2-40B4-BE49-F238E27FC236}">
+                <a16:creationId xmlns:a16="http://schemas.microsoft.com/office/drawing/2014/main" id="{10CFA61A-97A2-F2AB-9F72-98F10E712EE1}"/>
+              </a:ext>
+            </a:extLst>
+          </p:cNvPr>
+          <p:cNvSpPr/>
+          <p:nvPr/>
+        </p:nvSpPr>
+        <p:spPr>
+          <a:xfrm>
+            <a:off x="373224" y="914400"/>
+            <a:ext cx="793103" cy="4282750"/>
+          </a:xfrm>
+          <a:prstGeom prst="downArrow">
+            <a:avLst/>
+          </a:prstGeom>
+        </p:spPr>
+        <p:style>
+          <a:lnRef idx="2">
+            <a:schemeClr val="accent1">
+              <a:shade val="50000"/>
+            </a:schemeClr>
+          </a:lnRef>
+          <a:fillRef idx="1">
+            <a:schemeClr val="accent1"/>
+          </a:fillRef>
+          <a:effectRef idx="0">
+            <a:schemeClr val="accent1"/>
+          </a:effectRef>
+          <a:fontRef idx="minor">
+            <a:schemeClr val="lt1"/>
+          </a:fontRef>
+        </p:style>
+        <p:txBody>
+          <a:bodyPr rtlCol="0" anchor="ctr"/>
+          <a:lstStyle/>
+          <a:p>
+            <a:pPr algn="ctr"/>
+            <a:r>
+              <a:rPr lang="en-IN" dirty="0"/>
+              <a:t>P</a:t>
+            </a:r>
+          </a:p>
+          <a:p>
+            <a:pPr algn="ctr"/>
+            <a:r>
+              <a:rPr lang="en-IN" dirty="0"/>
+              <a:t>A</a:t>
+            </a:r>
+          </a:p>
+          <a:p>
+            <a:pPr algn="ctr"/>
+            <a:r>
+              <a:rPr lang="en-IN" dirty="0"/>
+              <a:t>R</a:t>
+            </a:r>
+          </a:p>
+          <a:p>
+            <a:pPr algn="ctr"/>
+            <a:r>
+              <a:rPr lang="en-IN" dirty="0"/>
+              <a:t>A</a:t>
+            </a:r>
+          </a:p>
+          <a:p>
+            <a:pPr algn="ctr"/>
+            <a:r>
+              <a:rPr lang="en-IN" dirty="0"/>
+              <a:t>L</a:t>
+            </a:r>
+          </a:p>
+          <a:p>
+            <a:pPr algn="ctr"/>
+            <a:r>
+              <a:rPr lang="en-IN" dirty="0"/>
+              <a:t>L</a:t>
+            </a:r>
+          </a:p>
+          <a:p>
+            <a:pPr algn="ctr"/>
+            <a:r>
+              <a:rPr lang="en-IN" dirty="0"/>
+              <a:t>E</a:t>
+            </a:r>
+          </a:p>
+          <a:p>
+            <a:pPr algn="ctr"/>
+            <a:r>
+              <a:rPr lang="en-IN" dirty="0"/>
+              <a:t>L</a:t>
+            </a:r>
+            <a:endParaRPr lang="en-US" dirty="0"/>
+          </a:p>
+        </p:txBody>
+      </p:sp>
+      <p:sp>
+        <p:nvSpPr>
+          <p:cNvPr id="6" name="Arrow: Down 5">
+            <a:extLst>
+              <a:ext uri="{FF2B5EF4-FFF2-40B4-BE49-F238E27FC236}">
+                <a16:creationId xmlns:a16="http://schemas.microsoft.com/office/drawing/2014/main" id="{953FDF1B-5CC4-D920-7202-F91D696A8FEF}"/>
+              </a:ext>
+            </a:extLst>
+          </p:cNvPr>
+          <p:cNvSpPr/>
+          <p:nvPr/>
+        </p:nvSpPr>
+        <p:spPr>
+          <a:xfrm>
+            <a:off x="11025673" y="1026366"/>
+            <a:ext cx="793103" cy="4282750"/>
+          </a:xfrm>
+          <a:prstGeom prst="downArrow">
+            <a:avLst/>
+          </a:prstGeom>
+        </p:spPr>
+        <p:style>
+          <a:lnRef idx="2">
+            <a:schemeClr val="accent1">
+              <a:shade val="50000"/>
+            </a:schemeClr>
+          </a:lnRef>
+          <a:fillRef idx="1">
+            <a:schemeClr val="accent1"/>
+          </a:fillRef>
+          <a:effectRef idx="0">
+            <a:schemeClr val="accent1"/>
+          </a:effectRef>
+          <a:fontRef idx="minor">
+            <a:schemeClr val="lt1"/>
+          </a:fontRef>
+        </p:style>
+        <p:txBody>
+          <a:bodyPr rtlCol="0" anchor="ctr"/>
+          <a:lstStyle/>
+          <a:p>
+            <a:pPr algn="ctr"/>
+            <a:r>
+              <a:rPr lang="en-IN" dirty="0"/>
+              <a:t>P</a:t>
+            </a:r>
+          </a:p>
+          <a:p>
+            <a:pPr algn="ctr"/>
+            <a:r>
+              <a:rPr lang="en-IN" dirty="0"/>
+              <a:t>A</a:t>
+            </a:r>
+          </a:p>
+          <a:p>
+            <a:pPr algn="ctr"/>
+            <a:r>
+              <a:rPr lang="en-IN" dirty="0"/>
+              <a:t>R</a:t>
+            </a:r>
+          </a:p>
+          <a:p>
+            <a:pPr algn="ctr"/>
+            <a:r>
+              <a:rPr lang="en-IN" dirty="0"/>
+              <a:t>A</a:t>
+            </a:r>
+          </a:p>
+          <a:p>
+            <a:pPr algn="ctr"/>
+            <a:r>
+              <a:rPr lang="en-IN" dirty="0"/>
+              <a:t>L</a:t>
+            </a:r>
+          </a:p>
+          <a:p>
+            <a:pPr algn="ctr"/>
+            <a:r>
+              <a:rPr lang="en-IN" dirty="0"/>
+              <a:t>L</a:t>
+            </a:r>
+          </a:p>
+          <a:p>
+            <a:pPr algn="ctr"/>
+            <a:r>
+              <a:rPr lang="en-IN" dirty="0"/>
+              <a:t>E</a:t>
+            </a:r>
+          </a:p>
+          <a:p>
+            <a:pPr algn="ctr"/>
+            <a:r>
+              <a:rPr lang="en-IN" dirty="0"/>
+              <a:t>L</a:t>
+            </a:r>
+            <a:endParaRPr lang="en-US" dirty="0"/>
+          </a:p>
+        </p:txBody>
+      </p:sp>
+      <p:sp>
+        <p:nvSpPr>
+          <p:cNvPr id="7" name="Flowchart: Multidocument 6">
+            <a:extLst>
+              <a:ext uri="{FF2B5EF4-FFF2-40B4-BE49-F238E27FC236}">
+                <a16:creationId xmlns:a16="http://schemas.microsoft.com/office/drawing/2014/main" id="{CCA1C8CE-0236-202A-99BF-35339ECBEF32}"/>
+              </a:ext>
+            </a:extLst>
+          </p:cNvPr>
+          <p:cNvSpPr/>
+          <p:nvPr/>
+        </p:nvSpPr>
+        <p:spPr>
+          <a:xfrm>
+            <a:off x="4627983" y="4665306"/>
+            <a:ext cx="2615681" cy="1642188"/>
+          </a:xfrm>
+          <a:prstGeom prst="flowChartMultidocument">
+            <a:avLst/>
+          </a:prstGeom>
+        </p:spPr>
+        <p:style>
+          <a:lnRef idx="2">
+            <a:schemeClr val="accent1">
+              <a:shade val="50000"/>
+            </a:schemeClr>
+          </a:lnRef>
+          <a:fillRef idx="1">
+            <a:schemeClr val="accent1"/>
+          </a:fillRef>
+          <a:effectRef idx="0">
+            <a:schemeClr val="accent1"/>
+          </a:effectRef>
+          <a:fontRef idx="minor">
+            <a:schemeClr val="lt1"/>
+          </a:fontRef>
+        </p:style>
+        <p:txBody>
+          <a:bodyPr rtlCol="0" anchor="ctr"/>
+          <a:lstStyle/>
+          <a:p>
+            <a:pPr algn="ctr"/>
+            <a:r>
+              <a:rPr lang="en-IN" dirty="0"/>
+              <a:t>File Volume or BLOB</a:t>
+            </a:r>
+            <a:endParaRPr lang="en-US" dirty="0"/>
+          </a:p>
+        </p:txBody>
+      </p:sp>
+      <p:cxnSp>
+        <p:nvCxnSpPr>
+          <p:cNvPr id="9" name="Connector: Elbow 8">
+            <a:extLst>
+              <a:ext uri="{FF2B5EF4-FFF2-40B4-BE49-F238E27FC236}">
+                <a16:creationId xmlns:a16="http://schemas.microsoft.com/office/drawing/2014/main" id="{9E05E26B-7FAA-3340-21D3-FA5D8323B453}"/>
+              </a:ext>
+            </a:extLst>
+          </p:cNvPr>
+          <p:cNvCxnSpPr>
+            <a:stCxn id="2" idx="2"/>
+            <a:endCxn id="7" idx="1"/>
+          </p:cNvCxnSpPr>
+          <p:nvPr/>
+        </p:nvCxnSpPr>
+        <p:spPr>
+          <a:xfrm rot="16200000" flipH="1">
+            <a:off x="3587619" y="4446035"/>
+            <a:ext cx="289251" cy="1791477"/>
+          </a:xfrm>
+          <a:prstGeom prst="bentConnector2">
+            <a:avLst/>
+          </a:prstGeom>
+          <a:ln>
+            <a:tailEnd type="triangle"/>
+          </a:ln>
+        </p:spPr>
+        <p:style>
+          <a:lnRef idx="1">
+            <a:schemeClr val="accent1"/>
+          </a:lnRef>
+          <a:fillRef idx="0">
+            <a:schemeClr val="accent1"/>
+          </a:fillRef>
+          <a:effectRef idx="0">
+            <a:schemeClr val="accent1"/>
+          </a:effectRef>
+          <a:fontRef idx="minor">
+            <a:schemeClr val="tx1"/>
+          </a:fontRef>
+        </p:style>
+      </p:cxnSp>
+      <p:cxnSp>
+        <p:nvCxnSpPr>
+          <p:cNvPr id="11" name="Connector: Elbow 10">
+            <a:extLst>
+              <a:ext uri="{FF2B5EF4-FFF2-40B4-BE49-F238E27FC236}">
+                <a16:creationId xmlns:a16="http://schemas.microsoft.com/office/drawing/2014/main" id="{2091B16E-5397-B70C-2BD2-CC3CFE237BC4}"/>
+              </a:ext>
+            </a:extLst>
+          </p:cNvPr>
+          <p:cNvCxnSpPr>
+            <a:stCxn id="7" idx="3"/>
+            <a:endCxn id="3" idx="2"/>
+          </p:cNvCxnSpPr>
+          <p:nvPr/>
+        </p:nvCxnSpPr>
+        <p:spPr>
+          <a:xfrm flipV="1">
+            <a:off x="7243664" y="5197150"/>
+            <a:ext cx="1548882" cy="289250"/>
+          </a:xfrm>
+          <a:prstGeom prst="bentConnector2">
+            <a:avLst/>
+          </a:prstGeom>
+          <a:ln>
+            <a:tailEnd type="triangle"/>
+          </a:ln>
+        </p:spPr>
+        <p:style>
+          <a:lnRef idx="1">
+            <a:schemeClr val="accent1"/>
+          </a:lnRef>
+          <a:fillRef idx="0">
+            <a:schemeClr val="accent1"/>
+          </a:fillRef>
+          <a:effectRef idx="0">
+            <a:schemeClr val="accent1"/>
+          </a:effectRef>
+          <a:fontRef idx="minor">
+            <a:schemeClr val="tx1"/>
+          </a:fontRef>
+        </p:style>
+      </p:cxnSp>
+      <p:sp>
+        <p:nvSpPr>
+          <p:cNvPr id="12" name="TextBox 11">
+            <a:extLst>
+              <a:ext uri="{FF2B5EF4-FFF2-40B4-BE49-F238E27FC236}">
+                <a16:creationId xmlns:a16="http://schemas.microsoft.com/office/drawing/2014/main" id="{6C495207-E5B2-8356-39F5-1F2FE91DE613}"/>
+              </a:ext>
+            </a:extLst>
+          </p:cNvPr>
+          <p:cNvSpPr txBox="1"/>
+          <p:nvPr/>
+        </p:nvSpPr>
+        <p:spPr>
+          <a:xfrm>
+            <a:off x="4492689" y="2034070"/>
+            <a:ext cx="2643673" cy="369332"/>
+          </a:xfrm>
+          <a:prstGeom prst="rect">
+            <a:avLst/>
+          </a:prstGeom>
+          <a:noFill/>
+        </p:spPr>
+        <p:txBody>
+          <a:bodyPr wrap="square" rtlCol="0">
+            <a:spAutoFit/>
+          </a:bodyPr>
+          <a:lstStyle/>
+          <a:p>
+            <a:pPr algn="ctr"/>
+            <a:r>
+              <a:rPr lang="en-IN" b="1" dirty="0"/>
+              <a:t>Parallel Files Operation </a:t>
+            </a:r>
+            <a:endParaRPr lang="en-US" b="1" dirty="0"/>
+          </a:p>
+        </p:txBody>
+      </p:sp>
+      <p:sp>
+        <p:nvSpPr>
+          <p:cNvPr id="13" name="Rectangle 12">
+            <a:extLst>
+              <a:ext uri="{FF2B5EF4-FFF2-40B4-BE49-F238E27FC236}">
+                <a16:creationId xmlns:a16="http://schemas.microsoft.com/office/drawing/2014/main" id="{F2F7E95C-35B2-A4C9-EB08-117BCAE2F88E}"/>
+              </a:ext>
+            </a:extLst>
+          </p:cNvPr>
+          <p:cNvSpPr/>
+          <p:nvPr/>
+        </p:nvSpPr>
+        <p:spPr>
+          <a:xfrm>
+            <a:off x="4790490" y="2612569"/>
+            <a:ext cx="2048071" cy="1110343"/>
+          </a:xfrm>
+          <a:prstGeom prst="rect">
+            <a:avLst/>
+          </a:prstGeom>
+        </p:spPr>
+        <p:style>
+          <a:lnRef idx="2">
+            <a:schemeClr val="accent1">
+              <a:shade val="50000"/>
+            </a:schemeClr>
+          </a:lnRef>
+          <a:fillRef idx="1">
+            <a:schemeClr val="accent1"/>
+          </a:fillRef>
+          <a:effectRef idx="0">
+            <a:schemeClr val="accent1"/>
+          </a:effectRef>
+          <a:fontRef idx="minor">
+            <a:schemeClr val="lt1"/>
+          </a:fontRef>
+        </p:style>
+        <p:txBody>
+          <a:bodyPr rtlCol="0" anchor="ctr"/>
+          <a:lstStyle/>
+          <a:p>
+            <a:pPr algn="ctr"/>
+            <a:r>
+              <a:rPr lang="en-IN" dirty="0"/>
+              <a:t>Function for Resizing</a:t>
+            </a:r>
+            <a:endParaRPr lang="en-US" dirty="0"/>
+          </a:p>
+        </p:txBody>
+      </p:sp>
+      <p:cxnSp>
+        <p:nvCxnSpPr>
+          <p:cNvPr id="15" name="Connector: Elbow 14">
+            <a:extLst>
+              <a:ext uri="{FF2B5EF4-FFF2-40B4-BE49-F238E27FC236}">
+                <a16:creationId xmlns:a16="http://schemas.microsoft.com/office/drawing/2014/main" id="{0F0A5FA5-4A19-DB18-D74A-28E01A82FC07}"/>
+              </a:ext>
+            </a:extLst>
+          </p:cNvPr>
+          <p:cNvCxnSpPr>
+            <a:stCxn id="13" idx="2"/>
+            <a:endCxn id="7" idx="0"/>
+          </p:cNvCxnSpPr>
+          <p:nvPr/>
+        </p:nvCxnSpPr>
+        <p:spPr>
+          <a:xfrm rot="16200000" flipH="1">
+            <a:off x="5493952" y="4043485"/>
+            <a:ext cx="942394" cy="301247"/>
+          </a:xfrm>
+          <a:prstGeom prst="bentConnector3">
+            <a:avLst/>
+          </a:prstGeom>
+          <a:ln>
+            <a:tailEnd type="triangle"/>
+          </a:ln>
+        </p:spPr>
+        <p:style>
+          <a:lnRef idx="1">
+            <a:schemeClr val="accent1"/>
+          </a:lnRef>
+          <a:fillRef idx="0">
+            <a:schemeClr val="accent1"/>
+          </a:fillRef>
+          <a:effectRef idx="0">
+            <a:schemeClr val="accent1"/>
+          </a:effectRef>
+          <a:fontRef idx="minor">
+            <a:schemeClr val="tx1"/>
+          </a:fontRef>
+        </p:style>
+      </p:cxnSp>
+    </p:spTree>
+    <p:extLst>
+      <p:ext uri="{BB962C8B-B14F-4D97-AF65-F5344CB8AC3E}">
+        <p14:creationId xmlns:p14="http://schemas.microsoft.com/office/powerpoint/2010/main" val="986507627"/>
+      </p:ext>
+    </p:extLst>
+  </p:cSld>
+  <p:clrMapOvr>
+    <a:masterClrMapping/>
+  </p:clrMapOvr>
+</p:sld>
+</file>
+
 <file path=ppt/slides/slide2.xml><?xml version="1.0" encoding="utf-8"?>
 <p:sld xmlns:a="http://schemas.openxmlformats.org/drawingml/2006/main" xmlns:r="http://schemas.openxmlformats.org/officeDocument/2006/relationships" xmlns:p="http://schemas.openxmlformats.org/presentationml/2006/main">
   <p:cSld>
@@ -7800,6 +8394,1585 @@
     <p:extLst>
       <p:ext uri="{BB962C8B-B14F-4D97-AF65-F5344CB8AC3E}">
         <p14:creationId xmlns:p14="http://schemas.microsoft.com/office/powerpoint/2010/main" val="416120267"/>
+      </p:ext>
+    </p:extLst>
+  </p:cSld>
+  <p:clrMapOvr>
+    <a:masterClrMapping/>
+  </p:clrMapOvr>
+</p:sld>
+</file>
+
+<file path=ppt/slides/slide8.xml><?xml version="1.0" encoding="utf-8"?>
+<p:sld xmlns:a="http://schemas.openxmlformats.org/drawingml/2006/main" xmlns:r="http://schemas.openxmlformats.org/officeDocument/2006/relationships" xmlns:p="http://schemas.openxmlformats.org/presentationml/2006/main">
+  <p:cSld>
+    <p:spTree>
+      <p:nvGrpSpPr>
+        <p:cNvPr id="1" name=""/>
+        <p:cNvGrpSpPr/>
+        <p:nvPr/>
+      </p:nvGrpSpPr>
+      <p:grpSpPr>
+        <a:xfrm>
+          <a:off x="0" y="0"/>
+          <a:ext cx="0" cy="0"/>
+          <a:chOff x="0" y="0"/>
+          <a:chExt cx="0" cy="0"/>
+        </a:xfrm>
+      </p:grpSpPr>
+      <p:sp>
+        <p:nvSpPr>
+          <p:cNvPr id="17" name="Rectangle 16">
+            <a:extLst>
+              <a:ext uri="{FF2B5EF4-FFF2-40B4-BE49-F238E27FC236}">
+                <a16:creationId xmlns:a16="http://schemas.microsoft.com/office/drawing/2014/main" id="{9FD3F080-7CA9-E77A-E95F-532258B7809A}"/>
+              </a:ext>
+            </a:extLst>
+          </p:cNvPr>
+          <p:cNvSpPr/>
+          <p:nvPr/>
+        </p:nvSpPr>
+        <p:spPr>
+          <a:xfrm>
+            <a:off x="4618653" y="4335623"/>
+            <a:ext cx="7417837" cy="2149153"/>
+          </a:xfrm>
+          <a:prstGeom prst="rect">
+            <a:avLst/>
+          </a:prstGeom>
+        </p:spPr>
+        <p:style>
+          <a:lnRef idx="1">
+            <a:schemeClr val="accent2"/>
+          </a:lnRef>
+          <a:fillRef idx="2">
+            <a:schemeClr val="accent2"/>
+          </a:fillRef>
+          <a:effectRef idx="1">
+            <a:schemeClr val="accent2"/>
+          </a:effectRef>
+          <a:fontRef idx="minor">
+            <a:schemeClr val="dk1"/>
+          </a:fontRef>
+        </p:style>
+        <p:txBody>
+          <a:bodyPr rtlCol="0" anchor="ctr"/>
+          <a:lstStyle/>
+          <a:p>
+            <a:pPr algn="ctr"/>
+            <a:endParaRPr lang="en-US"/>
+          </a:p>
+        </p:txBody>
+      </p:sp>
+      <p:sp>
+        <p:nvSpPr>
+          <p:cNvPr id="16" name="Rectangle 15">
+            <a:extLst>
+              <a:ext uri="{FF2B5EF4-FFF2-40B4-BE49-F238E27FC236}">
+                <a16:creationId xmlns:a16="http://schemas.microsoft.com/office/drawing/2014/main" id="{8687FD60-6FC5-28D8-5FC7-840172543E1A}"/>
+              </a:ext>
+            </a:extLst>
+          </p:cNvPr>
+          <p:cNvSpPr/>
+          <p:nvPr/>
+        </p:nvSpPr>
+        <p:spPr>
+          <a:xfrm>
+            <a:off x="4739951" y="373224"/>
+            <a:ext cx="7296539" cy="1959430"/>
+          </a:xfrm>
+          <a:prstGeom prst="rect">
+            <a:avLst/>
+          </a:prstGeom>
+        </p:spPr>
+        <p:style>
+          <a:lnRef idx="1">
+            <a:schemeClr val="accent2"/>
+          </a:lnRef>
+          <a:fillRef idx="2">
+            <a:schemeClr val="accent2"/>
+          </a:fillRef>
+          <a:effectRef idx="1">
+            <a:schemeClr val="accent2"/>
+          </a:effectRef>
+          <a:fontRef idx="minor">
+            <a:schemeClr val="dk1"/>
+          </a:fontRef>
+        </p:style>
+        <p:txBody>
+          <a:bodyPr rtlCol="0" anchor="ctr"/>
+          <a:lstStyle/>
+          <a:p>
+            <a:pPr algn="ctr"/>
+            <a:endParaRPr lang="en-US"/>
+          </a:p>
+        </p:txBody>
+      </p:sp>
+      <p:sp>
+        <p:nvSpPr>
+          <p:cNvPr id="3" name="Rectangle: Rounded Corners 2">
+            <a:extLst>
+              <a:ext uri="{FF2B5EF4-FFF2-40B4-BE49-F238E27FC236}">
+                <a16:creationId xmlns:a16="http://schemas.microsoft.com/office/drawing/2014/main" id="{10195296-7563-D949-348A-E712F791433F}"/>
+              </a:ext>
+            </a:extLst>
+          </p:cNvPr>
+          <p:cNvSpPr/>
+          <p:nvPr/>
+        </p:nvSpPr>
+        <p:spPr>
+          <a:xfrm>
+            <a:off x="5085183" y="606490"/>
+            <a:ext cx="4329404" cy="1632857"/>
+          </a:xfrm>
+          <a:prstGeom prst="roundRect">
+            <a:avLst/>
+          </a:prstGeom>
+        </p:spPr>
+        <p:style>
+          <a:lnRef idx="2">
+            <a:schemeClr val="accent1">
+              <a:shade val="50000"/>
+            </a:schemeClr>
+          </a:lnRef>
+          <a:fillRef idx="1">
+            <a:schemeClr val="accent1"/>
+          </a:fillRef>
+          <a:effectRef idx="0">
+            <a:schemeClr val="accent1"/>
+          </a:effectRef>
+          <a:fontRef idx="minor">
+            <a:schemeClr val="lt1"/>
+          </a:fontRef>
+        </p:style>
+        <p:txBody>
+          <a:bodyPr rtlCol="0" anchor="ctr"/>
+          <a:lstStyle/>
+          <a:p>
+            <a:pPr algn="ctr"/>
+            <a:r>
+              <a:rPr lang="en-IN" b="1" dirty="0"/>
+              <a:t>Azure HttpTrigger Function for Accepting Order</a:t>
+            </a:r>
+            <a:endParaRPr lang="en-US" b="1" dirty="0"/>
+          </a:p>
+        </p:txBody>
+      </p:sp>
+      <p:sp>
+        <p:nvSpPr>
+          <p:cNvPr id="4" name="Rectangle: Rounded Corners 3">
+            <a:extLst>
+              <a:ext uri="{FF2B5EF4-FFF2-40B4-BE49-F238E27FC236}">
+                <a16:creationId xmlns:a16="http://schemas.microsoft.com/office/drawing/2014/main" id="{DD2E82C4-39E4-D408-DF34-41ABC7FAA044}"/>
+              </a:ext>
+            </a:extLst>
+          </p:cNvPr>
+          <p:cNvSpPr/>
+          <p:nvPr/>
+        </p:nvSpPr>
+        <p:spPr>
+          <a:xfrm>
+            <a:off x="5085183" y="4525346"/>
+            <a:ext cx="4329404" cy="1632857"/>
+          </a:xfrm>
+          <a:prstGeom prst="roundRect">
+            <a:avLst/>
+          </a:prstGeom>
+        </p:spPr>
+        <p:style>
+          <a:lnRef idx="2">
+            <a:schemeClr val="accent1">
+              <a:shade val="50000"/>
+            </a:schemeClr>
+          </a:lnRef>
+          <a:fillRef idx="1">
+            <a:schemeClr val="accent1"/>
+          </a:fillRef>
+          <a:effectRef idx="0">
+            <a:schemeClr val="accent1"/>
+          </a:effectRef>
+          <a:fontRef idx="minor">
+            <a:schemeClr val="lt1"/>
+          </a:fontRef>
+        </p:style>
+        <p:txBody>
+          <a:bodyPr rtlCol="0" anchor="ctr"/>
+          <a:lstStyle/>
+          <a:p>
+            <a:pPr algn="ctr"/>
+            <a:r>
+              <a:rPr lang="en-IN" b="1" dirty="0"/>
+              <a:t>Azure Function for Processing Order</a:t>
+            </a:r>
+            <a:endParaRPr lang="en-US" b="1" dirty="0"/>
+          </a:p>
+        </p:txBody>
+      </p:sp>
+      <p:sp>
+        <p:nvSpPr>
+          <p:cNvPr id="5" name="Flowchart: Magnetic Disk 4">
+            <a:extLst>
+              <a:ext uri="{FF2B5EF4-FFF2-40B4-BE49-F238E27FC236}">
+                <a16:creationId xmlns:a16="http://schemas.microsoft.com/office/drawing/2014/main" id="{A6413175-0C8D-7040-8335-59F38F8EDC26}"/>
+              </a:ext>
+            </a:extLst>
+          </p:cNvPr>
+          <p:cNvSpPr/>
+          <p:nvPr/>
+        </p:nvSpPr>
+        <p:spPr>
+          <a:xfrm>
+            <a:off x="9974424" y="718457"/>
+            <a:ext cx="1922107" cy="1259633"/>
+          </a:xfrm>
+          <a:prstGeom prst="flowChartMagneticDisk">
+            <a:avLst/>
+          </a:prstGeom>
+        </p:spPr>
+        <p:style>
+          <a:lnRef idx="2">
+            <a:schemeClr val="accent1">
+              <a:shade val="50000"/>
+            </a:schemeClr>
+          </a:lnRef>
+          <a:fillRef idx="1">
+            <a:schemeClr val="accent1"/>
+          </a:fillRef>
+          <a:effectRef idx="0">
+            <a:schemeClr val="accent1"/>
+          </a:effectRef>
+          <a:fontRef idx="minor">
+            <a:schemeClr val="lt1"/>
+          </a:fontRef>
+        </p:style>
+        <p:txBody>
+          <a:bodyPr rtlCol="0" anchor="ctr"/>
+          <a:lstStyle/>
+          <a:p>
+            <a:pPr algn="ctr"/>
+            <a:r>
+              <a:rPr lang="en-IN" b="1" dirty="0"/>
+              <a:t>Order Database</a:t>
+            </a:r>
+            <a:endParaRPr lang="en-US" b="1" dirty="0"/>
+          </a:p>
+        </p:txBody>
+      </p:sp>
+      <p:sp>
+        <p:nvSpPr>
+          <p:cNvPr id="6" name="Flowchart: Magnetic Disk 5">
+            <a:extLst>
+              <a:ext uri="{FF2B5EF4-FFF2-40B4-BE49-F238E27FC236}">
+                <a16:creationId xmlns:a16="http://schemas.microsoft.com/office/drawing/2014/main" id="{D3DE8BA8-90AE-242E-1380-92C0B331CA9C}"/>
+              </a:ext>
+            </a:extLst>
+          </p:cNvPr>
+          <p:cNvSpPr/>
+          <p:nvPr/>
+        </p:nvSpPr>
+        <p:spPr>
+          <a:xfrm>
+            <a:off x="9974424" y="4525346"/>
+            <a:ext cx="1922107" cy="1259633"/>
+          </a:xfrm>
+          <a:prstGeom prst="flowChartMagneticDisk">
+            <a:avLst/>
+          </a:prstGeom>
+        </p:spPr>
+        <p:style>
+          <a:lnRef idx="2">
+            <a:schemeClr val="accent1">
+              <a:shade val="50000"/>
+            </a:schemeClr>
+          </a:lnRef>
+          <a:fillRef idx="1">
+            <a:schemeClr val="accent1"/>
+          </a:fillRef>
+          <a:effectRef idx="0">
+            <a:schemeClr val="accent1"/>
+          </a:effectRef>
+          <a:fontRef idx="minor">
+            <a:schemeClr val="lt1"/>
+          </a:fontRef>
+        </p:style>
+        <p:txBody>
+          <a:bodyPr rtlCol="0" anchor="ctr"/>
+          <a:lstStyle/>
+          <a:p>
+            <a:pPr algn="ctr"/>
+            <a:r>
+              <a:rPr lang="en-IN" b="1" dirty="0"/>
+              <a:t>Order Processing Database</a:t>
+            </a:r>
+            <a:endParaRPr lang="en-US" b="1" dirty="0"/>
+          </a:p>
+        </p:txBody>
+      </p:sp>
+      <p:sp>
+        <p:nvSpPr>
+          <p:cNvPr id="7" name="Arrow: Left-Right 6">
+            <a:extLst>
+              <a:ext uri="{FF2B5EF4-FFF2-40B4-BE49-F238E27FC236}">
+                <a16:creationId xmlns:a16="http://schemas.microsoft.com/office/drawing/2014/main" id="{AFDF892E-169D-E0CA-9A04-339D6D1695F5}"/>
+              </a:ext>
+            </a:extLst>
+          </p:cNvPr>
+          <p:cNvSpPr/>
+          <p:nvPr/>
+        </p:nvSpPr>
+        <p:spPr>
+          <a:xfrm>
+            <a:off x="9414587" y="1231641"/>
+            <a:ext cx="559837" cy="298579"/>
+          </a:xfrm>
+          <a:prstGeom prst="leftRightArrow">
+            <a:avLst/>
+          </a:prstGeom>
+        </p:spPr>
+        <p:style>
+          <a:lnRef idx="2">
+            <a:schemeClr val="accent1">
+              <a:shade val="50000"/>
+            </a:schemeClr>
+          </a:lnRef>
+          <a:fillRef idx="1">
+            <a:schemeClr val="accent1"/>
+          </a:fillRef>
+          <a:effectRef idx="0">
+            <a:schemeClr val="accent1"/>
+          </a:effectRef>
+          <a:fontRef idx="minor">
+            <a:schemeClr val="lt1"/>
+          </a:fontRef>
+        </p:style>
+        <p:txBody>
+          <a:bodyPr rtlCol="0" anchor="ctr"/>
+          <a:lstStyle/>
+          <a:p>
+            <a:pPr algn="ctr"/>
+            <a:endParaRPr lang="en-US"/>
+          </a:p>
+        </p:txBody>
+      </p:sp>
+      <p:sp>
+        <p:nvSpPr>
+          <p:cNvPr id="8" name="Arrow: Left-Right 7">
+            <a:extLst>
+              <a:ext uri="{FF2B5EF4-FFF2-40B4-BE49-F238E27FC236}">
+                <a16:creationId xmlns:a16="http://schemas.microsoft.com/office/drawing/2014/main" id="{4EC804C2-A58B-0BD5-C86A-AC8CD149E584}"/>
+              </a:ext>
+            </a:extLst>
+          </p:cNvPr>
+          <p:cNvSpPr/>
+          <p:nvPr/>
+        </p:nvSpPr>
+        <p:spPr>
+          <a:xfrm>
+            <a:off x="9414586" y="5043195"/>
+            <a:ext cx="559837" cy="298579"/>
+          </a:xfrm>
+          <a:prstGeom prst="leftRightArrow">
+            <a:avLst/>
+          </a:prstGeom>
+        </p:spPr>
+        <p:style>
+          <a:lnRef idx="2">
+            <a:schemeClr val="accent1">
+              <a:shade val="50000"/>
+            </a:schemeClr>
+          </a:lnRef>
+          <a:fillRef idx="1">
+            <a:schemeClr val="accent1"/>
+          </a:fillRef>
+          <a:effectRef idx="0">
+            <a:schemeClr val="accent1"/>
+          </a:effectRef>
+          <a:fontRef idx="minor">
+            <a:schemeClr val="lt1"/>
+          </a:fontRef>
+        </p:style>
+        <p:txBody>
+          <a:bodyPr rtlCol="0" anchor="ctr"/>
+          <a:lstStyle/>
+          <a:p>
+            <a:pPr algn="ctr"/>
+            <a:endParaRPr lang="en-US"/>
+          </a:p>
+        </p:txBody>
+      </p:sp>
+      <p:sp>
+        <p:nvSpPr>
+          <p:cNvPr id="18" name="Arrow: Right 17">
+            <a:extLst>
+              <a:ext uri="{FF2B5EF4-FFF2-40B4-BE49-F238E27FC236}">
+                <a16:creationId xmlns:a16="http://schemas.microsoft.com/office/drawing/2014/main" id="{A06D96FC-0CFE-D611-C7D8-BDF420D0169D}"/>
+              </a:ext>
+            </a:extLst>
+          </p:cNvPr>
+          <p:cNvSpPr/>
+          <p:nvPr/>
+        </p:nvSpPr>
+        <p:spPr>
+          <a:xfrm>
+            <a:off x="485191" y="122854"/>
+            <a:ext cx="4254759" cy="979714"/>
+          </a:xfrm>
+          <a:prstGeom prst="rightArrow">
+            <a:avLst/>
+          </a:prstGeom>
+        </p:spPr>
+        <p:style>
+          <a:lnRef idx="2">
+            <a:schemeClr val="accent1">
+              <a:shade val="50000"/>
+            </a:schemeClr>
+          </a:lnRef>
+          <a:fillRef idx="1">
+            <a:schemeClr val="accent1"/>
+          </a:fillRef>
+          <a:effectRef idx="0">
+            <a:schemeClr val="accent1"/>
+          </a:effectRef>
+          <a:fontRef idx="minor">
+            <a:schemeClr val="lt1"/>
+          </a:fontRef>
+        </p:style>
+        <p:txBody>
+          <a:bodyPr rtlCol="0" anchor="ctr"/>
+          <a:lstStyle/>
+          <a:p>
+            <a:pPr algn="ctr"/>
+            <a:r>
+              <a:rPr lang="en-IN" dirty="0"/>
+              <a:t>Request with Some Data</a:t>
+            </a:r>
+            <a:endParaRPr lang="en-US" dirty="0"/>
+          </a:p>
+        </p:txBody>
+      </p:sp>
+      <p:sp>
+        <p:nvSpPr>
+          <p:cNvPr id="19" name="Arrow: Left 18">
+            <a:extLst>
+              <a:ext uri="{FF2B5EF4-FFF2-40B4-BE49-F238E27FC236}">
+                <a16:creationId xmlns:a16="http://schemas.microsoft.com/office/drawing/2014/main" id="{56C5A7AD-5623-D336-E660-E2ACB08CD509}"/>
+              </a:ext>
+            </a:extLst>
+          </p:cNvPr>
+          <p:cNvSpPr/>
+          <p:nvPr/>
+        </p:nvSpPr>
+        <p:spPr>
+          <a:xfrm>
+            <a:off x="485190" y="1348273"/>
+            <a:ext cx="4254759" cy="891074"/>
+          </a:xfrm>
+          <a:prstGeom prst="leftArrow">
+            <a:avLst/>
+          </a:prstGeom>
+        </p:spPr>
+        <p:style>
+          <a:lnRef idx="2">
+            <a:schemeClr val="accent1">
+              <a:shade val="50000"/>
+            </a:schemeClr>
+          </a:lnRef>
+          <a:fillRef idx="1">
+            <a:schemeClr val="accent1"/>
+          </a:fillRef>
+          <a:effectRef idx="0">
+            <a:schemeClr val="accent1"/>
+          </a:effectRef>
+          <a:fontRef idx="minor">
+            <a:schemeClr val="lt1"/>
+          </a:fontRef>
+        </p:style>
+        <p:txBody>
+          <a:bodyPr rtlCol="0" anchor="ctr"/>
+          <a:lstStyle/>
+          <a:p>
+            <a:pPr algn="ctr"/>
+            <a:r>
+              <a:rPr lang="en-IN" dirty="0"/>
+              <a:t>Response</a:t>
+            </a:r>
+            <a:endParaRPr lang="en-US" dirty="0"/>
+          </a:p>
+        </p:txBody>
+      </p:sp>
+      <p:sp>
+        <p:nvSpPr>
+          <p:cNvPr id="20" name="Arrow: Right 19">
+            <a:extLst>
+              <a:ext uri="{FF2B5EF4-FFF2-40B4-BE49-F238E27FC236}">
+                <a16:creationId xmlns:a16="http://schemas.microsoft.com/office/drawing/2014/main" id="{44B906BB-4753-2DD4-34D9-BB93CE0D5EF6}"/>
+              </a:ext>
+            </a:extLst>
+          </p:cNvPr>
+          <p:cNvSpPr/>
+          <p:nvPr/>
+        </p:nvSpPr>
+        <p:spPr>
+          <a:xfrm>
+            <a:off x="363893" y="4240765"/>
+            <a:ext cx="4254759" cy="979714"/>
+          </a:xfrm>
+          <a:prstGeom prst="rightArrow">
+            <a:avLst/>
+          </a:prstGeom>
+        </p:spPr>
+        <p:style>
+          <a:lnRef idx="2">
+            <a:schemeClr val="accent1">
+              <a:shade val="50000"/>
+            </a:schemeClr>
+          </a:lnRef>
+          <a:fillRef idx="1">
+            <a:schemeClr val="accent1"/>
+          </a:fillRef>
+          <a:effectRef idx="0">
+            <a:schemeClr val="accent1"/>
+          </a:effectRef>
+          <a:fontRef idx="minor">
+            <a:schemeClr val="lt1"/>
+          </a:fontRef>
+        </p:style>
+        <p:txBody>
+          <a:bodyPr rtlCol="0" anchor="ctr"/>
+          <a:lstStyle/>
+          <a:p>
+            <a:pPr algn="ctr"/>
+            <a:r>
+              <a:rPr lang="en-IN" dirty="0"/>
+              <a:t>Request with Some Data</a:t>
+            </a:r>
+            <a:endParaRPr lang="en-US" dirty="0"/>
+          </a:p>
+        </p:txBody>
+      </p:sp>
+      <p:sp>
+        <p:nvSpPr>
+          <p:cNvPr id="21" name="Arrow: Left 20">
+            <a:extLst>
+              <a:ext uri="{FF2B5EF4-FFF2-40B4-BE49-F238E27FC236}">
+                <a16:creationId xmlns:a16="http://schemas.microsoft.com/office/drawing/2014/main" id="{DF9A5E3B-C4F6-433C-CC48-E022488AC3D8}"/>
+              </a:ext>
+            </a:extLst>
+          </p:cNvPr>
+          <p:cNvSpPr/>
+          <p:nvPr/>
+        </p:nvSpPr>
+        <p:spPr>
+          <a:xfrm>
+            <a:off x="363892" y="5466184"/>
+            <a:ext cx="4254759" cy="891074"/>
+          </a:xfrm>
+          <a:prstGeom prst="leftArrow">
+            <a:avLst/>
+          </a:prstGeom>
+        </p:spPr>
+        <p:style>
+          <a:lnRef idx="2">
+            <a:schemeClr val="accent1">
+              <a:shade val="50000"/>
+            </a:schemeClr>
+          </a:lnRef>
+          <a:fillRef idx="1">
+            <a:schemeClr val="accent1"/>
+          </a:fillRef>
+          <a:effectRef idx="0">
+            <a:schemeClr val="accent1"/>
+          </a:effectRef>
+          <a:fontRef idx="minor">
+            <a:schemeClr val="lt1"/>
+          </a:fontRef>
+        </p:style>
+        <p:txBody>
+          <a:bodyPr rtlCol="0" anchor="ctr"/>
+          <a:lstStyle/>
+          <a:p>
+            <a:pPr algn="ctr"/>
+            <a:r>
+              <a:rPr lang="en-IN" dirty="0"/>
+              <a:t>Response</a:t>
+            </a:r>
+            <a:endParaRPr lang="en-US" dirty="0"/>
+          </a:p>
+        </p:txBody>
+      </p:sp>
+      <p:cxnSp>
+        <p:nvCxnSpPr>
+          <p:cNvPr id="23" name="Connector: Elbow 22">
+            <a:extLst>
+              <a:ext uri="{FF2B5EF4-FFF2-40B4-BE49-F238E27FC236}">
+                <a16:creationId xmlns:a16="http://schemas.microsoft.com/office/drawing/2014/main" id="{D9C7518D-383E-675F-6913-4857CD60D4CF}"/>
+              </a:ext>
+            </a:extLst>
+          </p:cNvPr>
+          <p:cNvCxnSpPr>
+            <a:cxnSpLocks/>
+            <a:stCxn id="16" idx="2"/>
+            <a:endCxn id="24" idx="1"/>
+          </p:cNvCxnSpPr>
+          <p:nvPr/>
+        </p:nvCxnSpPr>
+        <p:spPr>
+          <a:xfrm rot="5400000">
+            <a:off x="7830718" y="2568251"/>
+            <a:ext cx="793101" cy="321906"/>
+          </a:xfrm>
+          <a:prstGeom prst="bentConnector3">
+            <a:avLst/>
+          </a:prstGeom>
+          <a:ln>
+            <a:tailEnd type="triangle"/>
+          </a:ln>
+        </p:spPr>
+        <p:style>
+          <a:lnRef idx="1">
+            <a:schemeClr val="accent1"/>
+          </a:lnRef>
+          <a:fillRef idx="0">
+            <a:schemeClr val="accent1"/>
+          </a:fillRef>
+          <a:effectRef idx="0">
+            <a:schemeClr val="accent1"/>
+          </a:effectRef>
+          <a:fontRef idx="minor">
+            <a:schemeClr val="tx1"/>
+          </a:fontRef>
+        </p:style>
+      </p:cxnSp>
+      <p:sp>
+        <p:nvSpPr>
+          <p:cNvPr id="24" name="Flowchart: Magnetic Disk 23">
+            <a:extLst>
+              <a:ext uri="{FF2B5EF4-FFF2-40B4-BE49-F238E27FC236}">
+                <a16:creationId xmlns:a16="http://schemas.microsoft.com/office/drawing/2014/main" id="{D15E1584-81A6-F007-3ED8-FDE65B807F80}"/>
+              </a:ext>
+            </a:extLst>
+          </p:cNvPr>
+          <p:cNvSpPr/>
+          <p:nvPr/>
+        </p:nvSpPr>
+        <p:spPr>
+          <a:xfrm>
+            <a:off x="6904653" y="3125755"/>
+            <a:ext cx="2323323" cy="699796"/>
+          </a:xfrm>
+          <a:prstGeom prst="flowChartMagneticDisk">
+            <a:avLst/>
+          </a:prstGeom>
+        </p:spPr>
+        <p:style>
+          <a:lnRef idx="1">
+            <a:schemeClr val="accent6"/>
+          </a:lnRef>
+          <a:fillRef idx="3">
+            <a:schemeClr val="accent6"/>
+          </a:fillRef>
+          <a:effectRef idx="2">
+            <a:schemeClr val="accent6"/>
+          </a:effectRef>
+          <a:fontRef idx="minor">
+            <a:schemeClr val="lt1"/>
+          </a:fontRef>
+        </p:style>
+        <p:txBody>
+          <a:bodyPr rtlCol="0" anchor="ctr"/>
+          <a:lstStyle/>
+          <a:p>
+            <a:pPr algn="ctr"/>
+            <a:r>
+              <a:rPr lang="en-IN" dirty="0"/>
+              <a:t>Intermediate State</a:t>
+            </a:r>
+            <a:endParaRPr lang="en-US" dirty="0"/>
+          </a:p>
+        </p:txBody>
+      </p:sp>
+      <p:cxnSp>
+        <p:nvCxnSpPr>
+          <p:cNvPr id="28" name="Connector: Elbow 27">
+            <a:extLst>
+              <a:ext uri="{FF2B5EF4-FFF2-40B4-BE49-F238E27FC236}">
+                <a16:creationId xmlns:a16="http://schemas.microsoft.com/office/drawing/2014/main" id="{9A25D07B-5386-95AD-B6E3-C23CB198E4F2}"/>
+              </a:ext>
+            </a:extLst>
+          </p:cNvPr>
+          <p:cNvCxnSpPr>
+            <a:stCxn id="24" idx="3"/>
+            <a:endCxn id="17" idx="0"/>
+          </p:cNvCxnSpPr>
+          <p:nvPr/>
+        </p:nvCxnSpPr>
+        <p:spPr>
+          <a:xfrm rot="16200000" flipH="1">
+            <a:off x="7941907" y="3949958"/>
+            <a:ext cx="510072" cy="261257"/>
+          </a:xfrm>
+          <a:prstGeom prst="bentConnector3">
+            <a:avLst/>
+          </a:prstGeom>
+          <a:ln>
+            <a:tailEnd type="triangle"/>
+          </a:ln>
+        </p:spPr>
+        <p:style>
+          <a:lnRef idx="1">
+            <a:schemeClr val="accent1"/>
+          </a:lnRef>
+          <a:fillRef idx="0">
+            <a:schemeClr val="accent1"/>
+          </a:fillRef>
+          <a:effectRef idx="0">
+            <a:schemeClr val="accent1"/>
+          </a:effectRef>
+          <a:fontRef idx="minor">
+            <a:schemeClr val="tx1"/>
+          </a:fontRef>
+        </p:style>
+      </p:cxnSp>
+      <p:sp>
+        <p:nvSpPr>
+          <p:cNvPr id="29" name="TextBox 28">
+            <a:extLst>
+              <a:ext uri="{FF2B5EF4-FFF2-40B4-BE49-F238E27FC236}">
+                <a16:creationId xmlns:a16="http://schemas.microsoft.com/office/drawing/2014/main" id="{E6FD9DAD-9C69-085B-A41E-DBC41EDDC563}"/>
+              </a:ext>
+            </a:extLst>
+          </p:cNvPr>
+          <p:cNvSpPr txBox="1"/>
+          <p:nvPr/>
+        </p:nvSpPr>
+        <p:spPr>
+          <a:xfrm>
+            <a:off x="9414586" y="2827176"/>
+            <a:ext cx="2621904" cy="923330"/>
+          </a:xfrm>
+          <a:prstGeom prst="rect">
+            <a:avLst/>
+          </a:prstGeom>
+          <a:noFill/>
+        </p:spPr>
+        <p:txBody>
+          <a:bodyPr wrap="square" rtlCol="0">
+            <a:spAutoFit/>
+          </a:bodyPr>
+          <a:lstStyle/>
+          <a:p>
+            <a:r>
+              <a:rPr lang="en-IN" dirty="0"/>
+              <a:t>First Function has a state and it MUST be passed to other Function</a:t>
+            </a:r>
+            <a:endParaRPr lang="en-US" dirty="0"/>
+          </a:p>
+        </p:txBody>
+      </p:sp>
+    </p:spTree>
+    <p:extLst>
+      <p:ext uri="{BB962C8B-B14F-4D97-AF65-F5344CB8AC3E}">
+        <p14:creationId xmlns:p14="http://schemas.microsoft.com/office/powerpoint/2010/main" val="1483333537"/>
+      </p:ext>
+    </p:extLst>
+  </p:cSld>
+  <p:clrMapOvr>
+    <a:masterClrMapping/>
+  </p:clrMapOvr>
+</p:sld>
+</file>
+
+<file path=ppt/slides/slide9.xml><?xml version="1.0" encoding="utf-8"?>
+<p:sld xmlns:a="http://schemas.openxmlformats.org/drawingml/2006/main" xmlns:r="http://schemas.openxmlformats.org/officeDocument/2006/relationships" xmlns:p="http://schemas.openxmlformats.org/presentationml/2006/main">
+  <p:cSld>
+    <p:spTree>
+      <p:nvGrpSpPr>
+        <p:cNvPr id="1" name=""/>
+        <p:cNvGrpSpPr/>
+        <p:nvPr/>
+      </p:nvGrpSpPr>
+      <p:grpSpPr>
+        <a:xfrm>
+          <a:off x="0" y="0"/>
+          <a:ext cx="0" cy="0"/>
+          <a:chOff x="0" y="0"/>
+          <a:chExt cx="0" cy="0"/>
+        </a:xfrm>
+      </p:grpSpPr>
+      <p:sp>
+        <p:nvSpPr>
+          <p:cNvPr id="2" name="Rectangle: Rounded Corners 1">
+            <a:extLst>
+              <a:ext uri="{FF2B5EF4-FFF2-40B4-BE49-F238E27FC236}">
+                <a16:creationId xmlns:a16="http://schemas.microsoft.com/office/drawing/2014/main" id="{B1360700-5A4D-820B-379C-8D38F0BE5AB0}"/>
+              </a:ext>
+            </a:extLst>
+          </p:cNvPr>
+          <p:cNvSpPr/>
+          <p:nvPr/>
+        </p:nvSpPr>
+        <p:spPr>
+          <a:xfrm>
+            <a:off x="2332653" y="559837"/>
+            <a:ext cx="2771192" cy="1306285"/>
+          </a:xfrm>
+          <a:prstGeom prst="roundRect">
+            <a:avLst/>
+          </a:prstGeom>
+        </p:spPr>
+        <p:style>
+          <a:lnRef idx="2">
+            <a:schemeClr val="accent1">
+              <a:shade val="50000"/>
+            </a:schemeClr>
+          </a:lnRef>
+          <a:fillRef idx="1">
+            <a:schemeClr val="accent1"/>
+          </a:fillRef>
+          <a:effectRef idx="0">
+            <a:schemeClr val="accent1"/>
+          </a:effectRef>
+          <a:fontRef idx="minor">
+            <a:schemeClr val="lt1"/>
+          </a:fontRef>
+        </p:style>
+        <p:txBody>
+          <a:bodyPr rtlCol="0" anchor="ctr"/>
+          <a:lstStyle/>
+          <a:p>
+            <a:pPr algn="ctr"/>
+            <a:r>
+              <a:rPr lang="en-IN" dirty="0"/>
+              <a:t>Customer Place Order</a:t>
+            </a:r>
+            <a:endParaRPr lang="en-US" dirty="0"/>
+          </a:p>
+        </p:txBody>
+      </p:sp>
+      <p:sp>
+        <p:nvSpPr>
+          <p:cNvPr id="3" name="Rectangle: Rounded Corners 2">
+            <a:extLst>
+              <a:ext uri="{FF2B5EF4-FFF2-40B4-BE49-F238E27FC236}">
+                <a16:creationId xmlns:a16="http://schemas.microsoft.com/office/drawing/2014/main" id="{0C1583D8-92C3-1F5D-4C7D-8027332B74CD}"/>
+              </a:ext>
+            </a:extLst>
+          </p:cNvPr>
+          <p:cNvSpPr/>
+          <p:nvPr/>
+        </p:nvSpPr>
+        <p:spPr>
+          <a:xfrm>
+            <a:off x="7514253" y="1365379"/>
+            <a:ext cx="2771192" cy="1306285"/>
+          </a:xfrm>
+          <a:prstGeom prst="roundRect">
+            <a:avLst/>
+          </a:prstGeom>
+        </p:spPr>
+        <p:style>
+          <a:lnRef idx="2">
+            <a:schemeClr val="accent1">
+              <a:shade val="50000"/>
+            </a:schemeClr>
+          </a:lnRef>
+          <a:fillRef idx="1">
+            <a:schemeClr val="accent1"/>
+          </a:fillRef>
+          <a:effectRef idx="0">
+            <a:schemeClr val="accent1"/>
+          </a:effectRef>
+          <a:fontRef idx="minor">
+            <a:schemeClr val="lt1"/>
+          </a:fontRef>
+        </p:style>
+        <p:txBody>
+          <a:bodyPr rtlCol="0" anchor="ctr"/>
+          <a:lstStyle/>
+          <a:p>
+            <a:pPr algn="ctr"/>
+            <a:r>
+              <a:rPr lang="en-IN" dirty="0"/>
+              <a:t>Order is Received </a:t>
+            </a:r>
+            <a:endParaRPr lang="en-US" dirty="0"/>
+          </a:p>
+        </p:txBody>
+      </p:sp>
+      <p:cxnSp>
+        <p:nvCxnSpPr>
+          <p:cNvPr id="5" name="Connector: Elbow 4">
+            <a:extLst>
+              <a:ext uri="{FF2B5EF4-FFF2-40B4-BE49-F238E27FC236}">
+                <a16:creationId xmlns:a16="http://schemas.microsoft.com/office/drawing/2014/main" id="{5105B212-1C95-BF1E-70E7-1F8451DFE288}"/>
+              </a:ext>
+            </a:extLst>
+          </p:cNvPr>
+          <p:cNvCxnSpPr>
+            <a:stCxn id="2" idx="3"/>
+            <a:endCxn id="3" idx="1"/>
+          </p:cNvCxnSpPr>
+          <p:nvPr/>
+        </p:nvCxnSpPr>
+        <p:spPr>
+          <a:xfrm>
+            <a:off x="5103845" y="1212980"/>
+            <a:ext cx="2410408" cy="805542"/>
+          </a:xfrm>
+          <a:prstGeom prst="bentConnector3">
+            <a:avLst/>
+          </a:prstGeom>
+          <a:ln w="76200">
+            <a:solidFill>
+              <a:srgbClr val="FF0000"/>
+            </a:solidFill>
+            <a:tailEnd type="triangle"/>
+          </a:ln>
+        </p:spPr>
+        <p:style>
+          <a:lnRef idx="1">
+            <a:schemeClr val="accent1"/>
+          </a:lnRef>
+          <a:fillRef idx="0">
+            <a:schemeClr val="accent1"/>
+          </a:fillRef>
+          <a:effectRef idx="0">
+            <a:schemeClr val="accent1"/>
+          </a:effectRef>
+          <a:fontRef idx="minor">
+            <a:schemeClr val="tx1"/>
+          </a:fontRef>
+        </p:style>
+      </p:cxnSp>
+      <p:sp>
+        <p:nvSpPr>
+          <p:cNvPr id="6" name="Rectangle: Rounded Corners 5">
+            <a:extLst>
+              <a:ext uri="{FF2B5EF4-FFF2-40B4-BE49-F238E27FC236}">
+                <a16:creationId xmlns:a16="http://schemas.microsoft.com/office/drawing/2014/main" id="{7771EBAF-AA11-66ED-4CFA-553245516FFD}"/>
+              </a:ext>
+            </a:extLst>
+          </p:cNvPr>
+          <p:cNvSpPr/>
+          <p:nvPr/>
+        </p:nvSpPr>
+        <p:spPr>
+          <a:xfrm>
+            <a:off x="8419323" y="3292150"/>
+            <a:ext cx="2771192" cy="1306285"/>
+          </a:xfrm>
+          <a:prstGeom prst="roundRect">
+            <a:avLst/>
+          </a:prstGeom>
+        </p:spPr>
+        <p:style>
+          <a:lnRef idx="2">
+            <a:schemeClr val="accent1">
+              <a:shade val="50000"/>
+            </a:schemeClr>
+          </a:lnRef>
+          <a:fillRef idx="1">
+            <a:schemeClr val="accent1"/>
+          </a:fillRef>
+          <a:effectRef idx="0">
+            <a:schemeClr val="accent1"/>
+          </a:effectRef>
+          <a:fontRef idx="minor">
+            <a:schemeClr val="lt1"/>
+          </a:fontRef>
+        </p:style>
+        <p:txBody>
+          <a:bodyPr rtlCol="0" anchor="ctr"/>
+          <a:lstStyle/>
+          <a:p>
+            <a:pPr algn="ctr"/>
+            <a:r>
+              <a:rPr lang="en-IN" dirty="0"/>
+              <a:t>Placed For Approval</a:t>
+            </a:r>
+            <a:endParaRPr lang="en-US" dirty="0"/>
+          </a:p>
+        </p:txBody>
+      </p:sp>
+      <p:cxnSp>
+        <p:nvCxnSpPr>
+          <p:cNvPr id="8" name="Connector: Elbow 7">
+            <a:extLst>
+              <a:ext uri="{FF2B5EF4-FFF2-40B4-BE49-F238E27FC236}">
+                <a16:creationId xmlns:a16="http://schemas.microsoft.com/office/drawing/2014/main" id="{F95146C1-CC96-D42B-A570-E0D5BFE40548}"/>
+              </a:ext>
+            </a:extLst>
+          </p:cNvPr>
+          <p:cNvCxnSpPr>
+            <a:stCxn id="3" idx="3"/>
+            <a:endCxn id="6" idx="3"/>
+          </p:cNvCxnSpPr>
+          <p:nvPr/>
+        </p:nvCxnSpPr>
+        <p:spPr>
+          <a:xfrm>
+            <a:off x="10285445" y="2018522"/>
+            <a:ext cx="905070" cy="1926771"/>
+          </a:xfrm>
+          <a:prstGeom prst="bentConnector3">
+            <a:avLst>
+              <a:gd name="adj1" fmla="val 125258"/>
+            </a:avLst>
+          </a:prstGeom>
+          <a:ln w="76200">
+            <a:solidFill>
+              <a:srgbClr val="FF0000"/>
+            </a:solidFill>
+            <a:tailEnd type="triangle"/>
+          </a:ln>
+        </p:spPr>
+        <p:style>
+          <a:lnRef idx="1">
+            <a:schemeClr val="accent1"/>
+          </a:lnRef>
+          <a:fillRef idx="0">
+            <a:schemeClr val="accent1"/>
+          </a:fillRef>
+          <a:effectRef idx="0">
+            <a:schemeClr val="accent1"/>
+          </a:effectRef>
+          <a:fontRef idx="minor">
+            <a:schemeClr val="tx1"/>
+          </a:fontRef>
+        </p:style>
+      </p:cxnSp>
+      <p:sp>
+        <p:nvSpPr>
+          <p:cNvPr id="9" name="Rectangle: Rounded Corners 8">
+            <a:extLst>
+              <a:ext uri="{FF2B5EF4-FFF2-40B4-BE49-F238E27FC236}">
+                <a16:creationId xmlns:a16="http://schemas.microsoft.com/office/drawing/2014/main" id="{FE2EF4BE-A6AA-A2A5-88E5-33D85335D9CA}"/>
+              </a:ext>
+            </a:extLst>
+          </p:cNvPr>
+          <p:cNvSpPr/>
+          <p:nvPr/>
+        </p:nvSpPr>
+        <p:spPr>
+          <a:xfrm>
+            <a:off x="4546342" y="4717901"/>
+            <a:ext cx="2771192" cy="1306285"/>
+          </a:xfrm>
+          <a:prstGeom prst="roundRect">
+            <a:avLst/>
+          </a:prstGeom>
+        </p:spPr>
+        <p:style>
+          <a:lnRef idx="2">
+            <a:schemeClr val="accent1">
+              <a:shade val="50000"/>
+            </a:schemeClr>
+          </a:lnRef>
+          <a:fillRef idx="1">
+            <a:schemeClr val="accent1"/>
+          </a:fillRef>
+          <a:effectRef idx="0">
+            <a:schemeClr val="accent1"/>
+          </a:effectRef>
+          <a:fontRef idx="minor">
+            <a:schemeClr val="lt1"/>
+          </a:fontRef>
+        </p:style>
+        <p:txBody>
+          <a:bodyPr rtlCol="0" anchor="ctr"/>
+          <a:lstStyle/>
+          <a:p>
+            <a:pPr algn="ctr"/>
+            <a:r>
+              <a:rPr lang="en-IN" dirty="0"/>
+              <a:t>Order is Approved</a:t>
+            </a:r>
+            <a:endParaRPr lang="en-US" dirty="0"/>
+          </a:p>
+        </p:txBody>
+      </p:sp>
+      <p:cxnSp>
+        <p:nvCxnSpPr>
+          <p:cNvPr id="11" name="Connector: Elbow 10">
+            <a:extLst>
+              <a:ext uri="{FF2B5EF4-FFF2-40B4-BE49-F238E27FC236}">
+                <a16:creationId xmlns:a16="http://schemas.microsoft.com/office/drawing/2014/main" id="{D7BD4B5D-98C2-E3D3-23E4-077C617F75FD}"/>
+              </a:ext>
+            </a:extLst>
+          </p:cNvPr>
+          <p:cNvCxnSpPr>
+            <a:cxnSpLocks/>
+            <a:stCxn id="6" idx="1"/>
+            <a:endCxn id="9" idx="3"/>
+          </p:cNvCxnSpPr>
+          <p:nvPr/>
+        </p:nvCxnSpPr>
+        <p:spPr>
+          <a:xfrm rot="10800000" flipV="1">
+            <a:off x="7317535" y="3945292"/>
+            <a:ext cx="1101789" cy="1425751"/>
+          </a:xfrm>
+          <a:prstGeom prst="bentConnector3">
+            <a:avLst>
+              <a:gd name="adj1" fmla="val 50000"/>
+            </a:avLst>
+          </a:prstGeom>
+          <a:ln w="76200">
+            <a:solidFill>
+              <a:srgbClr val="FF0000"/>
+            </a:solidFill>
+            <a:tailEnd type="triangle"/>
+          </a:ln>
+        </p:spPr>
+        <p:style>
+          <a:lnRef idx="1">
+            <a:schemeClr val="accent1"/>
+          </a:lnRef>
+          <a:fillRef idx="0">
+            <a:schemeClr val="accent1"/>
+          </a:fillRef>
+          <a:effectRef idx="0">
+            <a:schemeClr val="accent1"/>
+          </a:effectRef>
+          <a:fontRef idx="minor">
+            <a:schemeClr val="tx1"/>
+          </a:fontRef>
+        </p:style>
+      </p:cxnSp>
+      <p:sp>
+        <p:nvSpPr>
+          <p:cNvPr id="12" name="Rectangle: Rounded Corners 11">
+            <a:extLst>
+              <a:ext uri="{FF2B5EF4-FFF2-40B4-BE49-F238E27FC236}">
+                <a16:creationId xmlns:a16="http://schemas.microsoft.com/office/drawing/2014/main" id="{F96B1DFB-9D55-66A6-9378-2D00920E9185}"/>
+              </a:ext>
+            </a:extLst>
+          </p:cNvPr>
+          <p:cNvSpPr/>
+          <p:nvPr/>
+        </p:nvSpPr>
+        <p:spPr>
+          <a:xfrm>
+            <a:off x="389554" y="5259077"/>
+            <a:ext cx="2771192" cy="1306285"/>
+          </a:xfrm>
+          <a:prstGeom prst="roundRect">
+            <a:avLst/>
+          </a:prstGeom>
+        </p:spPr>
+        <p:style>
+          <a:lnRef idx="2">
+            <a:schemeClr val="accent1">
+              <a:shade val="50000"/>
+            </a:schemeClr>
+          </a:lnRef>
+          <a:fillRef idx="1">
+            <a:schemeClr val="accent1"/>
+          </a:fillRef>
+          <a:effectRef idx="0">
+            <a:schemeClr val="accent1"/>
+          </a:effectRef>
+          <a:fontRef idx="minor">
+            <a:schemeClr val="lt1"/>
+          </a:fontRef>
+        </p:style>
+        <p:txBody>
+          <a:bodyPr rtlCol="0" anchor="ctr"/>
+          <a:lstStyle/>
+          <a:p>
+            <a:pPr algn="ctr"/>
+            <a:r>
+              <a:rPr lang="en-IN" dirty="0"/>
+              <a:t>Send to Dispatch</a:t>
+            </a:r>
+            <a:endParaRPr lang="en-US" dirty="0"/>
+          </a:p>
+        </p:txBody>
+      </p:sp>
+      <p:cxnSp>
+        <p:nvCxnSpPr>
+          <p:cNvPr id="14" name="Connector: Elbow 13">
+            <a:extLst>
+              <a:ext uri="{FF2B5EF4-FFF2-40B4-BE49-F238E27FC236}">
+                <a16:creationId xmlns:a16="http://schemas.microsoft.com/office/drawing/2014/main" id="{D8D42F79-F53C-39E9-7465-8940C87731A2}"/>
+              </a:ext>
+            </a:extLst>
+          </p:cNvPr>
+          <p:cNvCxnSpPr>
+            <a:stCxn id="9" idx="1"/>
+            <a:endCxn id="12" idx="3"/>
+          </p:cNvCxnSpPr>
+          <p:nvPr/>
+        </p:nvCxnSpPr>
+        <p:spPr>
+          <a:xfrm rot="10800000" flipV="1">
+            <a:off x="3160746" y="5371044"/>
+            <a:ext cx="1385596" cy="541176"/>
+          </a:xfrm>
+          <a:prstGeom prst="bentConnector3">
+            <a:avLst/>
+          </a:prstGeom>
+          <a:ln w="76200">
+            <a:solidFill>
+              <a:srgbClr val="FF0000"/>
+            </a:solidFill>
+            <a:tailEnd type="triangle"/>
+          </a:ln>
+        </p:spPr>
+        <p:style>
+          <a:lnRef idx="1">
+            <a:schemeClr val="accent1"/>
+          </a:lnRef>
+          <a:fillRef idx="0">
+            <a:schemeClr val="accent1"/>
+          </a:fillRef>
+          <a:effectRef idx="0">
+            <a:schemeClr val="accent1"/>
+          </a:effectRef>
+          <a:fontRef idx="minor">
+            <a:schemeClr val="tx1"/>
+          </a:fontRef>
+        </p:style>
+      </p:cxnSp>
+      <p:sp>
+        <p:nvSpPr>
+          <p:cNvPr id="15" name="TextBox 14">
+            <a:extLst>
+              <a:ext uri="{FF2B5EF4-FFF2-40B4-BE49-F238E27FC236}">
+                <a16:creationId xmlns:a16="http://schemas.microsoft.com/office/drawing/2014/main" id="{6086483C-3082-B155-9A09-B84186509F75}"/>
+              </a:ext>
+            </a:extLst>
+          </p:cNvPr>
+          <p:cNvSpPr txBox="1"/>
+          <p:nvPr/>
+        </p:nvSpPr>
+        <p:spPr>
+          <a:xfrm>
+            <a:off x="1250302" y="2671664"/>
+            <a:ext cx="3427446" cy="1200329"/>
+          </a:xfrm>
+          <a:prstGeom prst="rect">
+            <a:avLst/>
+          </a:prstGeom>
+          <a:noFill/>
+        </p:spPr>
+        <p:txBody>
+          <a:bodyPr wrap="square" rtlCol="0">
+            <a:spAutoFit/>
+          </a:bodyPr>
+          <a:lstStyle/>
+          <a:p>
+            <a:pPr algn="ctr"/>
+            <a:r>
+              <a:rPr lang="en-IN" sz="3600" dirty="0"/>
+              <a:t>Order Processing Workflow</a:t>
+            </a:r>
+            <a:endParaRPr lang="en-US" sz="3600" dirty="0"/>
+          </a:p>
+        </p:txBody>
+      </p:sp>
+      <p:sp>
+        <p:nvSpPr>
+          <p:cNvPr id="16" name="TextBox 15">
+            <a:extLst>
+              <a:ext uri="{FF2B5EF4-FFF2-40B4-BE49-F238E27FC236}">
+                <a16:creationId xmlns:a16="http://schemas.microsoft.com/office/drawing/2014/main" id="{529F68BF-4CC1-3BED-BD59-6D9F26BFE135}"/>
+              </a:ext>
+            </a:extLst>
+          </p:cNvPr>
+          <p:cNvSpPr txBox="1"/>
+          <p:nvPr/>
+        </p:nvSpPr>
+        <p:spPr>
+          <a:xfrm>
+            <a:off x="8817428" y="4717901"/>
+            <a:ext cx="3303037" cy="2215991"/>
+          </a:xfrm>
+          <a:prstGeom prst="rect">
+            <a:avLst/>
+          </a:prstGeom>
+          <a:noFill/>
+        </p:spPr>
+        <p:txBody>
+          <a:bodyPr wrap="square" rtlCol="0">
+            <a:spAutoFit/>
+          </a:bodyPr>
+          <a:lstStyle/>
+          <a:p>
+            <a:r>
+              <a:rPr lang="en-IN" sz="1600" dirty="0"/>
+              <a:t>Run() </a:t>
+            </a:r>
+          </a:p>
+          <a:p>
+            <a:r>
+              <a:rPr lang="en-IN" sz="1600" dirty="0"/>
+              <a:t>{</a:t>
+            </a:r>
+          </a:p>
+          <a:p>
+            <a:r>
+              <a:rPr lang="en-IN" sz="1600" dirty="0"/>
+              <a:t>   </a:t>
+            </a:r>
+            <a:r>
+              <a:rPr lang="en-IN" dirty="0" err="1"/>
+              <a:t>PlaceOrder</a:t>
+            </a:r>
+            <a:r>
+              <a:rPr lang="en-IN" dirty="0"/>
+              <a:t>();</a:t>
+            </a:r>
+          </a:p>
+          <a:p>
+            <a:r>
+              <a:rPr lang="en-IN" dirty="0"/>
+              <a:t>  </a:t>
+            </a:r>
+            <a:r>
+              <a:rPr lang="en-IN" dirty="0" err="1"/>
+              <a:t>ReceiveOrder</a:t>
+            </a:r>
+            <a:r>
+              <a:rPr lang="en-IN" dirty="0"/>
+              <a:t>();</a:t>
+            </a:r>
+          </a:p>
+          <a:p>
+            <a:r>
+              <a:rPr lang="en-IN" dirty="0" err="1"/>
+              <a:t>SendForAPproval</a:t>
+            </a:r>
+            <a:r>
+              <a:rPr lang="en-IN" dirty="0"/>
+              <a:t>()</a:t>
+            </a:r>
+          </a:p>
+          <a:p>
+            <a:r>
+              <a:rPr lang="en-IN" dirty="0"/>
+              <a:t>Approve()</a:t>
+            </a:r>
+          </a:p>
+          <a:p>
+            <a:r>
+              <a:rPr lang="en-IN" dirty="0"/>
+              <a:t>Dispatch()</a:t>
+            </a:r>
+          </a:p>
+          <a:p>
+            <a:r>
+              <a:rPr lang="en-IN" sz="1600" dirty="0"/>
+              <a:t>}</a:t>
+            </a:r>
+            <a:endParaRPr lang="en-US" sz="1600" dirty="0"/>
+          </a:p>
+        </p:txBody>
+      </p:sp>
+      <p:sp>
+        <p:nvSpPr>
+          <p:cNvPr id="17" name="Oval 16">
+            <a:extLst>
+              <a:ext uri="{FF2B5EF4-FFF2-40B4-BE49-F238E27FC236}">
+                <a16:creationId xmlns:a16="http://schemas.microsoft.com/office/drawing/2014/main" id="{A696E52F-DB57-7767-9327-47F97A886784}"/>
+              </a:ext>
+            </a:extLst>
+          </p:cNvPr>
+          <p:cNvSpPr/>
+          <p:nvPr/>
+        </p:nvSpPr>
+        <p:spPr>
+          <a:xfrm>
+            <a:off x="5772539" y="769775"/>
+            <a:ext cx="942392" cy="886408"/>
+          </a:xfrm>
+          <a:prstGeom prst="ellipse">
+            <a:avLst/>
+          </a:prstGeom>
+        </p:spPr>
+        <p:style>
+          <a:lnRef idx="2">
+            <a:schemeClr val="accent1">
+              <a:shade val="50000"/>
+            </a:schemeClr>
+          </a:lnRef>
+          <a:fillRef idx="1">
+            <a:schemeClr val="accent1"/>
+          </a:fillRef>
+          <a:effectRef idx="0">
+            <a:schemeClr val="accent1"/>
+          </a:effectRef>
+          <a:fontRef idx="minor">
+            <a:schemeClr val="lt1"/>
+          </a:fontRef>
+        </p:style>
+        <p:txBody>
+          <a:bodyPr rtlCol="0" anchor="ctr"/>
+          <a:lstStyle/>
+          <a:p>
+            <a:pPr algn="ctr"/>
+            <a:r>
+              <a:rPr lang="en-IN" dirty="0"/>
+              <a:t>State</a:t>
+            </a:r>
+            <a:endParaRPr lang="en-US" dirty="0"/>
+          </a:p>
+        </p:txBody>
+      </p:sp>
+      <p:sp>
+        <p:nvSpPr>
+          <p:cNvPr id="18" name="Oval 17">
+            <a:extLst>
+              <a:ext uri="{FF2B5EF4-FFF2-40B4-BE49-F238E27FC236}">
+                <a16:creationId xmlns:a16="http://schemas.microsoft.com/office/drawing/2014/main" id="{9A50927D-7FD0-B61C-1A90-C1CC18082FEB}"/>
+              </a:ext>
+            </a:extLst>
+          </p:cNvPr>
+          <p:cNvSpPr/>
+          <p:nvPr/>
+        </p:nvSpPr>
+        <p:spPr>
+          <a:xfrm>
+            <a:off x="10879494" y="1696895"/>
+            <a:ext cx="942392" cy="886408"/>
+          </a:xfrm>
+          <a:prstGeom prst="ellipse">
+            <a:avLst/>
+          </a:prstGeom>
+        </p:spPr>
+        <p:style>
+          <a:lnRef idx="2">
+            <a:schemeClr val="accent1">
+              <a:shade val="50000"/>
+            </a:schemeClr>
+          </a:lnRef>
+          <a:fillRef idx="1">
+            <a:schemeClr val="accent1"/>
+          </a:fillRef>
+          <a:effectRef idx="0">
+            <a:schemeClr val="accent1"/>
+          </a:effectRef>
+          <a:fontRef idx="minor">
+            <a:schemeClr val="lt1"/>
+          </a:fontRef>
+        </p:style>
+        <p:txBody>
+          <a:bodyPr rtlCol="0" anchor="ctr"/>
+          <a:lstStyle/>
+          <a:p>
+            <a:pPr algn="ctr"/>
+            <a:r>
+              <a:rPr lang="en-IN" dirty="0"/>
+              <a:t>State</a:t>
+            </a:r>
+            <a:endParaRPr lang="en-US" dirty="0"/>
+          </a:p>
+        </p:txBody>
+      </p:sp>
+      <p:sp>
+        <p:nvSpPr>
+          <p:cNvPr id="19" name="Oval 18">
+            <a:extLst>
+              <a:ext uri="{FF2B5EF4-FFF2-40B4-BE49-F238E27FC236}">
+                <a16:creationId xmlns:a16="http://schemas.microsoft.com/office/drawing/2014/main" id="{1E1DB2F5-1039-5232-0FC3-955B302F14B1}"/>
+              </a:ext>
+            </a:extLst>
+          </p:cNvPr>
+          <p:cNvSpPr/>
+          <p:nvPr/>
+        </p:nvSpPr>
+        <p:spPr>
+          <a:xfrm>
+            <a:off x="7286043" y="3771760"/>
+            <a:ext cx="942392" cy="886408"/>
+          </a:xfrm>
+          <a:prstGeom prst="ellipse">
+            <a:avLst/>
+          </a:prstGeom>
+        </p:spPr>
+        <p:style>
+          <a:lnRef idx="2">
+            <a:schemeClr val="accent1">
+              <a:shade val="50000"/>
+            </a:schemeClr>
+          </a:lnRef>
+          <a:fillRef idx="1">
+            <a:schemeClr val="accent1"/>
+          </a:fillRef>
+          <a:effectRef idx="0">
+            <a:schemeClr val="accent1"/>
+          </a:effectRef>
+          <a:fontRef idx="minor">
+            <a:schemeClr val="lt1"/>
+          </a:fontRef>
+        </p:style>
+        <p:txBody>
+          <a:bodyPr rtlCol="0" anchor="ctr"/>
+          <a:lstStyle/>
+          <a:p>
+            <a:pPr algn="ctr"/>
+            <a:r>
+              <a:rPr lang="en-IN" dirty="0"/>
+              <a:t>State</a:t>
+            </a:r>
+            <a:endParaRPr lang="en-US" dirty="0"/>
+          </a:p>
+        </p:txBody>
+      </p:sp>
+      <p:sp>
+        <p:nvSpPr>
+          <p:cNvPr id="20" name="Oval 19">
+            <a:extLst>
+              <a:ext uri="{FF2B5EF4-FFF2-40B4-BE49-F238E27FC236}">
+                <a16:creationId xmlns:a16="http://schemas.microsoft.com/office/drawing/2014/main" id="{3B29FD10-560F-83EF-C434-4865AF82DE1C}"/>
+              </a:ext>
+            </a:extLst>
+          </p:cNvPr>
+          <p:cNvSpPr/>
+          <p:nvPr/>
+        </p:nvSpPr>
+        <p:spPr>
+          <a:xfrm>
+            <a:off x="3382347" y="4927839"/>
+            <a:ext cx="942392" cy="886408"/>
+          </a:xfrm>
+          <a:prstGeom prst="ellipse">
+            <a:avLst/>
+          </a:prstGeom>
+        </p:spPr>
+        <p:style>
+          <a:lnRef idx="2">
+            <a:schemeClr val="accent1">
+              <a:shade val="50000"/>
+            </a:schemeClr>
+          </a:lnRef>
+          <a:fillRef idx="1">
+            <a:schemeClr val="accent1"/>
+          </a:fillRef>
+          <a:effectRef idx="0">
+            <a:schemeClr val="accent1"/>
+          </a:effectRef>
+          <a:fontRef idx="minor">
+            <a:schemeClr val="lt1"/>
+          </a:fontRef>
+        </p:style>
+        <p:txBody>
+          <a:bodyPr rtlCol="0" anchor="ctr"/>
+          <a:lstStyle/>
+          <a:p>
+            <a:pPr algn="ctr"/>
+            <a:r>
+              <a:rPr lang="en-IN" dirty="0"/>
+              <a:t>State</a:t>
+            </a:r>
+            <a:endParaRPr lang="en-US" dirty="0"/>
+          </a:p>
+        </p:txBody>
+      </p:sp>
+    </p:spTree>
+    <p:extLst>
+      <p:ext uri="{BB962C8B-B14F-4D97-AF65-F5344CB8AC3E}">
+        <p14:creationId xmlns:p14="http://schemas.microsoft.com/office/powerpoint/2010/main" val="2800259668"/>
       </p:ext>
     </p:extLst>
   </p:cSld>

--- a/TRaining_Sreverless_IMages.pptx
+++ b/TRaining_Sreverless_IMages.pptx
@@ -15,6 +15,11 @@
     <p:sldId id="263" r:id="rId9"/>
     <p:sldId id="264" r:id="rId10"/>
     <p:sldId id="265" r:id="rId11"/>
+    <p:sldId id="266" r:id="rId12"/>
+    <p:sldId id="267" r:id="rId13"/>
+    <p:sldId id="268" r:id="rId14"/>
+    <p:sldId id="269" r:id="rId15"/>
+    <p:sldId id="270" r:id="rId16"/>
   </p:sldIdLst>
   <p:sldSz cx="12192000" cy="6858000"/>
   <p:notesSz cx="6858000" cy="9144000"/>
@@ -268,7 +273,7 @@
           <a:p>
             <a:fld id="{63E833F7-F67A-46CE-A29F-562BF6475A37}" type="datetimeFigureOut">
               <a:rPr lang="en-US" smtClean="0"/>
-              <a:t>4/27/2023</a:t>
+              <a:t>4/28/2023</a:t>
             </a:fld>
             <a:endParaRPr lang="en-US"/>
           </a:p>
@@ -466,7 +471,7 @@
           <a:p>
             <a:fld id="{63E833F7-F67A-46CE-A29F-562BF6475A37}" type="datetimeFigureOut">
               <a:rPr lang="en-US" smtClean="0"/>
-              <a:t>4/27/2023</a:t>
+              <a:t>4/28/2023</a:t>
             </a:fld>
             <a:endParaRPr lang="en-US"/>
           </a:p>
@@ -674,7 +679,7 @@
           <a:p>
             <a:fld id="{63E833F7-F67A-46CE-A29F-562BF6475A37}" type="datetimeFigureOut">
               <a:rPr lang="en-US" smtClean="0"/>
-              <a:t>4/27/2023</a:t>
+              <a:t>4/28/2023</a:t>
             </a:fld>
             <a:endParaRPr lang="en-US"/>
           </a:p>
@@ -872,7 +877,7 @@
           <a:p>
             <a:fld id="{63E833F7-F67A-46CE-A29F-562BF6475A37}" type="datetimeFigureOut">
               <a:rPr lang="en-US" smtClean="0"/>
-              <a:t>4/27/2023</a:t>
+              <a:t>4/28/2023</a:t>
             </a:fld>
             <a:endParaRPr lang="en-US"/>
           </a:p>
@@ -1147,7 +1152,7 @@
           <a:p>
             <a:fld id="{63E833F7-F67A-46CE-A29F-562BF6475A37}" type="datetimeFigureOut">
               <a:rPr lang="en-US" smtClean="0"/>
-              <a:t>4/27/2023</a:t>
+              <a:t>4/28/2023</a:t>
             </a:fld>
             <a:endParaRPr lang="en-US"/>
           </a:p>
@@ -1412,7 +1417,7 @@
           <a:p>
             <a:fld id="{63E833F7-F67A-46CE-A29F-562BF6475A37}" type="datetimeFigureOut">
               <a:rPr lang="en-US" smtClean="0"/>
-              <a:t>4/27/2023</a:t>
+              <a:t>4/28/2023</a:t>
             </a:fld>
             <a:endParaRPr lang="en-US"/>
           </a:p>
@@ -1824,7 +1829,7 @@
           <a:p>
             <a:fld id="{63E833F7-F67A-46CE-A29F-562BF6475A37}" type="datetimeFigureOut">
               <a:rPr lang="en-US" smtClean="0"/>
-              <a:t>4/27/2023</a:t>
+              <a:t>4/28/2023</a:t>
             </a:fld>
             <a:endParaRPr lang="en-US"/>
           </a:p>
@@ -1965,7 +1970,7 @@
           <a:p>
             <a:fld id="{63E833F7-F67A-46CE-A29F-562BF6475A37}" type="datetimeFigureOut">
               <a:rPr lang="en-US" smtClean="0"/>
-              <a:t>4/27/2023</a:t>
+              <a:t>4/28/2023</a:t>
             </a:fld>
             <a:endParaRPr lang="en-US"/>
           </a:p>
@@ -2078,7 +2083,7 @@
           <a:p>
             <a:fld id="{63E833F7-F67A-46CE-A29F-562BF6475A37}" type="datetimeFigureOut">
               <a:rPr lang="en-US" smtClean="0"/>
-              <a:t>4/27/2023</a:t>
+              <a:t>4/28/2023</a:t>
             </a:fld>
             <a:endParaRPr lang="en-US"/>
           </a:p>
@@ -2389,7 +2394,7 @@
           <a:p>
             <a:fld id="{63E833F7-F67A-46CE-A29F-562BF6475A37}" type="datetimeFigureOut">
               <a:rPr lang="en-US" smtClean="0"/>
-              <a:t>4/27/2023</a:t>
+              <a:t>4/28/2023</a:t>
             </a:fld>
             <a:endParaRPr lang="en-US"/>
           </a:p>
@@ -2677,7 +2682,7 @@
           <a:p>
             <a:fld id="{63E833F7-F67A-46CE-A29F-562BF6475A37}" type="datetimeFigureOut">
               <a:rPr lang="en-US" smtClean="0"/>
-              <a:t>4/27/2023</a:t>
+              <a:t>4/28/2023</a:t>
             </a:fld>
             <a:endParaRPr lang="en-US"/>
           </a:p>
@@ -2918,7 +2923,7 @@
           <a:p>
             <a:fld id="{63E833F7-F67A-46CE-A29F-562BF6475A37}" type="datetimeFigureOut">
               <a:rPr lang="en-US" smtClean="0"/>
-              <a:t>4/27/2023</a:t>
+              <a:t>4/28/2023</a:t>
             </a:fld>
             <a:endParaRPr lang="en-US"/>
           </a:p>
@@ -4502,6 +4507,3479 @@
 </p:sld>
 </file>
 
+<file path=ppt/slides/slide11.xml><?xml version="1.0" encoding="utf-8"?>
+<p:sld xmlns:a="http://schemas.openxmlformats.org/drawingml/2006/main" xmlns:r="http://schemas.openxmlformats.org/officeDocument/2006/relationships" xmlns:p="http://schemas.openxmlformats.org/presentationml/2006/main">
+  <p:cSld>
+    <p:spTree>
+      <p:nvGrpSpPr>
+        <p:cNvPr id="1" name=""/>
+        <p:cNvGrpSpPr/>
+        <p:nvPr/>
+      </p:nvGrpSpPr>
+      <p:grpSpPr>
+        <a:xfrm>
+          <a:off x="0" y="0"/>
+          <a:ext cx="0" cy="0"/>
+          <a:chOff x="0" y="0"/>
+          <a:chExt cx="0" cy="0"/>
+        </a:xfrm>
+      </p:grpSpPr>
+      <p:sp>
+        <p:nvSpPr>
+          <p:cNvPr id="2" name="Rectangle 1">
+            <a:extLst>
+              <a:ext uri="{FF2B5EF4-FFF2-40B4-BE49-F238E27FC236}">
+                <a16:creationId xmlns:a16="http://schemas.microsoft.com/office/drawing/2014/main" id="{DCC3E84F-BFDF-512D-46AD-EF5091D78B7D}"/>
+              </a:ext>
+            </a:extLst>
+          </p:cNvPr>
+          <p:cNvSpPr/>
+          <p:nvPr/>
+        </p:nvSpPr>
+        <p:spPr>
+          <a:xfrm>
+            <a:off x="5187820" y="354563"/>
+            <a:ext cx="2864498" cy="2677886"/>
+          </a:xfrm>
+          <a:prstGeom prst="rect">
+            <a:avLst/>
+          </a:prstGeom>
+        </p:spPr>
+        <p:style>
+          <a:lnRef idx="2">
+            <a:schemeClr val="accent1">
+              <a:shade val="50000"/>
+            </a:schemeClr>
+          </a:lnRef>
+          <a:fillRef idx="1">
+            <a:schemeClr val="accent1"/>
+          </a:fillRef>
+          <a:effectRef idx="0">
+            <a:schemeClr val="accent1"/>
+          </a:effectRef>
+          <a:fontRef idx="minor">
+            <a:schemeClr val="lt1"/>
+          </a:fontRef>
+        </p:style>
+        <p:txBody>
+          <a:bodyPr rtlCol="0" anchor="ctr"/>
+          <a:lstStyle/>
+          <a:p>
+            <a:pPr algn="ctr"/>
+            <a:r>
+              <a:rPr lang="en-IN" dirty="0"/>
+              <a:t>WEB API Application</a:t>
+            </a:r>
+          </a:p>
+          <a:p>
+            <a:pPr algn="ctr"/>
+            <a:endParaRPr lang="en-IN" dirty="0"/>
+          </a:p>
+          <a:p>
+            <a:pPr algn="ctr"/>
+            <a:r>
+              <a:rPr lang="en-IN" dirty="0"/>
+              <a:t>Accepting request from Client for File Upload </a:t>
+            </a:r>
+            <a:endParaRPr lang="en-US" dirty="0"/>
+          </a:p>
+        </p:txBody>
+      </p:sp>
+      <p:sp>
+        <p:nvSpPr>
+          <p:cNvPr id="3" name="Arrow: Right 2">
+            <a:extLst>
+              <a:ext uri="{FF2B5EF4-FFF2-40B4-BE49-F238E27FC236}">
+                <a16:creationId xmlns:a16="http://schemas.microsoft.com/office/drawing/2014/main" id="{6AA3E3BD-4450-E7E8-DA5F-C97F50D5B416}"/>
+              </a:ext>
+            </a:extLst>
+          </p:cNvPr>
+          <p:cNvSpPr/>
+          <p:nvPr/>
+        </p:nvSpPr>
+        <p:spPr>
+          <a:xfrm>
+            <a:off x="93306" y="606490"/>
+            <a:ext cx="5094514" cy="886408"/>
+          </a:xfrm>
+          <a:prstGeom prst="rightArrow">
+            <a:avLst/>
+          </a:prstGeom>
+        </p:spPr>
+        <p:style>
+          <a:lnRef idx="2">
+            <a:schemeClr val="accent1">
+              <a:shade val="50000"/>
+            </a:schemeClr>
+          </a:lnRef>
+          <a:fillRef idx="1">
+            <a:schemeClr val="accent1"/>
+          </a:fillRef>
+          <a:effectRef idx="0">
+            <a:schemeClr val="accent1"/>
+          </a:effectRef>
+          <a:fontRef idx="minor">
+            <a:schemeClr val="lt1"/>
+          </a:fontRef>
+        </p:style>
+        <p:txBody>
+          <a:bodyPr rtlCol="0" anchor="ctr"/>
+          <a:lstStyle/>
+          <a:p>
+            <a:pPr algn="ctr"/>
+            <a:r>
+              <a:rPr lang="en-IN" b="1" dirty="0"/>
+              <a:t>HTTP Request with Multi-Part file</a:t>
+            </a:r>
+            <a:endParaRPr lang="en-US" b="1" dirty="0"/>
+          </a:p>
+        </p:txBody>
+      </p:sp>
+      <p:sp>
+        <p:nvSpPr>
+          <p:cNvPr id="4" name="Flowchart: Multidocument 3">
+            <a:extLst>
+              <a:ext uri="{FF2B5EF4-FFF2-40B4-BE49-F238E27FC236}">
+                <a16:creationId xmlns:a16="http://schemas.microsoft.com/office/drawing/2014/main" id="{B2C61449-12F7-36AD-4C21-7FD7244B45FE}"/>
+              </a:ext>
+            </a:extLst>
+          </p:cNvPr>
+          <p:cNvSpPr/>
+          <p:nvPr/>
+        </p:nvSpPr>
+        <p:spPr>
+          <a:xfrm>
+            <a:off x="9591869" y="1642188"/>
+            <a:ext cx="2211355" cy="2127379"/>
+          </a:xfrm>
+          <a:prstGeom prst="flowChartMultidocument">
+            <a:avLst/>
+          </a:prstGeom>
+        </p:spPr>
+        <p:style>
+          <a:lnRef idx="2">
+            <a:schemeClr val="accent1">
+              <a:shade val="50000"/>
+            </a:schemeClr>
+          </a:lnRef>
+          <a:fillRef idx="1">
+            <a:schemeClr val="accent1"/>
+          </a:fillRef>
+          <a:effectRef idx="0">
+            <a:schemeClr val="accent1"/>
+          </a:effectRef>
+          <a:fontRef idx="minor">
+            <a:schemeClr val="lt1"/>
+          </a:fontRef>
+        </p:style>
+        <p:txBody>
+          <a:bodyPr rtlCol="0" anchor="ctr"/>
+          <a:lstStyle/>
+          <a:p>
+            <a:pPr algn="ctr"/>
+            <a:r>
+              <a:rPr lang="en-IN" dirty="0"/>
+              <a:t>BLOB Storage</a:t>
+            </a:r>
+            <a:endParaRPr lang="en-US" dirty="0"/>
+          </a:p>
+        </p:txBody>
+      </p:sp>
+      <p:cxnSp>
+        <p:nvCxnSpPr>
+          <p:cNvPr id="6" name="Connector: Elbow 5">
+            <a:extLst>
+              <a:ext uri="{FF2B5EF4-FFF2-40B4-BE49-F238E27FC236}">
+                <a16:creationId xmlns:a16="http://schemas.microsoft.com/office/drawing/2014/main" id="{B316EBF1-0EF0-92AD-8A1F-F1160C4E744E}"/>
+              </a:ext>
+            </a:extLst>
+          </p:cNvPr>
+          <p:cNvCxnSpPr>
+            <a:stCxn id="2" idx="3"/>
+            <a:endCxn id="4" idx="1"/>
+          </p:cNvCxnSpPr>
+          <p:nvPr/>
+        </p:nvCxnSpPr>
+        <p:spPr>
+          <a:xfrm>
+            <a:off x="8052318" y="1693506"/>
+            <a:ext cx="1539551" cy="1012372"/>
+          </a:xfrm>
+          <a:prstGeom prst="bentConnector3">
+            <a:avLst/>
+          </a:prstGeom>
+          <a:ln w="76200">
+            <a:solidFill>
+              <a:srgbClr val="FF0000"/>
+            </a:solidFill>
+            <a:tailEnd type="triangle"/>
+          </a:ln>
+        </p:spPr>
+        <p:style>
+          <a:lnRef idx="1">
+            <a:schemeClr val="accent1"/>
+          </a:lnRef>
+          <a:fillRef idx="0">
+            <a:schemeClr val="accent1"/>
+          </a:fillRef>
+          <a:effectRef idx="0">
+            <a:schemeClr val="accent1"/>
+          </a:effectRef>
+          <a:fontRef idx="minor">
+            <a:schemeClr val="tx1"/>
+          </a:fontRef>
+        </p:style>
+      </p:cxnSp>
+      <p:sp>
+        <p:nvSpPr>
+          <p:cNvPr id="7" name="TextBox 6">
+            <a:extLst>
+              <a:ext uri="{FF2B5EF4-FFF2-40B4-BE49-F238E27FC236}">
+                <a16:creationId xmlns:a16="http://schemas.microsoft.com/office/drawing/2014/main" id="{1B8B4BD2-23C1-DDB4-72AB-FC38C6197442}"/>
+              </a:ext>
+            </a:extLst>
+          </p:cNvPr>
+          <p:cNvSpPr txBox="1"/>
+          <p:nvPr/>
+        </p:nvSpPr>
+        <p:spPr>
+          <a:xfrm>
+            <a:off x="8994710" y="541176"/>
+            <a:ext cx="3103984" cy="369332"/>
+          </a:xfrm>
+          <a:prstGeom prst="rect">
+            <a:avLst/>
+          </a:prstGeom>
+          <a:noFill/>
+        </p:spPr>
+        <p:txBody>
+          <a:bodyPr wrap="square" rtlCol="0">
+            <a:spAutoFit/>
+          </a:bodyPr>
+          <a:lstStyle/>
+          <a:p>
+            <a:r>
+              <a:rPr lang="en-IN" dirty="0"/>
+              <a:t>File is uploaded to BLOB</a:t>
+            </a:r>
+            <a:endParaRPr lang="en-US" dirty="0"/>
+          </a:p>
+        </p:txBody>
+      </p:sp>
+      <p:sp>
+        <p:nvSpPr>
+          <p:cNvPr id="8" name="Explosion: 14 Points 7">
+            <a:extLst>
+              <a:ext uri="{FF2B5EF4-FFF2-40B4-BE49-F238E27FC236}">
+                <a16:creationId xmlns:a16="http://schemas.microsoft.com/office/drawing/2014/main" id="{F38DE494-1B76-D70D-9E93-4A8D57CCA7C9}"/>
+              </a:ext>
+            </a:extLst>
+          </p:cNvPr>
+          <p:cNvSpPr/>
+          <p:nvPr/>
+        </p:nvSpPr>
+        <p:spPr>
+          <a:xfrm>
+            <a:off x="9302620" y="3638939"/>
+            <a:ext cx="2211355" cy="2127379"/>
+          </a:xfrm>
+          <a:prstGeom prst="irregularSeal2">
+            <a:avLst/>
+          </a:prstGeom>
+          <a:solidFill>
+            <a:schemeClr val="accent2"/>
+          </a:solidFill>
+        </p:spPr>
+        <p:style>
+          <a:lnRef idx="2">
+            <a:schemeClr val="accent1">
+              <a:shade val="50000"/>
+            </a:schemeClr>
+          </a:lnRef>
+          <a:fillRef idx="1">
+            <a:schemeClr val="accent1"/>
+          </a:fillRef>
+          <a:effectRef idx="0">
+            <a:schemeClr val="accent1"/>
+          </a:effectRef>
+          <a:fontRef idx="minor">
+            <a:schemeClr val="lt1"/>
+          </a:fontRef>
+        </p:style>
+        <p:txBody>
+          <a:bodyPr rtlCol="0" anchor="ctr"/>
+          <a:lstStyle/>
+          <a:p>
+            <a:pPr algn="ctr"/>
+            <a:r>
+              <a:rPr lang="en-IN" dirty="0"/>
+              <a:t>Read BLOB</a:t>
+            </a:r>
+            <a:endParaRPr lang="en-US" dirty="0"/>
+          </a:p>
+        </p:txBody>
+      </p:sp>
+      <p:sp>
+        <p:nvSpPr>
+          <p:cNvPr id="9" name="Cylinder 8">
+            <a:extLst>
+              <a:ext uri="{FF2B5EF4-FFF2-40B4-BE49-F238E27FC236}">
+                <a16:creationId xmlns:a16="http://schemas.microsoft.com/office/drawing/2014/main" id="{4AC40FE5-B734-5C80-E283-5BC038B405EC}"/>
+              </a:ext>
+            </a:extLst>
+          </p:cNvPr>
+          <p:cNvSpPr/>
+          <p:nvPr/>
+        </p:nvSpPr>
+        <p:spPr>
+          <a:xfrm>
+            <a:off x="5766319" y="3638939"/>
+            <a:ext cx="1847462" cy="1418253"/>
+          </a:xfrm>
+          <a:prstGeom prst="can">
+            <a:avLst/>
+          </a:prstGeom>
+        </p:spPr>
+        <p:style>
+          <a:lnRef idx="2">
+            <a:schemeClr val="accent1">
+              <a:shade val="50000"/>
+            </a:schemeClr>
+          </a:lnRef>
+          <a:fillRef idx="1">
+            <a:schemeClr val="accent1"/>
+          </a:fillRef>
+          <a:effectRef idx="0">
+            <a:schemeClr val="accent1"/>
+          </a:effectRef>
+          <a:fontRef idx="minor">
+            <a:schemeClr val="lt1"/>
+          </a:fontRef>
+        </p:style>
+        <p:txBody>
+          <a:bodyPr rtlCol="0" anchor="ctr"/>
+          <a:lstStyle/>
+          <a:p>
+            <a:pPr algn="ctr"/>
+            <a:r>
+              <a:rPr lang="en-IN" dirty="0"/>
+              <a:t>RDBMS</a:t>
+            </a:r>
+            <a:endParaRPr lang="en-US" dirty="0"/>
+          </a:p>
+        </p:txBody>
+      </p:sp>
+      <p:sp>
+        <p:nvSpPr>
+          <p:cNvPr id="10" name="Cylinder 9">
+            <a:extLst>
+              <a:ext uri="{FF2B5EF4-FFF2-40B4-BE49-F238E27FC236}">
+                <a16:creationId xmlns:a16="http://schemas.microsoft.com/office/drawing/2014/main" id="{0F8094B7-7835-C479-EAB0-83CAC5DFDB22}"/>
+              </a:ext>
+            </a:extLst>
+          </p:cNvPr>
+          <p:cNvSpPr/>
+          <p:nvPr/>
+        </p:nvSpPr>
+        <p:spPr>
+          <a:xfrm>
+            <a:off x="5659016" y="5256245"/>
+            <a:ext cx="1847462" cy="1418253"/>
+          </a:xfrm>
+          <a:prstGeom prst="can">
+            <a:avLst/>
+          </a:prstGeom>
+        </p:spPr>
+        <p:style>
+          <a:lnRef idx="2">
+            <a:schemeClr val="accent6"/>
+          </a:lnRef>
+          <a:fillRef idx="1">
+            <a:schemeClr val="lt1"/>
+          </a:fillRef>
+          <a:effectRef idx="0">
+            <a:schemeClr val="accent6"/>
+          </a:effectRef>
+          <a:fontRef idx="minor">
+            <a:schemeClr val="dk1"/>
+          </a:fontRef>
+        </p:style>
+        <p:txBody>
+          <a:bodyPr rtlCol="0" anchor="ctr"/>
+          <a:lstStyle/>
+          <a:p>
+            <a:pPr algn="ctr"/>
+            <a:endParaRPr lang="en-US" dirty="0"/>
+          </a:p>
+        </p:txBody>
+      </p:sp>
+      <p:sp>
+        <p:nvSpPr>
+          <p:cNvPr id="11" name="Double Brace 10">
+            <a:extLst>
+              <a:ext uri="{FF2B5EF4-FFF2-40B4-BE49-F238E27FC236}">
+                <a16:creationId xmlns:a16="http://schemas.microsoft.com/office/drawing/2014/main" id="{0920E605-BFA4-CEEB-8CAB-15C60D0E0970}"/>
+              </a:ext>
+            </a:extLst>
+          </p:cNvPr>
+          <p:cNvSpPr/>
+          <p:nvPr/>
+        </p:nvSpPr>
+        <p:spPr>
+          <a:xfrm>
+            <a:off x="5924939" y="5663682"/>
+            <a:ext cx="1315616" cy="839755"/>
+          </a:xfrm>
+          <a:prstGeom prst="bracePair">
+            <a:avLst/>
+          </a:prstGeom>
+        </p:spPr>
+        <p:style>
+          <a:lnRef idx="1">
+            <a:schemeClr val="accent1"/>
+          </a:lnRef>
+          <a:fillRef idx="0">
+            <a:schemeClr val="accent1"/>
+          </a:fillRef>
+          <a:effectRef idx="0">
+            <a:schemeClr val="accent1"/>
+          </a:effectRef>
+          <a:fontRef idx="minor">
+            <a:schemeClr val="tx1"/>
+          </a:fontRef>
+        </p:style>
+        <p:txBody>
+          <a:bodyPr rtlCol="0" anchor="ctr"/>
+          <a:lstStyle/>
+          <a:p>
+            <a:pPr algn="ctr"/>
+            <a:endParaRPr lang="en-US"/>
+          </a:p>
+        </p:txBody>
+      </p:sp>
+      <p:cxnSp>
+        <p:nvCxnSpPr>
+          <p:cNvPr id="13" name="Connector: Elbow 12">
+            <a:extLst>
+              <a:ext uri="{FF2B5EF4-FFF2-40B4-BE49-F238E27FC236}">
+                <a16:creationId xmlns:a16="http://schemas.microsoft.com/office/drawing/2014/main" id="{AA120943-A33A-2A70-B102-EEC33E41D6F0}"/>
+              </a:ext>
+            </a:extLst>
+          </p:cNvPr>
+          <p:cNvCxnSpPr>
+            <a:stCxn id="8" idx="1"/>
+            <a:endCxn id="9" idx="4"/>
+          </p:cNvCxnSpPr>
+          <p:nvPr/>
+        </p:nvCxnSpPr>
+        <p:spPr>
+          <a:xfrm rot="10800000">
+            <a:off x="7613782" y="4348066"/>
+            <a:ext cx="1688839" cy="559126"/>
+          </a:xfrm>
+          <a:prstGeom prst="bentConnector3">
+            <a:avLst/>
+          </a:prstGeom>
+          <a:ln>
+            <a:tailEnd type="triangle"/>
+          </a:ln>
+        </p:spPr>
+        <p:style>
+          <a:lnRef idx="1">
+            <a:schemeClr val="accent1"/>
+          </a:lnRef>
+          <a:fillRef idx="0">
+            <a:schemeClr val="accent1"/>
+          </a:fillRef>
+          <a:effectRef idx="0">
+            <a:schemeClr val="accent1"/>
+          </a:effectRef>
+          <a:fontRef idx="minor">
+            <a:schemeClr val="tx1"/>
+          </a:fontRef>
+        </p:style>
+      </p:cxnSp>
+      <p:cxnSp>
+        <p:nvCxnSpPr>
+          <p:cNvPr id="15" name="Connector: Elbow 14">
+            <a:extLst>
+              <a:ext uri="{FF2B5EF4-FFF2-40B4-BE49-F238E27FC236}">
+                <a16:creationId xmlns:a16="http://schemas.microsoft.com/office/drawing/2014/main" id="{59E1F35F-45DA-4D30-14C0-FABFB8D8E992}"/>
+              </a:ext>
+            </a:extLst>
+          </p:cNvPr>
+          <p:cNvCxnSpPr>
+            <a:stCxn id="8" idx="1"/>
+            <a:endCxn id="10" idx="4"/>
+          </p:cNvCxnSpPr>
+          <p:nvPr/>
+        </p:nvCxnSpPr>
+        <p:spPr>
+          <a:xfrm rot="10800000" flipV="1">
+            <a:off x="7506478" y="4907192"/>
+            <a:ext cx="1796142" cy="1058180"/>
+          </a:xfrm>
+          <a:prstGeom prst="bentConnector3">
+            <a:avLst/>
+          </a:prstGeom>
+          <a:ln>
+            <a:tailEnd type="triangle"/>
+          </a:ln>
+        </p:spPr>
+        <p:style>
+          <a:lnRef idx="1">
+            <a:schemeClr val="accent1"/>
+          </a:lnRef>
+          <a:fillRef idx="0">
+            <a:schemeClr val="accent1"/>
+          </a:fillRef>
+          <a:effectRef idx="0">
+            <a:schemeClr val="accent1"/>
+          </a:effectRef>
+          <a:fontRef idx="minor">
+            <a:schemeClr val="tx1"/>
+          </a:fontRef>
+        </p:style>
+      </p:cxnSp>
+      <p:cxnSp>
+        <p:nvCxnSpPr>
+          <p:cNvPr id="17" name="Connector: Elbow 16">
+            <a:extLst>
+              <a:ext uri="{FF2B5EF4-FFF2-40B4-BE49-F238E27FC236}">
+                <a16:creationId xmlns:a16="http://schemas.microsoft.com/office/drawing/2014/main" id="{F5938CF0-B087-A3C1-5F2E-E4EE478D8028}"/>
+              </a:ext>
+            </a:extLst>
+          </p:cNvPr>
+          <p:cNvCxnSpPr>
+            <a:stCxn id="4" idx="3"/>
+            <a:endCxn id="8" idx="3"/>
+          </p:cNvCxnSpPr>
+          <p:nvPr/>
+        </p:nvCxnSpPr>
+        <p:spPr>
+          <a:xfrm flipH="1">
+            <a:off x="11513975" y="2705878"/>
+            <a:ext cx="289249" cy="1587526"/>
+          </a:xfrm>
+          <a:prstGeom prst="bentConnector3">
+            <a:avLst>
+              <a:gd name="adj1" fmla="val -79032"/>
+            </a:avLst>
+          </a:prstGeom>
+          <a:ln>
+            <a:headEnd type="triangle"/>
+            <a:tailEnd type="triangle"/>
+          </a:ln>
+        </p:spPr>
+        <p:style>
+          <a:lnRef idx="1">
+            <a:schemeClr val="accent1"/>
+          </a:lnRef>
+          <a:fillRef idx="0">
+            <a:schemeClr val="accent1"/>
+          </a:fillRef>
+          <a:effectRef idx="0">
+            <a:schemeClr val="accent1"/>
+          </a:effectRef>
+          <a:fontRef idx="minor">
+            <a:schemeClr val="tx1"/>
+          </a:fontRef>
+        </p:style>
+      </p:cxnSp>
+    </p:spTree>
+    <p:extLst>
+      <p:ext uri="{BB962C8B-B14F-4D97-AF65-F5344CB8AC3E}">
+        <p14:creationId xmlns:p14="http://schemas.microsoft.com/office/powerpoint/2010/main" val="785416413"/>
+      </p:ext>
+    </p:extLst>
+  </p:cSld>
+  <p:clrMapOvr>
+    <a:masterClrMapping/>
+  </p:clrMapOvr>
+</p:sld>
+</file>
+
+<file path=ppt/slides/slide12.xml><?xml version="1.0" encoding="utf-8"?>
+<p:sld xmlns:a="http://schemas.openxmlformats.org/drawingml/2006/main" xmlns:r="http://schemas.openxmlformats.org/officeDocument/2006/relationships" xmlns:p="http://schemas.openxmlformats.org/presentationml/2006/main">
+  <p:cSld>
+    <p:spTree>
+      <p:nvGrpSpPr>
+        <p:cNvPr id="1" name=""/>
+        <p:cNvGrpSpPr/>
+        <p:nvPr/>
+      </p:nvGrpSpPr>
+      <p:grpSpPr>
+        <a:xfrm>
+          <a:off x="0" y="0"/>
+          <a:ext cx="0" cy="0"/>
+          <a:chOff x="0" y="0"/>
+          <a:chExt cx="0" cy="0"/>
+        </a:xfrm>
+      </p:grpSpPr>
+      <p:sp>
+        <p:nvSpPr>
+          <p:cNvPr id="2" name="TextBox 1">
+            <a:extLst>
+              <a:ext uri="{FF2B5EF4-FFF2-40B4-BE49-F238E27FC236}">
+                <a16:creationId xmlns:a16="http://schemas.microsoft.com/office/drawing/2014/main" id="{B7CEE76B-C9BE-000F-8F1C-F593B278C03C}"/>
+              </a:ext>
+            </a:extLst>
+          </p:cNvPr>
+          <p:cNvSpPr txBox="1"/>
+          <p:nvPr/>
+        </p:nvSpPr>
+        <p:spPr>
+          <a:xfrm>
+            <a:off x="102637" y="121298"/>
+            <a:ext cx="4665306" cy="369332"/>
+          </a:xfrm>
+          <a:prstGeom prst="rect">
+            <a:avLst/>
+          </a:prstGeom>
+          <a:noFill/>
+        </p:spPr>
+        <p:txBody>
+          <a:bodyPr wrap="square" rtlCol="0">
+            <a:spAutoFit/>
+          </a:bodyPr>
+          <a:lstStyle/>
+          <a:p>
+            <a:r>
+              <a:rPr lang="en-IN" dirty="0"/>
+              <a:t>Application Identity using Azure AD</a:t>
+            </a:r>
+            <a:endParaRPr lang="en-US" dirty="0"/>
+          </a:p>
+        </p:txBody>
+      </p:sp>
+      <p:sp>
+        <p:nvSpPr>
+          <p:cNvPr id="3" name="Rectangle 2">
+            <a:extLst>
+              <a:ext uri="{FF2B5EF4-FFF2-40B4-BE49-F238E27FC236}">
+                <a16:creationId xmlns:a16="http://schemas.microsoft.com/office/drawing/2014/main" id="{26C9AB5C-F5D5-DD6D-D42F-7947A345EA5E}"/>
+              </a:ext>
+            </a:extLst>
+          </p:cNvPr>
+          <p:cNvSpPr/>
+          <p:nvPr/>
+        </p:nvSpPr>
+        <p:spPr>
+          <a:xfrm>
+            <a:off x="7716417" y="2803846"/>
+            <a:ext cx="2444620" cy="2118049"/>
+          </a:xfrm>
+          <a:prstGeom prst="rect">
+            <a:avLst/>
+          </a:prstGeom>
+        </p:spPr>
+        <p:style>
+          <a:lnRef idx="2">
+            <a:schemeClr val="accent1">
+              <a:shade val="50000"/>
+            </a:schemeClr>
+          </a:lnRef>
+          <a:fillRef idx="1">
+            <a:schemeClr val="accent1"/>
+          </a:fillRef>
+          <a:effectRef idx="0">
+            <a:schemeClr val="accent1"/>
+          </a:effectRef>
+          <a:fontRef idx="minor">
+            <a:schemeClr val="lt1"/>
+          </a:fontRef>
+        </p:style>
+        <p:txBody>
+          <a:bodyPr rtlCol="0" anchor="ctr"/>
+          <a:lstStyle/>
+          <a:p>
+            <a:pPr algn="ctr"/>
+            <a:r>
+              <a:rPr lang="en-IN" b="1" dirty="0"/>
+              <a:t>Application </a:t>
+            </a:r>
+          </a:p>
+          <a:p>
+            <a:pPr algn="ctr"/>
+            <a:r>
+              <a:rPr lang="en-IN" b="1" dirty="0"/>
+              <a:t>Hosted on Azure</a:t>
+            </a:r>
+            <a:endParaRPr lang="en-US" b="1" dirty="0"/>
+          </a:p>
+        </p:txBody>
+      </p:sp>
+      <p:sp>
+        <p:nvSpPr>
+          <p:cNvPr id="4" name="Parallelogram 3">
+            <a:extLst>
+              <a:ext uri="{FF2B5EF4-FFF2-40B4-BE49-F238E27FC236}">
+                <a16:creationId xmlns:a16="http://schemas.microsoft.com/office/drawing/2014/main" id="{C2BA37E0-608B-9B6B-0912-03155947FD41}"/>
+              </a:ext>
+            </a:extLst>
+          </p:cNvPr>
+          <p:cNvSpPr/>
+          <p:nvPr/>
+        </p:nvSpPr>
+        <p:spPr>
+          <a:xfrm>
+            <a:off x="363894" y="2598574"/>
+            <a:ext cx="2556587" cy="2565918"/>
+          </a:xfrm>
+          <a:prstGeom prst="parallelogram">
+            <a:avLst/>
+          </a:prstGeom>
+        </p:spPr>
+        <p:style>
+          <a:lnRef idx="2">
+            <a:schemeClr val="accent1">
+              <a:shade val="50000"/>
+            </a:schemeClr>
+          </a:lnRef>
+          <a:fillRef idx="1">
+            <a:schemeClr val="accent1"/>
+          </a:fillRef>
+          <a:effectRef idx="0">
+            <a:schemeClr val="accent1"/>
+          </a:effectRef>
+          <a:fontRef idx="minor">
+            <a:schemeClr val="lt1"/>
+          </a:fontRef>
+        </p:style>
+        <p:txBody>
+          <a:bodyPr rtlCol="0" anchor="ctr"/>
+          <a:lstStyle/>
+          <a:p>
+            <a:pPr algn="ctr"/>
+            <a:r>
+              <a:rPr lang="en-IN" dirty="0"/>
+              <a:t>Client App</a:t>
+            </a:r>
+          </a:p>
+          <a:p>
+            <a:pPr algn="ctr"/>
+            <a:r>
+              <a:rPr lang="en-IN" dirty="0"/>
+              <a:t>Browser /  Mobile Device / Desktop </a:t>
+            </a:r>
+            <a:endParaRPr lang="en-US" dirty="0"/>
+          </a:p>
+        </p:txBody>
+      </p:sp>
+      <p:sp>
+        <p:nvSpPr>
+          <p:cNvPr id="5" name="Rectangle 4">
+            <a:extLst>
+              <a:ext uri="{FF2B5EF4-FFF2-40B4-BE49-F238E27FC236}">
+                <a16:creationId xmlns:a16="http://schemas.microsoft.com/office/drawing/2014/main" id="{703870D2-2E7E-3EF3-8C7E-517A6C49A36C}"/>
+              </a:ext>
+            </a:extLst>
+          </p:cNvPr>
+          <p:cNvSpPr/>
+          <p:nvPr/>
+        </p:nvSpPr>
+        <p:spPr>
+          <a:xfrm>
+            <a:off x="7002624" y="2337316"/>
+            <a:ext cx="494523" cy="3051110"/>
+          </a:xfrm>
+          <a:prstGeom prst="rect">
+            <a:avLst/>
+          </a:prstGeom>
+          <a:solidFill>
+            <a:srgbClr val="C00000"/>
+          </a:solidFill>
+        </p:spPr>
+        <p:style>
+          <a:lnRef idx="2">
+            <a:schemeClr val="accent1">
+              <a:shade val="50000"/>
+            </a:schemeClr>
+          </a:lnRef>
+          <a:fillRef idx="1">
+            <a:schemeClr val="accent1"/>
+          </a:fillRef>
+          <a:effectRef idx="0">
+            <a:schemeClr val="accent1"/>
+          </a:effectRef>
+          <a:fontRef idx="minor">
+            <a:schemeClr val="lt1"/>
+          </a:fontRef>
+        </p:style>
+        <p:txBody>
+          <a:bodyPr rtlCol="0" anchor="ctr"/>
+          <a:lstStyle/>
+          <a:p>
+            <a:pPr algn="ctr"/>
+            <a:r>
+              <a:rPr lang="en-IN" dirty="0"/>
+              <a:t>I</a:t>
+            </a:r>
+          </a:p>
+          <a:p>
+            <a:pPr algn="ctr"/>
+            <a:r>
+              <a:rPr lang="en-IN" dirty="0"/>
+              <a:t>D</a:t>
+            </a:r>
+          </a:p>
+          <a:p>
+            <a:pPr algn="ctr"/>
+            <a:r>
+              <a:rPr lang="en-IN" dirty="0"/>
+              <a:t>E</a:t>
+            </a:r>
+          </a:p>
+          <a:p>
+            <a:pPr algn="ctr"/>
+            <a:r>
+              <a:rPr lang="en-IN" dirty="0"/>
+              <a:t>N</a:t>
+            </a:r>
+          </a:p>
+          <a:p>
+            <a:pPr algn="ctr"/>
+            <a:r>
+              <a:rPr lang="en-IN" dirty="0"/>
+              <a:t>T</a:t>
+            </a:r>
+          </a:p>
+          <a:p>
+            <a:pPr algn="ctr"/>
+            <a:r>
+              <a:rPr lang="en-IN" dirty="0"/>
+              <a:t>I</a:t>
+            </a:r>
+          </a:p>
+          <a:p>
+            <a:pPr algn="ctr"/>
+            <a:r>
+              <a:rPr lang="en-IN" dirty="0"/>
+              <a:t>T</a:t>
+            </a:r>
+          </a:p>
+          <a:p>
+            <a:pPr algn="ctr"/>
+            <a:r>
+              <a:rPr lang="en-IN" dirty="0"/>
+              <a:t>Y</a:t>
+            </a:r>
+            <a:endParaRPr lang="en-US" dirty="0"/>
+          </a:p>
+        </p:txBody>
+      </p:sp>
+      <p:sp>
+        <p:nvSpPr>
+          <p:cNvPr id="6" name="Cylinder 5">
+            <a:extLst>
+              <a:ext uri="{FF2B5EF4-FFF2-40B4-BE49-F238E27FC236}">
+                <a16:creationId xmlns:a16="http://schemas.microsoft.com/office/drawing/2014/main" id="{4AA4AC5B-4908-C6E8-89B8-F9061301EA69}"/>
+              </a:ext>
+            </a:extLst>
+          </p:cNvPr>
+          <p:cNvSpPr/>
+          <p:nvPr/>
+        </p:nvSpPr>
+        <p:spPr>
+          <a:xfrm>
+            <a:off x="10655559" y="3410335"/>
+            <a:ext cx="1284514" cy="905069"/>
+          </a:xfrm>
+          <a:prstGeom prst="can">
+            <a:avLst/>
+          </a:prstGeom>
+        </p:spPr>
+        <p:style>
+          <a:lnRef idx="2">
+            <a:schemeClr val="accent1">
+              <a:shade val="50000"/>
+            </a:schemeClr>
+          </a:lnRef>
+          <a:fillRef idx="1">
+            <a:schemeClr val="accent1"/>
+          </a:fillRef>
+          <a:effectRef idx="0">
+            <a:schemeClr val="accent1"/>
+          </a:effectRef>
+          <a:fontRef idx="minor">
+            <a:schemeClr val="lt1"/>
+          </a:fontRef>
+        </p:style>
+        <p:txBody>
+          <a:bodyPr rtlCol="0" anchor="ctr"/>
+          <a:lstStyle/>
+          <a:p>
+            <a:pPr algn="ctr"/>
+            <a:r>
+              <a:rPr lang="en-IN" dirty="0"/>
+              <a:t>Identity</a:t>
+            </a:r>
+          </a:p>
+          <a:p>
+            <a:pPr algn="ctr"/>
+            <a:r>
+              <a:rPr lang="en-IN" dirty="0"/>
+              <a:t>DB</a:t>
+            </a:r>
+            <a:endParaRPr lang="en-US" dirty="0"/>
+          </a:p>
+        </p:txBody>
+      </p:sp>
+      <p:sp>
+        <p:nvSpPr>
+          <p:cNvPr id="7" name="Arrow: Left-Right 6">
+            <a:extLst>
+              <a:ext uri="{FF2B5EF4-FFF2-40B4-BE49-F238E27FC236}">
+                <a16:creationId xmlns:a16="http://schemas.microsoft.com/office/drawing/2014/main" id="{5BEF380C-7CFE-915C-17ED-FEFE9D72FC18}"/>
+              </a:ext>
+            </a:extLst>
+          </p:cNvPr>
+          <p:cNvSpPr/>
+          <p:nvPr/>
+        </p:nvSpPr>
+        <p:spPr>
+          <a:xfrm>
+            <a:off x="10161037" y="3699586"/>
+            <a:ext cx="522514" cy="181947"/>
+          </a:xfrm>
+          <a:prstGeom prst="leftRightArrow">
+            <a:avLst/>
+          </a:prstGeom>
+          <a:solidFill>
+            <a:srgbClr val="C00000"/>
+          </a:solidFill>
+        </p:spPr>
+        <p:style>
+          <a:lnRef idx="2">
+            <a:schemeClr val="accent1">
+              <a:shade val="50000"/>
+            </a:schemeClr>
+          </a:lnRef>
+          <a:fillRef idx="1">
+            <a:schemeClr val="accent1"/>
+          </a:fillRef>
+          <a:effectRef idx="0">
+            <a:schemeClr val="accent1"/>
+          </a:effectRef>
+          <a:fontRef idx="minor">
+            <a:schemeClr val="lt1"/>
+          </a:fontRef>
+        </p:style>
+        <p:txBody>
+          <a:bodyPr rtlCol="0" anchor="ctr"/>
+          <a:lstStyle/>
+          <a:p>
+            <a:pPr algn="ctr"/>
+            <a:endParaRPr lang="en-US"/>
+          </a:p>
+        </p:txBody>
+      </p:sp>
+      <p:sp>
+        <p:nvSpPr>
+          <p:cNvPr id="8" name="Arrow: Right 7">
+            <a:extLst>
+              <a:ext uri="{FF2B5EF4-FFF2-40B4-BE49-F238E27FC236}">
+                <a16:creationId xmlns:a16="http://schemas.microsoft.com/office/drawing/2014/main" id="{D67F8222-514A-41AE-35C4-DADCD8A56500}"/>
+              </a:ext>
+            </a:extLst>
+          </p:cNvPr>
+          <p:cNvSpPr/>
+          <p:nvPr/>
+        </p:nvSpPr>
+        <p:spPr>
+          <a:xfrm>
+            <a:off x="2808514" y="2976464"/>
+            <a:ext cx="4194110" cy="601824"/>
+          </a:xfrm>
+          <a:prstGeom prst="rightArrow">
+            <a:avLst/>
+          </a:prstGeom>
+          <a:solidFill>
+            <a:srgbClr val="C00000"/>
+          </a:solidFill>
+        </p:spPr>
+        <p:style>
+          <a:lnRef idx="2">
+            <a:schemeClr val="accent1">
+              <a:shade val="50000"/>
+            </a:schemeClr>
+          </a:lnRef>
+          <a:fillRef idx="1">
+            <a:schemeClr val="accent1"/>
+          </a:fillRef>
+          <a:effectRef idx="0">
+            <a:schemeClr val="accent1"/>
+          </a:effectRef>
+          <a:fontRef idx="minor">
+            <a:schemeClr val="lt1"/>
+          </a:fontRef>
+        </p:style>
+        <p:txBody>
+          <a:bodyPr rtlCol="0" anchor="ctr"/>
+          <a:lstStyle/>
+          <a:p>
+            <a:pPr algn="ctr"/>
+            <a:r>
+              <a:rPr lang="en-IN" dirty="0"/>
+              <a:t>Request For Login</a:t>
+            </a:r>
+            <a:endParaRPr lang="en-US" dirty="0"/>
+          </a:p>
+        </p:txBody>
+      </p:sp>
+      <p:sp>
+        <p:nvSpPr>
+          <p:cNvPr id="9" name="Arrow: Right 8">
+            <a:extLst>
+              <a:ext uri="{FF2B5EF4-FFF2-40B4-BE49-F238E27FC236}">
+                <a16:creationId xmlns:a16="http://schemas.microsoft.com/office/drawing/2014/main" id="{739AAB60-6390-673C-0CD0-8C81A4345311}"/>
+              </a:ext>
+            </a:extLst>
+          </p:cNvPr>
+          <p:cNvSpPr/>
+          <p:nvPr/>
+        </p:nvSpPr>
+        <p:spPr>
+          <a:xfrm>
+            <a:off x="7473820" y="3208956"/>
+            <a:ext cx="587829" cy="369332"/>
+          </a:xfrm>
+          <a:prstGeom prst="rightArrow">
+            <a:avLst/>
+          </a:prstGeom>
+          <a:solidFill>
+            <a:srgbClr val="C00000"/>
+          </a:solidFill>
+        </p:spPr>
+        <p:style>
+          <a:lnRef idx="2">
+            <a:schemeClr val="accent1">
+              <a:shade val="50000"/>
+            </a:schemeClr>
+          </a:lnRef>
+          <a:fillRef idx="1">
+            <a:schemeClr val="accent1"/>
+          </a:fillRef>
+          <a:effectRef idx="0">
+            <a:schemeClr val="accent1"/>
+          </a:effectRef>
+          <a:fontRef idx="minor">
+            <a:schemeClr val="lt1"/>
+          </a:fontRef>
+        </p:style>
+        <p:txBody>
+          <a:bodyPr rtlCol="0" anchor="ctr"/>
+          <a:lstStyle/>
+          <a:p>
+            <a:pPr algn="ctr"/>
+            <a:endParaRPr lang="en-US"/>
+          </a:p>
+        </p:txBody>
+      </p:sp>
+      <p:sp>
+        <p:nvSpPr>
+          <p:cNvPr id="10" name="Arrow: Left 9">
+            <a:extLst>
+              <a:ext uri="{FF2B5EF4-FFF2-40B4-BE49-F238E27FC236}">
+                <a16:creationId xmlns:a16="http://schemas.microsoft.com/office/drawing/2014/main" id="{52368E57-BFDC-D4CF-3D71-ECC43204CE5E}"/>
+              </a:ext>
+            </a:extLst>
+          </p:cNvPr>
+          <p:cNvSpPr/>
+          <p:nvPr/>
+        </p:nvSpPr>
+        <p:spPr>
+          <a:xfrm>
+            <a:off x="7473820" y="4170784"/>
+            <a:ext cx="709127" cy="369332"/>
+          </a:xfrm>
+          <a:prstGeom prst="leftArrow">
+            <a:avLst/>
+          </a:prstGeom>
+          <a:solidFill>
+            <a:srgbClr val="C00000"/>
+          </a:solidFill>
+        </p:spPr>
+        <p:style>
+          <a:lnRef idx="2">
+            <a:schemeClr val="accent1">
+              <a:shade val="50000"/>
+            </a:schemeClr>
+          </a:lnRef>
+          <a:fillRef idx="1">
+            <a:schemeClr val="accent1"/>
+          </a:fillRef>
+          <a:effectRef idx="0">
+            <a:schemeClr val="accent1"/>
+          </a:effectRef>
+          <a:fontRef idx="minor">
+            <a:schemeClr val="lt1"/>
+          </a:fontRef>
+        </p:style>
+        <p:txBody>
+          <a:bodyPr rtlCol="0" anchor="ctr"/>
+          <a:lstStyle/>
+          <a:p>
+            <a:pPr algn="ctr"/>
+            <a:endParaRPr lang="en-US"/>
+          </a:p>
+        </p:txBody>
+      </p:sp>
+      <p:sp>
+        <p:nvSpPr>
+          <p:cNvPr id="11" name="Arrow: Left 10">
+            <a:extLst>
+              <a:ext uri="{FF2B5EF4-FFF2-40B4-BE49-F238E27FC236}">
+                <a16:creationId xmlns:a16="http://schemas.microsoft.com/office/drawing/2014/main" id="{833AFA15-C581-6FEA-81D8-5C8F2FACA9FF}"/>
+              </a:ext>
+            </a:extLst>
+          </p:cNvPr>
+          <p:cNvSpPr/>
+          <p:nvPr/>
+        </p:nvSpPr>
+        <p:spPr>
+          <a:xfrm>
+            <a:off x="2463282" y="4170784"/>
+            <a:ext cx="4539342" cy="601824"/>
+          </a:xfrm>
+          <a:prstGeom prst="leftArrow">
+            <a:avLst/>
+          </a:prstGeom>
+          <a:solidFill>
+            <a:srgbClr val="C00000"/>
+          </a:solidFill>
+        </p:spPr>
+        <p:style>
+          <a:lnRef idx="2">
+            <a:schemeClr val="accent1">
+              <a:shade val="50000"/>
+            </a:schemeClr>
+          </a:lnRef>
+          <a:fillRef idx="1">
+            <a:schemeClr val="accent1"/>
+          </a:fillRef>
+          <a:effectRef idx="0">
+            <a:schemeClr val="accent1"/>
+          </a:effectRef>
+          <a:fontRef idx="minor">
+            <a:schemeClr val="lt1"/>
+          </a:fontRef>
+        </p:style>
+        <p:txBody>
+          <a:bodyPr rtlCol="0" anchor="ctr"/>
+          <a:lstStyle/>
+          <a:p>
+            <a:pPr algn="ctr"/>
+            <a:r>
+              <a:rPr lang="en-IN" sz="1600" dirty="0"/>
+              <a:t>Response with the resources demanded in request</a:t>
+            </a:r>
+            <a:endParaRPr lang="en-US" sz="1600" dirty="0"/>
+          </a:p>
+        </p:txBody>
+      </p:sp>
+      <p:sp>
+        <p:nvSpPr>
+          <p:cNvPr id="12" name="Rectangle: Rounded Corners 11">
+            <a:extLst>
+              <a:ext uri="{FF2B5EF4-FFF2-40B4-BE49-F238E27FC236}">
+                <a16:creationId xmlns:a16="http://schemas.microsoft.com/office/drawing/2014/main" id="{0617AFE7-7C4A-1CC2-B50A-5C90458E6323}"/>
+              </a:ext>
+            </a:extLst>
+          </p:cNvPr>
+          <p:cNvSpPr/>
+          <p:nvPr/>
+        </p:nvSpPr>
+        <p:spPr>
+          <a:xfrm>
+            <a:off x="4266423" y="186613"/>
+            <a:ext cx="3449994" cy="1534885"/>
+          </a:xfrm>
+          <a:prstGeom prst="roundRect">
+            <a:avLst/>
+          </a:prstGeom>
+        </p:spPr>
+        <p:style>
+          <a:lnRef idx="2">
+            <a:schemeClr val="accent1">
+              <a:shade val="50000"/>
+            </a:schemeClr>
+          </a:lnRef>
+          <a:fillRef idx="1">
+            <a:schemeClr val="accent1"/>
+          </a:fillRef>
+          <a:effectRef idx="0">
+            <a:schemeClr val="accent1"/>
+          </a:effectRef>
+          <a:fontRef idx="minor">
+            <a:schemeClr val="lt1"/>
+          </a:fontRef>
+        </p:style>
+        <p:txBody>
+          <a:bodyPr rtlCol="0" anchor="ctr"/>
+          <a:lstStyle/>
+          <a:p>
+            <a:pPr algn="ctr"/>
+            <a:r>
+              <a:rPr lang="en-IN" b="1" dirty="0"/>
+              <a:t>Identity Provider</a:t>
+            </a:r>
+            <a:endParaRPr lang="en-US" b="1" dirty="0"/>
+          </a:p>
+        </p:txBody>
+      </p:sp>
+      <p:cxnSp>
+        <p:nvCxnSpPr>
+          <p:cNvPr id="14" name="Connector: Elbow 13">
+            <a:extLst>
+              <a:ext uri="{FF2B5EF4-FFF2-40B4-BE49-F238E27FC236}">
+                <a16:creationId xmlns:a16="http://schemas.microsoft.com/office/drawing/2014/main" id="{9923D98D-6CD4-E70E-7D8C-8D0D2DEBA98A}"/>
+              </a:ext>
+            </a:extLst>
+          </p:cNvPr>
+          <p:cNvCxnSpPr>
+            <a:stCxn id="4" idx="1"/>
+            <a:endCxn id="12" idx="1"/>
+          </p:cNvCxnSpPr>
+          <p:nvPr/>
+        </p:nvCxnSpPr>
+        <p:spPr>
+          <a:xfrm rot="5400000" flipH="1" flipV="1">
+            <a:off x="2291833" y="623984"/>
+            <a:ext cx="1644518" cy="2304662"/>
+          </a:xfrm>
+          <a:prstGeom prst="bentConnector2">
+            <a:avLst/>
+          </a:prstGeom>
+          <a:ln w="76200">
+            <a:solidFill>
+              <a:srgbClr val="FF0000"/>
+            </a:solidFill>
+            <a:tailEnd type="triangle"/>
+          </a:ln>
+        </p:spPr>
+        <p:style>
+          <a:lnRef idx="1">
+            <a:schemeClr val="accent1"/>
+          </a:lnRef>
+          <a:fillRef idx="0">
+            <a:schemeClr val="accent1"/>
+          </a:fillRef>
+          <a:effectRef idx="0">
+            <a:schemeClr val="accent1"/>
+          </a:effectRef>
+          <a:fontRef idx="minor">
+            <a:schemeClr val="tx1"/>
+          </a:fontRef>
+        </p:style>
+      </p:cxnSp>
+      <p:sp>
+        <p:nvSpPr>
+          <p:cNvPr id="15" name="TextBox 14">
+            <a:extLst>
+              <a:ext uri="{FF2B5EF4-FFF2-40B4-BE49-F238E27FC236}">
+                <a16:creationId xmlns:a16="http://schemas.microsoft.com/office/drawing/2014/main" id="{7A44600D-94C7-95DB-C002-B9F5984A3E25}"/>
+              </a:ext>
+            </a:extLst>
+          </p:cNvPr>
+          <p:cNvSpPr txBox="1"/>
+          <p:nvPr/>
+        </p:nvSpPr>
+        <p:spPr>
+          <a:xfrm>
+            <a:off x="830424" y="1526722"/>
+            <a:ext cx="2444621" cy="646331"/>
+          </a:xfrm>
+          <a:prstGeom prst="rect">
+            <a:avLst/>
+          </a:prstGeom>
+          <a:noFill/>
+        </p:spPr>
+        <p:txBody>
+          <a:bodyPr wrap="square" rtlCol="0">
+            <a:spAutoFit/>
+          </a:bodyPr>
+          <a:lstStyle/>
+          <a:p>
+            <a:r>
+              <a:rPr lang="en-IN" dirty="0"/>
+              <a:t>User is Already Registered</a:t>
+            </a:r>
+            <a:endParaRPr lang="en-US" dirty="0"/>
+          </a:p>
+        </p:txBody>
+      </p:sp>
+      <p:cxnSp>
+        <p:nvCxnSpPr>
+          <p:cNvPr id="19" name="Connector: Elbow 18">
+            <a:extLst>
+              <a:ext uri="{FF2B5EF4-FFF2-40B4-BE49-F238E27FC236}">
+                <a16:creationId xmlns:a16="http://schemas.microsoft.com/office/drawing/2014/main" id="{425D65C6-5751-4B32-4AFB-B074D8FAFBA8}"/>
+              </a:ext>
+            </a:extLst>
+          </p:cNvPr>
+          <p:cNvCxnSpPr>
+            <a:stCxn id="3" idx="0"/>
+            <a:endCxn id="12" idx="3"/>
+          </p:cNvCxnSpPr>
+          <p:nvPr/>
+        </p:nvCxnSpPr>
+        <p:spPr>
+          <a:xfrm rot="16200000" flipV="1">
+            <a:off x="7402677" y="1267796"/>
+            <a:ext cx="1849790" cy="1222310"/>
+          </a:xfrm>
+          <a:prstGeom prst="bentConnector2">
+            <a:avLst/>
+          </a:prstGeom>
+          <a:ln w="76200">
+            <a:solidFill>
+              <a:srgbClr val="7030A0"/>
+            </a:solidFill>
+            <a:tailEnd type="triangle"/>
+          </a:ln>
+        </p:spPr>
+        <p:style>
+          <a:lnRef idx="1">
+            <a:schemeClr val="accent1"/>
+          </a:lnRef>
+          <a:fillRef idx="0">
+            <a:schemeClr val="accent1"/>
+          </a:fillRef>
+          <a:effectRef idx="0">
+            <a:schemeClr val="accent1"/>
+          </a:effectRef>
+          <a:fontRef idx="minor">
+            <a:schemeClr val="tx1"/>
+          </a:fontRef>
+        </p:style>
+      </p:cxnSp>
+      <p:sp>
+        <p:nvSpPr>
+          <p:cNvPr id="20" name="TextBox 19">
+            <a:extLst>
+              <a:ext uri="{FF2B5EF4-FFF2-40B4-BE49-F238E27FC236}">
+                <a16:creationId xmlns:a16="http://schemas.microsoft.com/office/drawing/2014/main" id="{958A7BB6-5B98-868A-E240-2E5BD2B5775F}"/>
+              </a:ext>
+            </a:extLst>
+          </p:cNvPr>
+          <p:cNvSpPr txBox="1"/>
+          <p:nvPr/>
+        </p:nvSpPr>
+        <p:spPr>
+          <a:xfrm>
+            <a:off x="8938727" y="1103152"/>
+            <a:ext cx="2936811" cy="1200329"/>
+          </a:xfrm>
+          <a:prstGeom prst="rect">
+            <a:avLst/>
+          </a:prstGeom>
+          <a:noFill/>
+        </p:spPr>
+        <p:txBody>
+          <a:bodyPr wrap="square" rtlCol="0">
+            <a:spAutoFit/>
+          </a:bodyPr>
+          <a:lstStyle/>
+          <a:p>
+            <a:r>
+              <a:rPr lang="en-IN" dirty="0"/>
+              <a:t>Application Registration for Identity Provider</a:t>
+            </a:r>
+          </a:p>
+          <a:p>
+            <a:pPr marL="342900" indent="-342900">
+              <a:buFont typeface="+mj-lt"/>
+              <a:buAutoNum type="arabicPeriod"/>
+            </a:pPr>
+            <a:r>
+              <a:rPr lang="en-IN" dirty="0"/>
+              <a:t>Client Secret</a:t>
+            </a:r>
+          </a:p>
+          <a:p>
+            <a:pPr marL="342900" indent="-342900">
+              <a:buFont typeface="+mj-lt"/>
+              <a:buAutoNum type="arabicPeriod"/>
+            </a:pPr>
+            <a:r>
+              <a:rPr lang="en-IN" dirty="0"/>
+              <a:t>ClientId</a:t>
+            </a:r>
+            <a:endParaRPr lang="en-US" dirty="0"/>
+          </a:p>
+        </p:txBody>
+      </p:sp>
+      <p:cxnSp>
+        <p:nvCxnSpPr>
+          <p:cNvPr id="22" name="Connector: Elbow 21">
+            <a:extLst>
+              <a:ext uri="{FF2B5EF4-FFF2-40B4-BE49-F238E27FC236}">
+                <a16:creationId xmlns:a16="http://schemas.microsoft.com/office/drawing/2014/main" id="{7758E192-518B-7B0D-E2B1-EFEFEFA51CC2}"/>
+              </a:ext>
+            </a:extLst>
+          </p:cNvPr>
+          <p:cNvCxnSpPr>
+            <a:stCxn id="3" idx="0"/>
+            <a:endCxn id="12" idx="2"/>
+          </p:cNvCxnSpPr>
+          <p:nvPr/>
+        </p:nvCxnSpPr>
+        <p:spPr>
+          <a:xfrm rot="16200000" flipV="1">
+            <a:off x="6923900" y="789018"/>
+            <a:ext cx="1082348" cy="2947307"/>
+          </a:xfrm>
+          <a:prstGeom prst="bentConnector3">
+            <a:avLst/>
+          </a:prstGeom>
+          <a:ln w="76200">
+            <a:solidFill>
+              <a:srgbClr val="0070C0"/>
+            </a:solidFill>
+            <a:tailEnd type="triangle"/>
+          </a:ln>
+        </p:spPr>
+        <p:style>
+          <a:lnRef idx="1">
+            <a:schemeClr val="accent1"/>
+          </a:lnRef>
+          <a:fillRef idx="0">
+            <a:schemeClr val="accent1"/>
+          </a:fillRef>
+          <a:effectRef idx="0">
+            <a:schemeClr val="accent1"/>
+          </a:effectRef>
+          <a:fontRef idx="minor">
+            <a:schemeClr val="tx1"/>
+          </a:fontRef>
+        </p:style>
+      </p:cxnSp>
+      <p:sp>
+        <p:nvSpPr>
+          <p:cNvPr id="23" name="TextBox 22">
+            <a:extLst>
+              <a:ext uri="{FF2B5EF4-FFF2-40B4-BE49-F238E27FC236}">
+                <a16:creationId xmlns:a16="http://schemas.microsoft.com/office/drawing/2014/main" id="{46FA4F28-27AF-0982-4AA8-A55FFAE6F18D}"/>
+              </a:ext>
+            </a:extLst>
+          </p:cNvPr>
+          <p:cNvSpPr txBox="1"/>
+          <p:nvPr/>
+        </p:nvSpPr>
+        <p:spPr>
+          <a:xfrm>
+            <a:off x="6133128" y="1638499"/>
+            <a:ext cx="2124464" cy="646331"/>
+          </a:xfrm>
+          <a:prstGeom prst="rect">
+            <a:avLst/>
+          </a:prstGeom>
+          <a:noFill/>
+        </p:spPr>
+        <p:txBody>
+          <a:bodyPr wrap="square" rtlCol="0">
+            <a:spAutoFit/>
+          </a:bodyPr>
+          <a:lstStyle/>
+          <a:p>
+            <a:r>
+              <a:rPr lang="en-IN" dirty="0"/>
+              <a:t>Request Redirect for Login</a:t>
+            </a:r>
+            <a:endParaRPr lang="en-US" dirty="0"/>
+          </a:p>
+        </p:txBody>
+      </p:sp>
+      <p:cxnSp>
+        <p:nvCxnSpPr>
+          <p:cNvPr id="25" name="Connector: Elbow 24">
+            <a:extLst>
+              <a:ext uri="{FF2B5EF4-FFF2-40B4-BE49-F238E27FC236}">
+                <a16:creationId xmlns:a16="http://schemas.microsoft.com/office/drawing/2014/main" id="{5D77A16D-8ED0-DCA8-2D8C-9A17CD519B71}"/>
+              </a:ext>
+            </a:extLst>
+          </p:cNvPr>
+          <p:cNvCxnSpPr>
+            <a:stCxn id="12" idx="2"/>
+            <a:endCxn id="4" idx="2"/>
+          </p:cNvCxnSpPr>
+          <p:nvPr/>
+        </p:nvCxnSpPr>
+        <p:spPr>
+          <a:xfrm rot="5400000">
+            <a:off x="3216147" y="1106259"/>
+            <a:ext cx="2160035" cy="3390512"/>
+          </a:xfrm>
+          <a:prstGeom prst="bentConnector2">
+            <a:avLst/>
+          </a:prstGeom>
+          <a:ln w="76200">
+            <a:solidFill>
+              <a:srgbClr val="00B050"/>
+            </a:solidFill>
+            <a:tailEnd type="triangle"/>
+          </a:ln>
+        </p:spPr>
+        <p:style>
+          <a:lnRef idx="1">
+            <a:schemeClr val="accent1"/>
+          </a:lnRef>
+          <a:fillRef idx="0">
+            <a:schemeClr val="accent1"/>
+          </a:fillRef>
+          <a:effectRef idx="0">
+            <a:schemeClr val="accent1"/>
+          </a:effectRef>
+          <a:fontRef idx="minor">
+            <a:schemeClr val="tx1"/>
+          </a:fontRef>
+        </p:style>
+      </p:cxnSp>
+      <p:sp>
+        <p:nvSpPr>
+          <p:cNvPr id="26" name="TextBox 25">
+            <a:extLst>
+              <a:ext uri="{FF2B5EF4-FFF2-40B4-BE49-F238E27FC236}">
+                <a16:creationId xmlns:a16="http://schemas.microsoft.com/office/drawing/2014/main" id="{57B2691A-7638-34BB-EEC7-69E8B8BFCBA1}"/>
+              </a:ext>
+            </a:extLst>
+          </p:cNvPr>
+          <p:cNvSpPr txBox="1"/>
+          <p:nvPr/>
+        </p:nvSpPr>
+        <p:spPr>
+          <a:xfrm>
+            <a:off x="3114092" y="3578288"/>
+            <a:ext cx="3103206" cy="369332"/>
+          </a:xfrm>
+          <a:prstGeom prst="rect">
+            <a:avLst/>
+          </a:prstGeom>
+          <a:noFill/>
+        </p:spPr>
+        <p:txBody>
+          <a:bodyPr wrap="square" rtlCol="0">
+            <a:spAutoFit/>
+          </a:bodyPr>
+          <a:lstStyle/>
+          <a:p>
+            <a:r>
+              <a:rPr lang="en-IN" dirty="0"/>
+              <a:t>Sign In Page (UI)</a:t>
+            </a:r>
+            <a:endParaRPr lang="en-US" dirty="0"/>
+          </a:p>
+        </p:txBody>
+      </p:sp>
+      <p:cxnSp>
+        <p:nvCxnSpPr>
+          <p:cNvPr id="28" name="Connector: Elbow 27">
+            <a:extLst>
+              <a:ext uri="{FF2B5EF4-FFF2-40B4-BE49-F238E27FC236}">
+                <a16:creationId xmlns:a16="http://schemas.microsoft.com/office/drawing/2014/main" id="{9C375C19-5BE0-C4FC-CE5E-57620A829197}"/>
+              </a:ext>
+            </a:extLst>
+          </p:cNvPr>
+          <p:cNvCxnSpPr>
+            <a:stCxn id="4" idx="2"/>
+            <a:endCxn id="12" idx="1"/>
+          </p:cNvCxnSpPr>
+          <p:nvPr/>
+        </p:nvCxnSpPr>
+        <p:spPr>
+          <a:xfrm flipV="1">
+            <a:off x="2600908" y="954056"/>
+            <a:ext cx="1665515" cy="2927477"/>
+          </a:xfrm>
+          <a:prstGeom prst="bentConnector3">
+            <a:avLst/>
+          </a:prstGeom>
+          <a:ln w="76200">
+            <a:solidFill>
+              <a:srgbClr val="92D050"/>
+            </a:solidFill>
+            <a:tailEnd type="triangle"/>
+          </a:ln>
+        </p:spPr>
+        <p:style>
+          <a:lnRef idx="1">
+            <a:schemeClr val="accent1"/>
+          </a:lnRef>
+          <a:fillRef idx="0">
+            <a:schemeClr val="accent1"/>
+          </a:fillRef>
+          <a:effectRef idx="0">
+            <a:schemeClr val="accent1"/>
+          </a:effectRef>
+          <a:fontRef idx="minor">
+            <a:schemeClr val="tx1"/>
+          </a:fontRef>
+        </p:style>
+      </p:cxnSp>
+      <p:sp>
+        <p:nvSpPr>
+          <p:cNvPr id="29" name="TextBox 28">
+            <a:extLst>
+              <a:ext uri="{FF2B5EF4-FFF2-40B4-BE49-F238E27FC236}">
+                <a16:creationId xmlns:a16="http://schemas.microsoft.com/office/drawing/2014/main" id="{74D2EF2A-374A-99B3-134B-DEE2FE8729AA}"/>
+              </a:ext>
+            </a:extLst>
+          </p:cNvPr>
+          <p:cNvSpPr txBox="1"/>
+          <p:nvPr/>
+        </p:nvSpPr>
+        <p:spPr>
+          <a:xfrm>
+            <a:off x="3063938" y="1839676"/>
+            <a:ext cx="2087141" cy="1200329"/>
+          </a:xfrm>
+          <a:prstGeom prst="rect">
+            <a:avLst/>
+          </a:prstGeom>
+          <a:noFill/>
+        </p:spPr>
+        <p:txBody>
+          <a:bodyPr wrap="square" rtlCol="0">
+            <a:spAutoFit/>
+          </a:bodyPr>
+          <a:lstStyle/>
+          <a:p>
+            <a:r>
+              <a:rPr lang="en-IN" dirty="0"/>
+              <a:t>User Send Login Credentials and AAD Validate the user</a:t>
+            </a:r>
+            <a:endParaRPr lang="en-US" dirty="0"/>
+          </a:p>
+        </p:txBody>
+      </p:sp>
+      <p:cxnSp>
+        <p:nvCxnSpPr>
+          <p:cNvPr id="31" name="Connector: Elbow 30">
+            <a:extLst>
+              <a:ext uri="{FF2B5EF4-FFF2-40B4-BE49-F238E27FC236}">
+                <a16:creationId xmlns:a16="http://schemas.microsoft.com/office/drawing/2014/main" id="{5F592729-F655-7CE0-AFC3-683D27173967}"/>
+              </a:ext>
+            </a:extLst>
+          </p:cNvPr>
+          <p:cNvCxnSpPr>
+            <a:stCxn id="12" idx="0"/>
+            <a:endCxn id="3" idx="2"/>
+          </p:cNvCxnSpPr>
+          <p:nvPr/>
+        </p:nvCxnSpPr>
+        <p:spPr>
+          <a:xfrm rot="16200000" flipH="1">
+            <a:off x="5097432" y="1080601"/>
+            <a:ext cx="4735282" cy="2947307"/>
+          </a:xfrm>
+          <a:prstGeom prst="bentConnector5">
+            <a:avLst>
+              <a:gd name="adj1" fmla="val -4828"/>
+              <a:gd name="adj2" fmla="val 149228"/>
+              <a:gd name="adj3" fmla="val 104828"/>
+            </a:avLst>
+          </a:prstGeom>
+          <a:ln w="76200">
+            <a:solidFill>
+              <a:srgbClr val="7030A0"/>
+            </a:solidFill>
+            <a:tailEnd type="triangle"/>
+          </a:ln>
+        </p:spPr>
+        <p:style>
+          <a:lnRef idx="1">
+            <a:schemeClr val="accent1"/>
+          </a:lnRef>
+          <a:fillRef idx="0">
+            <a:schemeClr val="accent1"/>
+          </a:fillRef>
+          <a:effectRef idx="0">
+            <a:schemeClr val="accent1"/>
+          </a:effectRef>
+          <a:fontRef idx="minor">
+            <a:schemeClr val="tx1"/>
+          </a:fontRef>
+        </p:style>
+      </p:cxnSp>
+      <p:sp>
+        <p:nvSpPr>
+          <p:cNvPr id="32" name="TextBox 31">
+            <a:extLst>
+              <a:ext uri="{FF2B5EF4-FFF2-40B4-BE49-F238E27FC236}">
+                <a16:creationId xmlns:a16="http://schemas.microsoft.com/office/drawing/2014/main" id="{A2E50C75-6F45-74AF-1ACB-53FFD7F07133}"/>
+              </a:ext>
+            </a:extLst>
+          </p:cNvPr>
+          <p:cNvSpPr txBox="1"/>
+          <p:nvPr/>
+        </p:nvSpPr>
+        <p:spPr>
+          <a:xfrm>
+            <a:off x="8661918" y="5219501"/>
+            <a:ext cx="2444620" cy="369332"/>
+          </a:xfrm>
+          <a:prstGeom prst="rect">
+            <a:avLst/>
+          </a:prstGeom>
+          <a:noFill/>
+        </p:spPr>
+        <p:txBody>
+          <a:bodyPr wrap="square" rtlCol="0">
+            <a:spAutoFit/>
+          </a:bodyPr>
+          <a:lstStyle/>
+          <a:p>
+            <a:r>
+              <a:rPr lang="en-IN" dirty="0"/>
+              <a:t>Login Successful</a:t>
+            </a:r>
+            <a:endParaRPr lang="en-US" dirty="0"/>
+          </a:p>
+        </p:txBody>
+      </p:sp>
+    </p:spTree>
+    <p:extLst>
+      <p:ext uri="{BB962C8B-B14F-4D97-AF65-F5344CB8AC3E}">
+        <p14:creationId xmlns:p14="http://schemas.microsoft.com/office/powerpoint/2010/main" val="1454674302"/>
+      </p:ext>
+    </p:extLst>
+  </p:cSld>
+  <p:clrMapOvr>
+    <a:masterClrMapping/>
+  </p:clrMapOvr>
+</p:sld>
+</file>
+
+<file path=ppt/slides/slide13.xml><?xml version="1.0" encoding="utf-8"?>
+<p:sld xmlns:a="http://schemas.openxmlformats.org/drawingml/2006/main" xmlns:r="http://schemas.openxmlformats.org/officeDocument/2006/relationships" xmlns:p="http://schemas.openxmlformats.org/presentationml/2006/main">
+  <p:cSld>
+    <p:spTree>
+      <p:nvGrpSpPr>
+        <p:cNvPr id="1" name=""/>
+        <p:cNvGrpSpPr/>
+        <p:nvPr/>
+      </p:nvGrpSpPr>
+      <p:grpSpPr>
+        <a:xfrm>
+          <a:off x="0" y="0"/>
+          <a:ext cx="0" cy="0"/>
+          <a:chOff x="0" y="0"/>
+          <a:chExt cx="0" cy="0"/>
+        </a:xfrm>
+      </p:grpSpPr>
+      <p:sp>
+        <p:nvSpPr>
+          <p:cNvPr id="2" name="Rectangle 1">
+            <a:extLst>
+              <a:ext uri="{FF2B5EF4-FFF2-40B4-BE49-F238E27FC236}">
+                <a16:creationId xmlns:a16="http://schemas.microsoft.com/office/drawing/2014/main" id="{02C0FB6A-DC5D-CCFD-EEA1-17F19166E8CE}"/>
+              </a:ext>
+            </a:extLst>
+          </p:cNvPr>
+          <p:cNvSpPr/>
+          <p:nvPr/>
+        </p:nvSpPr>
+        <p:spPr>
+          <a:xfrm>
+            <a:off x="4357396" y="373224"/>
+            <a:ext cx="3480318" cy="1632858"/>
+          </a:xfrm>
+          <a:prstGeom prst="rect">
+            <a:avLst/>
+          </a:prstGeom>
+        </p:spPr>
+        <p:style>
+          <a:lnRef idx="2">
+            <a:schemeClr val="accent1">
+              <a:shade val="50000"/>
+            </a:schemeClr>
+          </a:lnRef>
+          <a:fillRef idx="1">
+            <a:schemeClr val="accent1"/>
+          </a:fillRef>
+          <a:effectRef idx="0">
+            <a:schemeClr val="accent1"/>
+          </a:effectRef>
+          <a:fontRef idx="minor">
+            <a:schemeClr val="lt1"/>
+          </a:fontRef>
+        </p:style>
+        <p:txBody>
+          <a:bodyPr rtlCol="0" anchor="ctr"/>
+          <a:lstStyle/>
+          <a:p>
+            <a:pPr algn="ctr"/>
+            <a:r>
+              <a:rPr lang="en-IN" b="1" dirty="0"/>
+              <a:t>Azure AD</a:t>
+            </a:r>
+          </a:p>
+          <a:p>
+            <a:pPr algn="ctr"/>
+            <a:r>
+              <a:rPr lang="en-IN" b="1" dirty="0"/>
+              <a:t>Registration of Mobile App and REST API  Az Function</a:t>
+            </a:r>
+            <a:endParaRPr lang="en-US" b="1" dirty="0"/>
+          </a:p>
+        </p:txBody>
+      </p:sp>
+      <p:sp>
+        <p:nvSpPr>
+          <p:cNvPr id="3" name="Rectangle: Rounded Corners 2">
+            <a:extLst>
+              <a:ext uri="{FF2B5EF4-FFF2-40B4-BE49-F238E27FC236}">
+                <a16:creationId xmlns:a16="http://schemas.microsoft.com/office/drawing/2014/main" id="{8B4014EE-2613-E2E6-03F0-46F922C7B0F6}"/>
+              </a:ext>
+            </a:extLst>
+          </p:cNvPr>
+          <p:cNvSpPr/>
+          <p:nvPr/>
+        </p:nvSpPr>
+        <p:spPr>
+          <a:xfrm>
+            <a:off x="653143" y="2649894"/>
+            <a:ext cx="2267339" cy="1810139"/>
+          </a:xfrm>
+          <a:prstGeom prst="roundRect">
+            <a:avLst/>
+          </a:prstGeom>
+        </p:spPr>
+        <p:style>
+          <a:lnRef idx="2">
+            <a:schemeClr val="accent1">
+              <a:shade val="50000"/>
+            </a:schemeClr>
+          </a:lnRef>
+          <a:fillRef idx="1">
+            <a:schemeClr val="accent1"/>
+          </a:fillRef>
+          <a:effectRef idx="0">
+            <a:schemeClr val="accent1"/>
+          </a:effectRef>
+          <a:fontRef idx="minor">
+            <a:schemeClr val="lt1"/>
+          </a:fontRef>
+        </p:style>
+        <p:txBody>
+          <a:bodyPr rtlCol="0" anchor="ctr"/>
+          <a:lstStyle/>
+          <a:p>
+            <a:pPr algn="ctr"/>
+            <a:r>
+              <a:rPr lang="en-IN" b="1" dirty="0"/>
+              <a:t>Mobile </a:t>
+            </a:r>
+          </a:p>
+          <a:p>
+            <a:pPr algn="ctr"/>
+            <a:r>
+              <a:rPr lang="en-IN" b="1" dirty="0"/>
+              <a:t>Client</a:t>
+            </a:r>
+            <a:endParaRPr lang="en-US" b="1" dirty="0"/>
+          </a:p>
+        </p:txBody>
+      </p:sp>
+      <p:cxnSp>
+        <p:nvCxnSpPr>
+          <p:cNvPr id="5" name="Connector: Elbow 4">
+            <a:extLst>
+              <a:ext uri="{FF2B5EF4-FFF2-40B4-BE49-F238E27FC236}">
+                <a16:creationId xmlns:a16="http://schemas.microsoft.com/office/drawing/2014/main" id="{D391A0ED-83C0-FF89-95A8-F15869AB4234}"/>
+              </a:ext>
+            </a:extLst>
+          </p:cNvPr>
+          <p:cNvCxnSpPr>
+            <a:stCxn id="3" idx="0"/>
+            <a:endCxn id="2" idx="1"/>
+          </p:cNvCxnSpPr>
+          <p:nvPr/>
+        </p:nvCxnSpPr>
+        <p:spPr>
+          <a:xfrm rot="5400000" flipH="1" flipV="1">
+            <a:off x="2341984" y="634483"/>
+            <a:ext cx="1460241" cy="2570583"/>
+          </a:xfrm>
+          <a:prstGeom prst="bentConnector2">
+            <a:avLst/>
+          </a:prstGeom>
+          <a:ln>
+            <a:headEnd type="triangle"/>
+            <a:tailEnd type="triangle"/>
+          </a:ln>
+        </p:spPr>
+        <p:style>
+          <a:lnRef idx="1">
+            <a:schemeClr val="accent1"/>
+          </a:lnRef>
+          <a:fillRef idx="0">
+            <a:schemeClr val="accent1"/>
+          </a:fillRef>
+          <a:effectRef idx="0">
+            <a:schemeClr val="accent1"/>
+          </a:effectRef>
+          <a:fontRef idx="minor">
+            <a:schemeClr val="tx1"/>
+          </a:fontRef>
+        </p:style>
+      </p:cxnSp>
+      <p:sp>
+        <p:nvSpPr>
+          <p:cNvPr id="6" name="Rectangle: Rounded Corners 5">
+            <a:extLst>
+              <a:ext uri="{FF2B5EF4-FFF2-40B4-BE49-F238E27FC236}">
+                <a16:creationId xmlns:a16="http://schemas.microsoft.com/office/drawing/2014/main" id="{D43EFC1A-1E54-DABC-0D6F-B3097F31A7BE}"/>
+              </a:ext>
+            </a:extLst>
+          </p:cNvPr>
+          <p:cNvSpPr/>
+          <p:nvPr/>
+        </p:nvSpPr>
+        <p:spPr>
+          <a:xfrm>
+            <a:off x="9119118" y="2649894"/>
+            <a:ext cx="2267339" cy="1810139"/>
+          </a:xfrm>
+          <a:prstGeom prst="roundRect">
+            <a:avLst/>
+          </a:prstGeom>
+        </p:spPr>
+        <p:style>
+          <a:lnRef idx="2">
+            <a:schemeClr val="accent1">
+              <a:shade val="50000"/>
+            </a:schemeClr>
+          </a:lnRef>
+          <a:fillRef idx="1">
+            <a:schemeClr val="accent1"/>
+          </a:fillRef>
+          <a:effectRef idx="0">
+            <a:schemeClr val="accent1"/>
+          </a:effectRef>
+          <a:fontRef idx="minor">
+            <a:schemeClr val="lt1"/>
+          </a:fontRef>
+        </p:style>
+        <p:txBody>
+          <a:bodyPr rtlCol="0" anchor="ctr"/>
+          <a:lstStyle/>
+          <a:p>
+            <a:pPr algn="ctr"/>
+            <a:r>
+              <a:rPr lang="en-IN" b="1" dirty="0"/>
+              <a:t>REST API / Azure Function</a:t>
+            </a:r>
+            <a:endParaRPr lang="en-US" b="1" dirty="0"/>
+          </a:p>
+        </p:txBody>
+      </p:sp>
+      <p:cxnSp>
+        <p:nvCxnSpPr>
+          <p:cNvPr id="8" name="Connector: Elbow 7">
+            <a:extLst>
+              <a:ext uri="{FF2B5EF4-FFF2-40B4-BE49-F238E27FC236}">
+                <a16:creationId xmlns:a16="http://schemas.microsoft.com/office/drawing/2014/main" id="{DC6CE864-D9E2-6E4F-3220-C218D4C5CBE4}"/>
+              </a:ext>
+            </a:extLst>
+          </p:cNvPr>
+          <p:cNvCxnSpPr>
+            <a:stCxn id="6" idx="0"/>
+            <a:endCxn id="2" idx="3"/>
+          </p:cNvCxnSpPr>
+          <p:nvPr/>
+        </p:nvCxnSpPr>
+        <p:spPr>
+          <a:xfrm rot="16200000" flipV="1">
+            <a:off x="8315131" y="712237"/>
+            <a:ext cx="1460241" cy="2415074"/>
+          </a:xfrm>
+          <a:prstGeom prst="bentConnector2">
+            <a:avLst/>
+          </a:prstGeom>
+          <a:ln>
+            <a:headEnd type="triangle"/>
+            <a:tailEnd type="triangle"/>
+          </a:ln>
+        </p:spPr>
+        <p:style>
+          <a:lnRef idx="1">
+            <a:schemeClr val="accent1"/>
+          </a:lnRef>
+          <a:fillRef idx="0">
+            <a:schemeClr val="accent1"/>
+          </a:fillRef>
+          <a:effectRef idx="0">
+            <a:schemeClr val="accent1"/>
+          </a:effectRef>
+          <a:fontRef idx="minor">
+            <a:schemeClr val="tx1"/>
+          </a:fontRef>
+        </p:style>
+      </p:cxnSp>
+      <p:sp>
+        <p:nvSpPr>
+          <p:cNvPr id="9" name="Arrow: Right 8">
+            <a:extLst>
+              <a:ext uri="{FF2B5EF4-FFF2-40B4-BE49-F238E27FC236}">
+                <a16:creationId xmlns:a16="http://schemas.microsoft.com/office/drawing/2014/main" id="{EA6E92B7-E47E-7106-DB24-02A57ECAA4EA}"/>
+              </a:ext>
+            </a:extLst>
+          </p:cNvPr>
+          <p:cNvSpPr/>
+          <p:nvPr/>
+        </p:nvSpPr>
+        <p:spPr>
+          <a:xfrm>
+            <a:off x="2920482" y="3247053"/>
+            <a:ext cx="6198636" cy="634482"/>
+          </a:xfrm>
+          <a:prstGeom prst="rightArrow">
+            <a:avLst/>
+          </a:prstGeom>
+        </p:spPr>
+        <p:style>
+          <a:lnRef idx="2">
+            <a:schemeClr val="accent1">
+              <a:shade val="50000"/>
+            </a:schemeClr>
+          </a:lnRef>
+          <a:fillRef idx="1">
+            <a:schemeClr val="accent1"/>
+          </a:fillRef>
+          <a:effectRef idx="0">
+            <a:schemeClr val="accent1"/>
+          </a:effectRef>
+          <a:fontRef idx="minor">
+            <a:schemeClr val="lt1"/>
+          </a:fontRef>
+        </p:style>
+        <p:txBody>
+          <a:bodyPr rtlCol="0" anchor="ctr"/>
+          <a:lstStyle/>
+          <a:p>
+            <a:pPr algn="ctr"/>
+            <a:r>
+              <a:rPr lang="en-IN" dirty="0"/>
+              <a:t>Request</a:t>
+            </a:r>
+            <a:endParaRPr lang="en-US" dirty="0"/>
+          </a:p>
+        </p:txBody>
+      </p:sp>
+      <p:cxnSp>
+        <p:nvCxnSpPr>
+          <p:cNvPr id="11" name="Connector: Elbow 10">
+            <a:extLst>
+              <a:ext uri="{FF2B5EF4-FFF2-40B4-BE49-F238E27FC236}">
+                <a16:creationId xmlns:a16="http://schemas.microsoft.com/office/drawing/2014/main" id="{9E421D75-2F4E-CDDC-2067-E1E8B52146B4}"/>
+              </a:ext>
+            </a:extLst>
+          </p:cNvPr>
+          <p:cNvCxnSpPr>
+            <a:stCxn id="9" idx="3"/>
+            <a:endCxn id="2" idx="2"/>
+          </p:cNvCxnSpPr>
+          <p:nvPr/>
+        </p:nvCxnSpPr>
+        <p:spPr>
+          <a:xfrm flipH="1" flipV="1">
+            <a:off x="6097555" y="2006082"/>
+            <a:ext cx="3021563" cy="1558212"/>
+          </a:xfrm>
+          <a:prstGeom prst="bentConnector4">
+            <a:avLst>
+              <a:gd name="adj1" fmla="val -7566"/>
+              <a:gd name="adj2" fmla="val 60180"/>
+            </a:avLst>
+          </a:prstGeom>
+          <a:ln>
+            <a:headEnd type="triangle"/>
+            <a:tailEnd type="triangle"/>
+          </a:ln>
+        </p:spPr>
+        <p:style>
+          <a:lnRef idx="1">
+            <a:schemeClr val="accent1"/>
+          </a:lnRef>
+          <a:fillRef idx="0">
+            <a:schemeClr val="accent1"/>
+          </a:fillRef>
+          <a:effectRef idx="0">
+            <a:schemeClr val="accent1"/>
+          </a:effectRef>
+          <a:fontRef idx="minor">
+            <a:schemeClr val="tx1"/>
+          </a:fontRef>
+        </p:style>
+      </p:cxnSp>
+      <p:sp>
+        <p:nvSpPr>
+          <p:cNvPr id="12" name="Oval 11">
+            <a:extLst>
+              <a:ext uri="{FF2B5EF4-FFF2-40B4-BE49-F238E27FC236}">
+                <a16:creationId xmlns:a16="http://schemas.microsoft.com/office/drawing/2014/main" id="{75DDA1D1-DD32-6D4C-1889-62BE039037A1}"/>
+              </a:ext>
+            </a:extLst>
+          </p:cNvPr>
+          <p:cNvSpPr/>
+          <p:nvPr/>
+        </p:nvSpPr>
+        <p:spPr>
+          <a:xfrm>
+            <a:off x="1604865" y="1082351"/>
+            <a:ext cx="625151" cy="494522"/>
+          </a:xfrm>
+          <a:prstGeom prst="ellipse">
+            <a:avLst/>
+          </a:prstGeom>
+        </p:spPr>
+        <p:style>
+          <a:lnRef idx="2">
+            <a:schemeClr val="accent1">
+              <a:shade val="50000"/>
+            </a:schemeClr>
+          </a:lnRef>
+          <a:fillRef idx="1">
+            <a:schemeClr val="accent1"/>
+          </a:fillRef>
+          <a:effectRef idx="0">
+            <a:schemeClr val="accent1"/>
+          </a:effectRef>
+          <a:fontRef idx="minor">
+            <a:schemeClr val="lt1"/>
+          </a:fontRef>
+        </p:style>
+        <p:txBody>
+          <a:bodyPr rtlCol="0" anchor="ctr"/>
+          <a:lstStyle/>
+          <a:p>
+            <a:pPr algn="ctr"/>
+            <a:r>
+              <a:rPr lang="en-IN" dirty="0"/>
+              <a:t>1</a:t>
+            </a:r>
+            <a:endParaRPr lang="en-US" dirty="0"/>
+          </a:p>
+        </p:txBody>
+      </p:sp>
+      <p:sp>
+        <p:nvSpPr>
+          <p:cNvPr id="13" name="Oval 12">
+            <a:extLst>
+              <a:ext uri="{FF2B5EF4-FFF2-40B4-BE49-F238E27FC236}">
+                <a16:creationId xmlns:a16="http://schemas.microsoft.com/office/drawing/2014/main" id="{669A65A4-AB66-7C96-DA02-AF1A2061F010}"/>
+              </a:ext>
+            </a:extLst>
+          </p:cNvPr>
+          <p:cNvSpPr/>
+          <p:nvPr/>
+        </p:nvSpPr>
+        <p:spPr>
+          <a:xfrm>
+            <a:off x="9881896" y="1063689"/>
+            <a:ext cx="625151" cy="494522"/>
+          </a:xfrm>
+          <a:prstGeom prst="ellipse">
+            <a:avLst/>
+          </a:prstGeom>
+        </p:spPr>
+        <p:style>
+          <a:lnRef idx="2">
+            <a:schemeClr val="accent1">
+              <a:shade val="50000"/>
+            </a:schemeClr>
+          </a:lnRef>
+          <a:fillRef idx="1">
+            <a:schemeClr val="accent1"/>
+          </a:fillRef>
+          <a:effectRef idx="0">
+            <a:schemeClr val="accent1"/>
+          </a:effectRef>
+          <a:fontRef idx="minor">
+            <a:schemeClr val="lt1"/>
+          </a:fontRef>
+        </p:style>
+        <p:txBody>
+          <a:bodyPr rtlCol="0" anchor="ctr"/>
+          <a:lstStyle/>
+          <a:p>
+            <a:pPr algn="ctr"/>
+            <a:r>
+              <a:rPr lang="en-IN" dirty="0"/>
+              <a:t>1</a:t>
+            </a:r>
+            <a:endParaRPr lang="en-US" dirty="0"/>
+          </a:p>
+        </p:txBody>
+      </p:sp>
+      <p:sp>
+        <p:nvSpPr>
+          <p:cNvPr id="14" name="Oval 13">
+            <a:extLst>
+              <a:ext uri="{FF2B5EF4-FFF2-40B4-BE49-F238E27FC236}">
+                <a16:creationId xmlns:a16="http://schemas.microsoft.com/office/drawing/2014/main" id="{6F88AFE1-4FE9-ECDB-937A-7F76EC414C78}"/>
+              </a:ext>
+            </a:extLst>
+          </p:cNvPr>
+          <p:cNvSpPr/>
+          <p:nvPr/>
+        </p:nvSpPr>
+        <p:spPr>
+          <a:xfrm>
+            <a:off x="7360297" y="3307702"/>
+            <a:ext cx="625151" cy="494522"/>
+          </a:xfrm>
+          <a:prstGeom prst="ellipse">
+            <a:avLst/>
+          </a:prstGeom>
+        </p:spPr>
+        <p:style>
+          <a:lnRef idx="2">
+            <a:schemeClr val="accent1">
+              <a:shade val="50000"/>
+            </a:schemeClr>
+          </a:lnRef>
+          <a:fillRef idx="1">
+            <a:schemeClr val="accent1"/>
+          </a:fillRef>
+          <a:effectRef idx="0">
+            <a:schemeClr val="accent1"/>
+          </a:effectRef>
+          <a:fontRef idx="minor">
+            <a:schemeClr val="lt1"/>
+          </a:fontRef>
+        </p:style>
+        <p:txBody>
+          <a:bodyPr rtlCol="0" anchor="ctr"/>
+          <a:lstStyle/>
+          <a:p>
+            <a:pPr algn="ctr"/>
+            <a:r>
+              <a:rPr lang="en-IN" dirty="0"/>
+              <a:t>2</a:t>
+            </a:r>
+            <a:endParaRPr lang="en-US" dirty="0"/>
+          </a:p>
+        </p:txBody>
+      </p:sp>
+      <p:sp>
+        <p:nvSpPr>
+          <p:cNvPr id="15" name="Oval 14">
+            <a:extLst>
+              <a:ext uri="{FF2B5EF4-FFF2-40B4-BE49-F238E27FC236}">
+                <a16:creationId xmlns:a16="http://schemas.microsoft.com/office/drawing/2014/main" id="{1DC8F41E-EBF7-DAE3-A0B4-4C1A137C256F}"/>
+              </a:ext>
+            </a:extLst>
+          </p:cNvPr>
+          <p:cNvSpPr/>
+          <p:nvPr/>
+        </p:nvSpPr>
+        <p:spPr>
+          <a:xfrm>
+            <a:off x="7525138" y="2376974"/>
+            <a:ext cx="625151" cy="494522"/>
+          </a:xfrm>
+          <a:prstGeom prst="ellipse">
+            <a:avLst/>
+          </a:prstGeom>
+        </p:spPr>
+        <p:style>
+          <a:lnRef idx="2">
+            <a:schemeClr val="accent1">
+              <a:shade val="50000"/>
+            </a:schemeClr>
+          </a:lnRef>
+          <a:fillRef idx="1">
+            <a:schemeClr val="accent1"/>
+          </a:fillRef>
+          <a:effectRef idx="0">
+            <a:schemeClr val="accent1"/>
+          </a:effectRef>
+          <a:fontRef idx="minor">
+            <a:schemeClr val="lt1"/>
+          </a:fontRef>
+        </p:style>
+        <p:txBody>
+          <a:bodyPr rtlCol="0" anchor="ctr"/>
+          <a:lstStyle/>
+          <a:p>
+            <a:pPr algn="ctr"/>
+            <a:r>
+              <a:rPr lang="en-IN" dirty="0"/>
+              <a:t>3</a:t>
+            </a:r>
+            <a:endParaRPr lang="en-US" dirty="0"/>
+          </a:p>
+        </p:txBody>
+      </p:sp>
+      <p:cxnSp>
+        <p:nvCxnSpPr>
+          <p:cNvPr id="17" name="Connector: Elbow 16">
+            <a:extLst>
+              <a:ext uri="{FF2B5EF4-FFF2-40B4-BE49-F238E27FC236}">
+                <a16:creationId xmlns:a16="http://schemas.microsoft.com/office/drawing/2014/main" id="{16C32828-1085-2BC8-41C5-2B8C32610A02}"/>
+              </a:ext>
+            </a:extLst>
+          </p:cNvPr>
+          <p:cNvCxnSpPr>
+            <a:stCxn id="2" idx="2"/>
+            <a:endCxn id="9" idx="1"/>
+          </p:cNvCxnSpPr>
+          <p:nvPr/>
+        </p:nvCxnSpPr>
+        <p:spPr>
+          <a:xfrm rot="5400000">
+            <a:off x="3729913" y="1196652"/>
+            <a:ext cx="1558212" cy="3177073"/>
+          </a:xfrm>
+          <a:prstGeom prst="bentConnector4">
+            <a:avLst>
+              <a:gd name="adj1" fmla="val 39820"/>
+              <a:gd name="adj2" fmla="val 91630"/>
+            </a:avLst>
+          </a:prstGeom>
+          <a:ln>
+            <a:headEnd type="triangle"/>
+            <a:tailEnd type="triangle"/>
+          </a:ln>
+        </p:spPr>
+        <p:style>
+          <a:lnRef idx="1">
+            <a:schemeClr val="accent1"/>
+          </a:lnRef>
+          <a:fillRef idx="0">
+            <a:schemeClr val="accent1"/>
+          </a:fillRef>
+          <a:effectRef idx="0">
+            <a:schemeClr val="accent1"/>
+          </a:effectRef>
+          <a:fontRef idx="minor">
+            <a:schemeClr val="tx1"/>
+          </a:fontRef>
+        </p:style>
+      </p:cxnSp>
+      <p:sp>
+        <p:nvSpPr>
+          <p:cNvPr id="19" name="Oval 18">
+            <a:extLst>
+              <a:ext uri="{FF2B5EF4-FFF2-40B4-BE49-F238E27FC236}">
+                <a16:creationId xmlns:a16="http://schemas.microsoft.com/office/drawing/2014/main" id="{C68363F7-78E0-C2A2-C123-3FA128AFE208}"/>
+              </a:ext>
+            </a:extLst>
+          </p:cNvPr>
+          <p:cNvSpPr/>
+          <p:nvPr/>
+        </p:nvSpPr>
+        <p:spPr>
+          <a:xfrm>
+            <a:off x="3649048" y="2397968"/>
+            <a:ext cx="625151" cy="494522"/>
+          </a:xfrm>
+          <a:prstGeom prst="ellipse">
+            <a:avLst/>
+          </a:prstGeom>
+        </p:spPr>
+        <p:style>
+          <a:lnRef idx="2">
+            <a:schemeClr val="accent1">
+              <a:shade val="50000"/>
+            </a:schemeClr>
+          </a:lnRef>
+          <a:fillRef idx="1">
+            <a:schemeClr val="accent1"/>
+          </a:fillRef>
+          <a:effectRef idx="0">
+            <a:schemeClr val="accent1"/>
+          </a:effectRef>
+          <a:fontRef idx="minor">
+            <a:schemeClr val="lt1"/>
+          </a:fontRef>
+        </p:style>
+        <p:txBody>
+          <a:bodyPr rtlCol="0" anchor="ctr"/>
+          <a:lstStyle/>
+          <a:p>
+            <a:pPr algn="ctr"/>
+            <a:r>
+              <a:rPr lang="en-IN" dirty="0"/>
+              <a:t>4</a:t>
+            </a:r>
+            <a:endParaRPr lang="en-US" dirty="0"/>
+          </a:p>
+        </p:txBody>
+      </p:sp>
+      <p:sp>
+        <p:nvSpPr>
+          <p:cNvPr id="20" name="Arrow: Left 19">
+            <a:extLst>
+              <a:ext uri="{FF2B5EF4-FFF2-40B4-BE49-F238E27FC236}">
+                <a16:creationId xmlns:a16="http://schemas.microsoft.com/office/drawing/2014/main" id="{64743AAD-1964-0094-EA36-77E36A0EED30}"/>
+              </a:ext>
+            </a:extLst>
+          </p:cNvPr>
+          <p:cNvSpPr/>
+          <p:nvPr/>
+        </p:nvSpPr>
+        <p:spPr>
+          <a:xfrm>
+            <a:off x="2920480" y="3802224"/>
+            <a:ext cx="6198635" cy="634482"/>
+          </a:xfrm>
+          <a:prstGeom prst="leftArrow">
+            <a:avLst/>
+          </a:prstGeom>
+        </p:spPr>
+        <p:style>
+          <a:lnRef idx="2">
+            <a:schemeClr val="accent1">
+              <a:shade val="50000"/>
+            </a:schemeClr>
+          </a:lnRef>
+          <a:fillRef idx="1">
+            <a:schemeClr val="accent1"/>
+          </a:fillRef>
+          <a:effectRef idx="0">
+            <a:schemeClr val="accent1"/>
+          </a:effectRef>
+          <a:fontRef idx="minor">
+            <a:schemeClr val="lt1"/>
+          </a:fontRef>
+        </p:style>
+        <p:txBody>
+          <a:bodyPr rtlCol="0" anchor="ctr"/>
+          <a:lstStyle/>
+          <a:p>
+            <a:pPr algn="ctr"/>
+            <a:r>
+              <a:rPr lang="en-IN" dirty="0"/>
+              <a:t>Response</a:t>
+            </a:r>
+            <a:endParaRPr lang="en-US" dirty="0"/>
+          </a:p>
+        </p:txBody>
+      </p:sp>
+      <p:sp>
+        <p:nvSpPr>
+          <p:cNvPr id="21" name="Oval 20">
+            <a:extLst>
+              <a:ext uri="{FF2B5EF4-FFF2-40B4-BE49-F238E27FC236}">
+                <a16:creationId xmlns:a16="http://schemas.microsoft.com/office/drawing/2014/main" id="{1140702F-77B4-79FD-A750-2643203B80E5}"/>
+              </a:ext>
+            </a:extLst>
+          </p:cNvPr>
+          <p:cNvSpPr/>
+          <p:nvPr/>
+        </p:nvSpPr>
+        <p:spPr>
+          <a:xfrm>
+            <a:off x="4196443" y="3872203"/>
+            <a:ext cx="625151" cy="494522"/>
+          </a:xfrm>
+          <a:prstGeom prst="ellipse">
+            <a:avLst/>
+          </a:prstGeom>
+        </p:spPr>
+        <p:style>
+          <a:lnRef idx="2">
+            <a:schemeClr val="accent1">
+              <a:shade val="50000"/>
+            </a:schemeClr>
+          </a:lnRef>
+          <a:fillRef idx="1">
+            <a:schemeClr val="accent1"/>
+          </a:fillRef>
+          <a:effectRef idx="0">
+            <a:schemeClr val="accent1"/>
+          </a:effectRef>
+          <a:fontRef idx="minor">
+            <a:schemeClr val="lt1"/>
+          </a:fontRef>
+        </p:style>
+        <p:txBody>
+          <a:bodyPr rtlCol="0" anchor="ctr"/>
+          <a:lstStyle/>
+          <a:p>
+            <a:pPr algn="ctr"/>
+            <a:r>
+              <a:rPr lang="en-IN" dirty="0"/>
+              <a:t>5</a:t>
+            </a:r>
+            <a:endParaRPr lang="en-US" dirty="0"/>
+          </a:p>
+        </p:txBody>
+      </p:sp>
+    </p:spTree>
+    <p:extLst>
+      <p:ext uri="{BB962C8B-B14F-4D97-AF65-F5344CB8AC3E}">
+        <p14:creationId xmlns:p14="http://schemas.microsoft.com/office/powerpoint/2010/main" val="159160071"/>
+      </p:ext>
+    </p:extLst>
+  </p:cSld>
+  <p:clrMapOvr>
+    <a:masterClrMapping/>
+  </p:clrMapOvr>
+</p:sld>
+</file>
+
+<file path=ppt/slides/slide14.xml><?xml version="1.0" encoding="utf-8"?>
+<p:sld xmlns:a="http://schemas.openxmlformats.org/drawingml/2006/main" xmlns:r="http://schemas.openxmlformats.org/officeDocument/2006/relationships" xmlns:p="http://schemas.openxmlformats.org/presentationml/2006/main">
+  <p:cSld>
+    <p:spTree>
+      <p:nvGrpSpPr>
+        <p:cNvPr id="1" name=""/>
+        <p:cNvGrpSpPr/>
+        <p:nvPr/>
+      </p:nvGrpSpPr>
+      <p:grpSpPr>
+        <a:xfrm>
+          <a:off x="0" y="0"/>
+          <a:ext cx="0" cy="0"/>
+          <a:chOff x="0" y="0"/>
+          <a:chExt cx="0" cy="0"/>
+        </a:xfrm>
+      </p:grpSpPr>
+      <p:sp>
+        <p:nvSpPr>
+          <p:cNvPr id="2" name="Rectangle 1">
+            <a:extLst>
+              <a:ext uri="{FF2B5EF4-FFF2-40B4-BE49-F238E27FC236}">
+                <a16:creationId xmlns:a16="http://schemas.microsoft.com/office/drawing/2014/main" id="{BA171874-1513-DA74-3ED8-50403DC17AE6}"/>
+              </a:ext>
+            </a:extLst>
+          </p:cNvPr>
+          <p:cNvSpPr/>
+          <p:nvPr/>
+        </p:nvSpPr>
+        <p:spPr>
+          <a:xfrm>
+            <a:off x="1240971" y="1586204"/>
+            <a:ext cx="2211356" cy="2174033"/>
+          </a:xfrm>
+          <a:prstGeom prst="rect">
+            <a:avLst/>
+          </a:prstGeom>
+        </p:spPr>
+        <p:style>
+          <a:lnRef idx="2">
+            <a:schemeClr val="accent1">
+              <a:shade val="50000"/>
+            </a:schemeClr>
+          </a:lnRef>
+          <a:fillRef idx="1">
+            <a:schemeClr val="accent1"/>
+          </a:fillRef>
+          <a:effectRef idx="0">
+            <a:schemeClr val="accent1"/>
+          </a:effectRef>
+          <a:fontRef idx="minor">
+            <a:schemeClr val="lt1"/>
+          </a:fontRef>
+        </p:style>
+        <p:txBody>
+          <a:bodyPr rtlCol="0" anchor="ctr"/>
+          <a:lstStyle/>
+          <a:p>
+            <a:pPr algn="ctr"/>
+            <a:r>
+              <a:rPr lang="en-IN" dirty="0"/>
+              <a:t>App 1</a:t>
+            </a:r>
+            <a:endParaRPr lang="en-US" dirty="0"/>
+          </a:p>
+        </p:txBody>
+      </p:sp>
+      <p:sp>
+        <p:nvSpPr>
+          <p:cNvPr id="3" name="Rectangle 2">
+            <a:extLst>
+              <a:ext uri="{FF2B5EF4-FFF2-40B4-BE49-F238E27FC236}">
+                <a16:creationId xmlns:a16="http://schemas.microsoft.com/office/drawing/2014/main" id="{65BC4952-30AE-0047-45F0-77A3918BC5AB}"/>
+              </a:ext>
+            </a:extLst>
+          </p:cNvPr>
+          <p:cNvSpPr/>
+          <p:nvPr/>
+        </p:nvSpPr>
+        <p:spPr>
+          <a:xfrm>
+            <a:off x="8997820" y="1586204"/>
+            <a:ext cx="2211356" cy="2174033"/>
+          </a:xfrm>
+          <a:prstGeom prst="rect">
+            <a:avLst/>
+          </a:prstGeom>
+        </p:spPr>
+        <p:style>
+          <a:lnRef idx="2">
+            <a:schemeClr val="accent1">
+              <a:shade val="50000"/>
+            </a:schemeClr>
+          </a:lnRef>
+          <a:fillRef idx="1">
+            <a:schemeClr val="accent1"/>
+          </a:fillRef>
+          <a:effectRef idx="0">
+            <a:schemeClr val="accent1"/>
+          </a:effectRef>
+          <a:fontRef idx="minor">
+            <a:schemeClr val="lt1"/>
+          </a:fontRef>
+        </p:style>
+        <p:txBody>
+          <a:bodyPr rtlCol="0" anchor="ctr"/>
+          <a:lstStyle/>
+          <a:p>
+            <a:pPr algn="ctr"/>
+            <a:r>
+              <a:rPr lang="en-IN" dirty="0"/>
+              <a:t>App 2</a:t>
+            </a:r>
+            <a:endParaRPr lang="en-US" dirty="0"/>
+          </a:p>
+        </p:txBody>
+      </p:sp>
+      <p:sp>
+        <p:nvSpPr>
+          <p:cNvPr id="4" name="Explosion: 14 Points 3">
+            <a:extLst>
+              <a:ext uri="{FF2B5EF4-FFF2-40B4-BE49-F238E27FC236}">
+                <a16:creationId xmlns:a16="http://schemas.microsoft.com/office/drawing/2014/main" id="{B787D6AC-70D4-574E-4920-284699E10690}"/>
+              </a:ext>
+            </a:extLst>
+          </p:cNvPr>
+          <p:cNvSpPr/>
+          <p:nvPr/>
+        </p:nvSpPr>
+        <p:spPr>
+          <a:xfrm>
+            <a:off x="4721291" y="1511559"/>
+            <a:ext cx="2453950" cy="2248678"/>
+          </a:xfrm>
+          <a:prstGeom prst="irregularSeal2">
+            <a:avLst/>
+          </a:prstGeom>
+        </p:spPr>
+        <p:style>
+          <a:lnRef idx="2">
+            <a:schemeClr val="accent1">
+              <a:shade val="50000"/>
+            </a:schemeClr>
+          </a:lnRef>
+          <a:fillRef idx="1">
+            <a:schemeClr val="accent1"/>
+          </a:fillRef>
+          <a:effectRef idx="0">
+            <a:schemeClr val="accent1"/>
+          </a:effectRef>
+          <a:fontRef idx="minor">
+            <a:schemeClr val="lt1"/>
+          </a:fontRef>
+        </p:style>
+        <p:txBody>
+          <a:bodyPr rtlCol="0" anchor="ctr"/>
+          <a:lstStyle/>
+          <a:p>
+            <a:pPr algn="ctr"/>
+            <a:r>
+              <a:rPr lang="en-IN" dirty="0"/>
+              <a:t>Function</a:t>
+            </a:r>
+            <a:endParaRPr lang="en-US" dirty="0"/>
+          </a:p>
+        </p:txBody>
+      </p:sp>
+      <p:sp>
+        <p:nvSpPr>
+          <p:cNvPr id="5" name="Arrow: Up 4">
+            <a:extLst>
+              <a:ext uri="{FF2B5EF4-FFF2-40B4-BE49-F238E27FC236}">
+                <a16:creationId xmlns:a16="http://schemas.microsoft.com/office/drawing/2014/main" id="{C4300987-024B-2F8C-3070-C9BE6047A6BB}"/>
+              </a:ext>
+            </a:extLst>
+          </p:cNvPr>
+          <p:cNvSpPr/>
+          <p:nvPr/>
+        </p:nvSpPr>
+        <p:spPr>
+          <a:xfrm>
+            <a:off x="5327780" y="3918857"/>
+            <a:ext cx="1203649" cy="1576874"/>
+          </a:xfrm>
+          <a:prstGeom prst="upArrow">
+            <a:avLst/>
+          </a:prstGeom>
+        </p:spPr>
+        <p:style>
+          <a:lnRef idx="2">
+            <a:schemeClr val="accent1">
+              <a:shade val="50000"/>
+            </a:schemeClr>
+          </a:lnRef>
+          <a:fillRef idx="1">
+            <a:schemeClr val="accent1"/>
+          </a:fillRef>
+          <a:effectRef idx="0">
+            <a:schemeClr val="accent1"/>
+          </a:effectRef>
+          <a:fontRef idx="minor">
+            <a:schemeClr val="lt1"/>
+          </a:fontRef>
+        </p:style>
+        <p:txBody>
+          <a:bodyPr rtlCol="0" anchor="ctr"/>
+          <a:lstStyle/>
+          <a:p>
+            <a:pPr algn="ctr"/>
+            <a:endParaRPr lang="en-US"/>
+          </a:p>
+        </p:txBody>
+      </p:sp>
+      <p:sp>
+        <p:nvSpPr>
+          <p:cNvPr id="6" name="TextBox 5">
+            <a:extLst>
+              <a:ext uri="{FF2B5EF4-FFF2-40B4-BE49-F238E27FC236}">
+                <a16:creationId xmlns:a16="http://schemas.microsoft.com/office/drawing/2014/main" id="{AF963CCD-2E13-16D0-4AD1-3F5682C42F78}"/>
+              </a:ext>
+            </a:extLst>
+          </p:cNvPr>
+          <p:cNvSpPr txBox="1"/>
+          <p:nvPr/>
+        </p:nvSpPr>
+        <p:spPr>
+          <a:xfrm>
+            <a:off x="4618653" y="5654351"/>
+            <a:ext cx="2901820" cy="923330"/>
+          </a:xfrm>
+          <a:prstGeom prst="rect">
+            <a:avLst/>
+          </a:prstGeom>
+          <a:noFill/>
+        </p:spPr>
+        <p:txBody>
+          <a:bodyPr wrap="square" rtlCol="0">
+            <a:spAutoFit/>
+          </a:bodyPr>
+          <a:lstStyle/>
+          <a:p>
+            <a:pPr algn="ctr"/>
+            <a:r>
+              <a:rPr lang="en-IN" dirty="0"/>
+              <a:t>Trigger</a:t>
+            </a:r>
+          </a:p>
+          <a:p>
+            <a:pPr algn="ctr"/>
+            <a:r>
+              <a:rPr lang="en-IN" dirty="0"/>
+              <a:t>Queue, BLOB, HTTP, Table, ect.</a:t>
+            </a:r>
+            <a:endParaRPr lang="en-US" dirty="0"/>
+          </a:p>
+        </p:txBody>
+      </p:sp>
+      <p:sp>
+        <p:nvSpPr>
+          <p:cNvPr id="7" name="TextBox 6">
+            <a:extLst>
+              <a:ext uri="{FF2B5EF4-FFF2-40B4-BE49-F238E27FC236}">
+                <a16:creationId xmlns:a16="http://schemas.microsoft.com/office/drawing/2014/main" id="{63AF030E-AD1E-AE34-A233-A461F78132E1}"/>
+              </a:ext>
+            </a:extLst>
+          </p:cNvPr>
+          <p:cNvSpPr txBox="1"/>
+          <p:nvPr/>
+        </p:nvSpPr>
+        <p:spPr>
+          <a:xfrm>
+            <a:off x="4142792" y="447869"/>
+            <a:ext cx="5019869" cy="369332"/>
+          </a:xfrm>
+          <a:prstGeom prst="rect">
+            <a:avLst/>
+          </a:prstGeom>
+          <a:noFill/>
+        </p:spPr>
+        <p:txBody>
+          <a:bodyPr wrap="square" rtlCol="0">
+            <a:spAutoFit/>
+          </a:bodyPr>
+          <a:lstStyle/>
+          <a:p>
+            <a:pPr algn="ctr"/>
+            <a:r>
+              <a:rPr lang="en-IN" dirty="0"/>
+              <a:t>Integration Across Apps</a:t>
+            </a:r>
+            <a:endParaRPr lang="en-US" dirty="0"/>
+          </a:p>
+        </p:txBody>
+      </p:sp>
+    </p:spTree>
+    <p:extLst>
+      <p:ext uri="{BB962C8B-B14F-4D97-AF65-F5344CB8AC3E}">
+        <p14:creationId xmlns:p14="http://schemas.microsoft.com/office/powerpoint/2010/main" val="140458485"/>
+      </p:ext>
+    </p:extLst>
+  </p:cSld>
+  <p:clrMapOvr>
+    <a:masterClrMapping/>
+  </p:clrMapOvr>
+</p:sld>
+</file>
+
+<file path=ppt/slides/slide15.xml><?xml version="1.0" encoding="utf-8"?>
+<p:sld xmlns:a="http://schemas.openxmlformats.org/drawingml/2006/main" xmlns:r="http://schemas.openxmlformats.org/officeDocument/2006/relationships" xmlns:p="http://schemas.openxmlformats.org/presentationml/2006/main">
+  <p:cSld>
+    <p:spTree>
+      <p:nvGrpSpPr>
+        <p:cNvPr id="1" name=""/>
+        <p:cNvGrpSpPr/>
+        <p:nvPr/>
+      </p:nvGrpSpPr>
+      <p:grpSpPr>
+        <a:xfrm>
+          <a:off x="0" y="0"/>
+          <a:ext cx="0" cy="0"/>
+          <a:chOff x="0" y="0"/>
+          <a:chExt cx="0" cy="0"/>
+        </a:xfrm>
+      </p:grpSpPr>
+      <p:sp>
+        <p:nvSpPr>
+          <p:cNvPr id="2" name="Rectangle 1">
+            <a:extLst>
+              <a:ext uri="{FF2B5EF4-FFF2-40B4-BE49-F238E27FC236}">
+                <a16:creationId xmlns:a16="http://schemas.microsoft.com/office/drawing/2014/main" id="{D4F2DE90-975E-E1EF-42B5-180309C160E2}"/>
+              </a:ext>
+            </a:extLst>
+          </p:cNvPr>
+          <p:cNvSpPr/>
+          <p:nvPr/>
+        </p:nvSpPr>
+        <p:spPr>
+          <a:xfrm>
+            <a:off x="877078" y="2062065"/>
+            <a:ext cx="2286000" cy="1772817"/>
+          </a:xfrm>
+          <a:prstGeom prst="rect">
+            <a:avLst/>
+          </a:prstGeom>
+        </p:spPr>
+        <p:style>
+          <a:lnRef idx="2">
+            <a:schemeClr val="accent1">
+              <a:shade val="50000"/>
+            </a:schemeClr>
+          </a:lnRef>
+          <a:fillRef idx="1">
+            <a:schemeClr val="accent1"/>
+          </a:fillRef>
+          <a:effectRef idx="0">
+            <a:schemeClr val="accent1"/>
+          </a:effectRef>
+          <a:fontRef idx="minor">
+            <a:schemeClr val="lt1"/>
+          </a:fontRef>
+        </p:style>
+        <p:txBody>
+          <a:bodyPr rtlCol="0" anchor="ctr"/>
+          <a:lstStyle/>
+          <a:p>
+            <a:pPr algn="ctr"/>
+            <a:r>
+              <a:rPr lang="en-IN" b="1" dirty="0"/>
+              <a:t>Azure</a:t>
+            </a:r>
+          </a:p>
+          <a:p>
+            <a:pPr algn="ctr"/>
+            <a:r>
+              <a:rPr lang="en-IN" b="1" dirty="0"/>
+              <a:t>Front Door</a:t>
+            </a:r>
+            <a:endParaRPr lang="en-US" b="1" dirty="0"/>
+          </a:p>
+        </p:txBody>
+      </p:sp>
+      <p:sp>
+        <p:nvSpPr>
+          <p:cNvPr id="3" name="Rectangle 2">
+            <a:extLst>
+              <a:ext uri="{FF2B5EF4-FFF2-40B4-BE49-F238E27FC236}">
+                <a16:creationId xmlns:a16="http://schemas.microsoft.com/office/drawing/2014/main" id="{7872EC45-F4B4-C437-2C64-E6966BA01EE9}"/>
+              </a:ext>
+            </a:extLst>
+          </p:cNvPr>
+          <p:cNvSpPr/>
+          <p:nvPr/>
+        </p:nvSpPr>
+        <p:spPr>
+          <a:xfrm>
+            <a:off x="4407159" y="124408"/>
+            <a:ext cx="2286000" cy="1772817"/>
+          </a:xfrm>
+          <a:prstGeom prst="rect">
+            <a:avLst/>
+          </a:prstGeom>
+        </p:spPr>
+        <p:style>
+          <a:lnRef idx="2">
+            <a:schemeClr val="accent1">
+              <a:shade val="50000"/>
+            </a:schemeClr>
+          </a:lnRef>
+          <a:fillRef idx="1">
+            <a:schemeClr val="accent1"/>
+          </a:fillRef>
+          <a:effectRef idx="0">
+            <a:schemeClr val="accent1"/>
+          </a:effectRef>
+          <a:fontRef idx="minor">
+            <a:schemeClr val="lt1"/>
+          </a:fontRef>
+        </p:style>
+        <p:txBody>
+          <a:bodyPr rtlCol="0" anchor="ctr"/>
+          <a:lstStyle/>
+          <a:p>
+            <a:pPr algn="ctr"/>
+            <a:r>
+              <a:rPr lang="en-IN" b="1" dirty="0"/>
+              <a:t>Function</a:t>
+            </a:r>
+          </a:p>
+          <a:p>
+            <a:pPr algn="ctr"/>
+            <a:r>
+              <a:rPr lang="en-IN" b="1" dirty="0"/>
+              <a:t>App</a:t>
+            </a:r>
+            <a:endParaRPr lang="en-US" b="1" dirty="0"/>
+          </a:p>
+        </p:txBody>
+      </p:sp>
+      <p:sp>
+        <p:nvSpPr>
+          <p:cNvPr id="4" name="Rectangle 3">
+            <a:extLst>
+              <a:ext uri="{FF2B5EF4-FFF2-40B4-BE49-F238E27FC236}">
+                <a16:creationId xmlns:a16="http://schemas.microsoft.com/office/drawing/2014/main" id="{9CA6FE41-4EA0-DA6A-B6D3-4AC418610B16}"/>
+              </a:ext>
+            </a:extLst>
+          </p:cNvPr>
+          <p:cNvSpPr/>
+          <p:nvPr/>
+        </p:nvSpPr>
+        <p:spPr>
+          <a:xfrm>
+            <a:off x="8011885" y="124407"/>
+            <a:ext cx="2286000" cy="1772817"/>
+          </a:xfrm>
+          <a:prstGeom prst="rect">
+            <a:avLst/>
+          </a:prstGeom>
+        </p:spPr>
+        <p:style>
+          <a:lnRef idx="2">
+            <a:schemeClr val="accent1">
+              <a:shade val="50000"/>
+            </a:schemeClr>
+          </a:lnRef>
+          <a:fillRef idx="1">
+            <a:schemeClr val="accent1"/>
+          </a:fillRef>
+          <a:effectRef idx="0">
+            <a:schemeClr val="accent1"/>
+          </a:effectRef>
+          <a:fontRef idx="minor">
+            <a:schemeClr val="lt1"/>
+          </a:fontRef>
+        </p:style>
+        <p:txBody>
+          <a:bodyPr rtlCol="0" anchor="ctr"/>
+          <a:lstStyle/>
+          <a:p>
+            <a:pPr algn="ctr"/>
+            <a:r>
+              <a:rPr lang="en-IN" b="1" dirty="0"/>
+              <a:t>Database</a:t>
+            </a:r>
+            <a:endParaRPr lang="en-US" b="1" dirty="0"/>
+          </a:p>
+        </p:txBody>
+      </p:sp>
+      <p:sp>
+        <p:nvSpPr>
+          <p:cNvPr id="5" name="Rectangle 4">
+            <a:extLst>
+              <a:ext uri="{FF2B5EF4-FFF2-40B4-BE49-F238E27FC236}">
+                <a16:creationId xmlns:a16="http://schemas.microsoft.com/office/drawing/2014/main" id="{464BD01F-2821-8D16-DC3C-DB2F8085E86F}"/>
+              </a:ext>
+            </a:extLst>
+          </p:cNvPr>
+          <p:cNvSpPr/>
+          <p:nvPr/>
+        </p:nvSpPr>
+        <p:spPr>
+          <a:xfrm>
+            <a:off x="4407159" y="4074368"/>
+            <a:ext cx="2286000" cy="1772817"/>
+          </a:xfrm>
+          <a:prstGeom prst="rect">
+            <a:avLst/>
+          </a:prstGeom>
+        </p:spPr>
+        <p:style>
+          <a:lnRef idx="2">
+            <a:schemeClr val="accent1">
+              <a:shade val="50000"/>
+            </a:schemeClr>
+          </a:lnRef>
+          <a:fillRef idx="1">
+            <a:schemeClr val="accent1"/>
+          </a:fillRef>
+          <a:effectRef idx="0">
+            <a:schemeClr val="accent1"/>
+          </a:effectRef>
+          <a:fontRef idx="minor">
+            <a:schemeClr val="lt1"/>
+          </a:fontRef>
+        </p:style>
+        <p:txBody>
+          <a:bodyPr rtlCol="0" anchor="ctr"/>
+          <a:lstStyle/>
+          <a:p>
+            <a:pPr algn="ctr"/>
+            <a:r>
+              <a:rPr lang="en-IN" b="1" dirty="0"/>
+              <a:t>Function App</a:t>
+            </a:r>
+            <a:endParaRPr lang="en-US" b="1" dirty="0"/>
+          </a:p>
+        </p:txBody>
+      </p:sp>
+      <p:sp>
+        <p:nvSpPr>
+          <p:cNvPr id="6" name="Rectangle 5">
+            <a:extLst>
+              <a:ext uri="{FF2B5EF4-FFF2-40B4-BE49-F238E27FC236}">
+                <a16:creationId xmlns:a16="http://schemas.microsoft.com/office/drawing/2014/main" id="{D6B5E3E2-87E1-68BD-EEDB-D426D5C6A10A}"/>
+              </a:ext>
+            </a:extLst>
+          </p:cNvPr>
+          <p:cNvSpPr/>
+          <p:nvPr/>
+        </p:nvSpPr>
+        <p:spPr>
+          <a:xfrm>
+            <a:off x="8013439" y="4074368"/>
+            <a:ext cx="2286000" cy="1772817"/>
+          </a:xfrm>
+          <a:prstGeom prst="rect">
+            <a:avLst/>
+          </a:prstGeom>
+        </p:spPr>
+        <p:style>
+          <a:lnRef idx="2">
+            <a:schemeClr val="accent1">
+              <a:shade val="50000"/>
+            </a:schemeClr>
+          </a:lnRef>
+          <a:fillRef idx="1">
+            <a:schemeClr val="accent1"/>
+          </a:fillRef>
+          <a:effectRef idx="0">
+            <a:schemeClr val="accent1"/>
+          </a:effectRef>
+          <a:fontRef idx="minor">
+            <a:schemeClr val="lt1"/>
+          </a:fontRef>
+        </p:style>
+        <p:txBody>
+          <a:bodyPr rtlCol="0" anchor="ctr"/>
+          <a:lstStyle/>
+          <a:p>
+            <a:pPr algn="ctr"/>
+            <a:r>
+              <a:rPr lang="en-IN" b="1" dirty="0"/>
+              <a:t>Database</a:t>
+            </a:r>
+            <a:endParaRPr lang="en-US" b="1" dirty="0"/>
+          </a:p>
+        </p:txBody>
+      </p:sp>
+      <p:cxnSp>
+        <p:nvCxnSpPr>
+          <p:cNvPr id="8" name="Connector: Elbow 7">
+            <a:extLst>
+              <a:ext uri="{FF2B5EF4-FFF2-40B4-BE49-F238E27FC236}">
+                <a16:creationId xmlns:a16="http://schemas.microsoft.com/office/drawing/2014/main" id="{3713CD79-FB45-22FB-A884-A22D1FA38660}"/>
+              </a:ext>
+            </a:extLst>
+          </p:cNvPr>
+          <p:cNvCxnSpPr>
+            <a:stCxn id="2" idx="0"/>
+            <a:endCxn id="3" idx="1"/>
+          </p:cNvCxnSpPr>
+          <p:nvPr/>
+        </p:nvCxnSpPr>
+        <p:spPr>
+          <a:xfrm rot="5400000" flipH="1" flipV="1">
+            <a:off x="2687994" y="342901"/>
+            <a:ext cx="1051248" cy="2387081"/>
+          </a:xfrm>
+          <a:prstGeom prst="bentConnector2">
+            <a:avLst/>
+          </a:prstGeom>
+          <a:ln>
+            <a:tailEnd type="triangle"/>
+          </a:ln>
+        </p:spPr>
+        <p:style>
+          <a:lnRef idx="1">
+            <a:schemeClr val="accent1"/>
+          </a:lnRef>
+          <a:fillRef idx="0">
+            <a:schemeClr val="accent1"/>
+          </a:fillRef>
+          <a:effectRef idx="0">
+            <a:schemeClr val="accent1"/>
+          </a:effectRef>
+          <a:fontRef idx="minor">
+            <a:schemeClr val="tx1"/>
+          </a:fontRef>
+        </p:style>
+      </p:cxnSp>
+      <p:cxnSp>
+        <p:nvCxnSpPr>
+          <p:cNvPr id="10" name="Straight Arrow Connector 9">
+            <a:extLst>
+              <a:ext uri="{FF2B5EF4-FFF2-40B4-BE49-F238E27FC236}">
+                <a16:creationId xmlns:a16="http://schemas.microsoft.com/office/drawing/2014/main" id="{52CD4752-E6D0-6FC6-9862-F64388BE4AA4}"/>
+              </a:ext>
+            </a:extLst>
+          </p:cNvPr>
+          <p:cNvCxnSpPr>
+            <a:stCxn id="3" idx="3"/>
+            <a:endCxn id="4" idx="1"/>
+          </p:cNvCxnSpPr>
+          <p:nvPr/>
+        </p:nvCxnSpPr>
+        <p:spPr>
+          <a:xfrm flipV="1">
+            <a:off x="6693159" y="1010816"/>
+            <a:ext cx="1318726" cy="1"/>
+          </a:xfrm>
+          <a:prstGeom prst="straightConnector1">
+            <a:avLst/>
+          </a:prstGeom>
+          <a:ln>
+            <a:tailEnd type="triangle"/>
+          </a:ln>
+        </p:spPr>
+        <p:style>
+          <a:lnRef idx="1">
+            <a:schemeClr val="accent1"/>
+          </a:lnRef>
+          <a:fillRef idx="0">
+            <a:schemeClr val="accent1"/>
+          </a:fillRef>
+          <a:effectRef idx="0">
+            <a:schemeClr val="accent1"/>
+          </a:effectRef>
+          <a:fontRef idx="minor">
+            <a:schemeClr val="tx1"/>
+          </a:fontRef>
+        </p:style>
+      </p:cxnSp>
+      <p:cxnSp>
+        <p:nvCxnSpPr>
+          <p:cNvPr id="12" name="Connector: Elbow 11">
+            <a:extLst>
+              <a:ext uri="{FF2B5EF4-FFF2-40B4-BE49-F238E27FC236}">
+                <a16:creationId xmlns:a16="http://schemas.microsoft.com/office/drawing/2014/main" id="{82B56F80-8BDB-0E96-92D4-C8FD4A612BD7}"/>
+              </a:ext>
+            </a:extLst>
+          </p:cNvPr>
+          <p:cNvCxnSpPr>
+            <a:stCxn id="2" idx="2"/>
+            <a:endCxn id="5" idx="1"/>
+          </p:cNvCxnSpPr>
+          <p:nvPr/>
+        </p:nvCxnSpPr>
+        <p:spPr>
+          <a:xfrm rot="16200000" flipH="1">
+            <a:off x="2650671" y="3204288"/>
+            <a:ext cx="1125895" cy="2387081"/>
+          </a:xfrm>
+          <a:prstGeom prst="bentConnector2">
+            <a:avLst/>
+          </a:prstGeom>
+          <a:ln>
+            <a:tailEnd type="triangle"/>
+          </a:ln>
+        </p:spPr>
+        <p:style>
+          <a:lnRef idx="1">
+            <a:schemeClr val="accent1"/>
+          </a:lnRef>
+          <a:fillRef idx="0">
+            <a:schemeClr val="accent1"/>
+          </a:fillRef>
+          <a:effectRef idx="0">
+            <a:schemeClr val="accent1"/>
+          </a:effectRef>
+          <a:fontRef idx="minor">
+            <a:schemeClr val="tx1"/>
+          </a:fontRef>
+        </p:style>
+      </p:cxnSp>
+      <p:cxnSp>
+        <p:nvCxnSpPr>
+          <p:cNvPr id="14" name="Straight Arrow Connector 13">
+            <a:extLst>
+              <a:ext uri="{FF2B5EF4-FFF2-40B4-BE49-F238E27FC236}">
+                <a16:creationId xmlns:a16="http://schemas.microsoft.com/office/drawing/2014/main" id="{1CCF1AB5-BF7B-72D5-99A6-DC43A6567D2D}"/>
+              </a:ext>
+            </a:extLst>
+          </p:cNvPr>
+          <p:cNvCxnSpPr>
+            <a:stCxn id="5" idx="3"/>
+            <a:endCxn id="6" idx="1"/>
+          </p:cNvCxnSpPr>
+          <p:nvPr/>
+        </p:nvCxnSpPr>
+        <p:spPr>
+          <a:xfrm>
+            <a:off x="6693159" y="4960777"/>
+            <a:ext cx="1320280" cy="0"/>
+          </a:xfrm>
+          <a:prstGeom prst="straightConnector1">
+            <a:avLst/>
+          </a:prstGeom>
+          <a:ln>
+            <a:tailEnd type="triangle"/>
+          </a:ln>
+        </p:spPr>
+        <p:style>
+          <a:lnRef idx="1">
+            <a:schemeClr val="accent1"/>
+          </a:lnRef>
+          <a:fillRef idx="0">
+            <a:schemeClr val="accent1"/>
+          </a:fillRef>
+          <a:effectRef idx="0">
+            <a:schemeClr val="accent1"/>
+          </a:effectRef>
+          <a:fontRef idx="minor">
+            <a:schemeClr val="tx1"/>
+          </a:fontRef>
+        </p:style>
+      </p:cxnSp>
+      <p:sp>
+        <p:nvSpPr>
+          <p:cNvPr id="15" name="TextBox 14">
+            <a:extLst>
+              <a:ext uri="{FF2B5EF4-FFF2-40B4-BE49-F238E27FC236}">
+                <a16:creationId xmlns:a16="http://schemas.microsoft.com/office/drawing/2014/main" id="{194B02F1-135F-AD3C-1F02-F00DDC471040}"/>
+              </a:ext>
+            </a:extLst>
+          </p:cNvPr>
+          <p:cNvSpPr txBox="1"/>
+          <p:nvPr/>
+        </p:nvSpPr>
+        <p:spPr>
+          <a:xfrm>
+            <a:off x="1166327" y="382947"/>
+            <a:ext cx="2220686" cy="369332"/>
+          </a:xfrm>
+          <a:prstGeom prst="rect">
+            <a:avLst/>
+          </a:prstGeom>
+          <a:noFill/>
+        </p:spPr>
+        <p:txBody>
+          <a:bodyPr wrap="square" rtlCol="0">
+            <a:spAutoFit/>
+          </a:bodyPr>
+          <a:lstStyle/>
+          <a:p>
+            <a:r>
+              <a:rPr lang="en-IN" dirty="0"/>
+              <a:t>Primary Region</a:t>
+            </a:r>
+            <a:endParaRPr lang="en-US" dirty="0"/>
+          </a:p>
+        </p:txBody>
+      </p:sp>
+      <p:sp>
+        <p:nvSpPr>
+          <p:cNvPr id="16" name="TextBox 15">
+            <a:extLst>
+              <a:ext uri="{FF2B5EF4-FFF2-40B4-BE49-F238E27FC236}">
+                <a16:creationId xmlns:a16="http://schemas.microsoft.com/office/drawing/2014/main" id="{F4A544AE-4BB9-EE85-1411-0FE8011F28FB}"/>
+              </a:ext>
+            </a:extLst>
+          </p:cNvPr>
+          <p:cNvSpPr txBox="1"/>
+          <p:nvPr/>
+        </p:nvSpPr>
+        <p:spPr>
+          <a:xfrm>
+            <a:off x="1114231" y="5423031"/>
+            <a:ext cx="2220686" cy="369332"/>
+          </a:xfrm>
+          <a:prstGeom prst="rect">
+            <a:avLst/>
+          </a:prstGeom>
+          <a:noFill/>
+        </p:spPr>
+        <p:txBody>
+          <a:bodyPr wrap="square" rtlCol="0">
+            <a:spAutoFit/>
+          </a:bodyPr>
+          <a:lstStyle/>
+          <a:p>
+            <a:r>
+              <a:rPr lang="en-IN" dirty="0" err="1"/>
+              <a:t>Secondarys</a:t>
+            </a:r>
+            <a:r>
+              <a:rPr lang="en-IN" dirty="0"/>
+              <a:t> Region</a:t>
+            </a:r>
+            <a:endParaRPr lang="en-US" dirty="0"/>
+          </a:p>
+        </p:txBody>
+      </p:sp>
+      <p:graphicFrame>
+        <p:nvGraphicFramePr>
+          <p:cNvPr id="17" name="Table 17">
+            <a:extLst>
+              <a:ext uri="{FF2B5EF4-FFF2-40B4-BE49-F238E27FC236}">
+                <a16:creationId xmlns:a16="http://schemas.microsoft.com/office/drawing/2014/main" id="{C9A6D2C1-C886-7EB4-F3E1-891B5A39DAF4}"/>
+              </a:ext>
+            </a:extLst>
+          </p:cNvPr>
+          <p:cNvGraphicFramePr>
+            <a:graphicFrameLocks noGrp="1"/>
+          </p:cNvGraphicFramePr>
+          <p:nvPr>
+            <p:extLst>
+              <p:ext uri="{D42A27DB-BD31-4B8C-83A1-F6EECF244321}">
+                <p14:modId xmlns:p14="http://schemas.microsoft.com/office/powerpoint/2010/main" val="1678571192"/>
+              </p:ext>
+            </p:extLst>
+          </p:nvPr>
+        </p:nvGraphicFramePr>
+        <p:xfrm>
+          <a:off x="3334917" y="2517659"/>
+          <a:ext cx="3765680" cy="1010920"/>
+        </p:xfrm>
+        <a:graphic>
+          <a:graphicData uri="http://schemas.openxmlformats.org/drawingml/2006/table">
+            <a:tbl>
+              <a:tblPr firstRow="1" bandRow="1">
+                <a:tableStyleId>{5C22544A-7EE6-4342-B048-85BDC9FD1C3A}</a:tableStyleId>
+              </a:tblPr>
+              <a:tblGrid>
+                <a:gridCol w="1882840">
+                  <a:extLst>
+                    <a:ext uri="{9D8B030D-6E8A-4147-A177-3AD203B41FA5}">
+                      <a16:colId xmlns:a16="http://schemas.microsoft.com/office/drawing/2014/main" val="2239861302"/>
+                    </a:ext>
+                  </a:extLst>
+                </a:gridCol>
+                <a:gridCol w="1882840">
+                  <a:extLst>
+                    <a:ext uri="{9D8B030D-6E8A-4147-A177-3AD203B41FA5}">
+                      <a16:colId xmlns:a16="http://schemas.microsoft.com/office/drawing/2014/main" val="499902966"/>
+                    </a:ext>
+                  </a:extLst>
+                </a:gridCol>
+              </a:tblGrid>
+              <a:tr h="370840">
+                <a:tc>
+                  <a:txBody>
+                    <a:bodyPr/>
+                    <a:lstStyle/>
+                    <a:p>
+                      <a:r>
+                        <a:rPr lang="en-IN" dirty="0"/>
+                        <a:t>Url Path</a:t>
+                      </a:r>
+                      <a:endParaRPr lang="en-US" dirty="0"/>
+                    </a:p>
+                  </a:txBody>
+                  <a:tcPr/>
+                </a:tc>
+                <a:tc>
+                  <a:txBody>
+                    <a:bodyPr/>
+                    <a:lstStyle/>
+                    <a:p>
+                      <a:r>
+                        <a:rPr lang="en-IN" dirty="0"/>
+                        <a:t>Route to Function using Http</a:t>
+                      </a:r>
+                      <a:endParaRPr lang="en-US" dirty="0"/>
+                    </a:p>
+                  </a:txBody>
+                  <a:tcPr/>
+                </a:tc>
+                <a:extLst>
+                  <a:ext uri="{0D108BD9-81ED-4DB2-BD59-A6C34878D82A}">
+                    <a16:rowId xmlns:a16="http://schemas.microsoft.com/office/drawing/2014/main" val="769014877"/>
+                  </a:ext>
+                </a:extLst>
+              </a:tr>
+              <a:tr h="370840">
+                <a:tc>
+                  <a:txBody>
+                    <a:bodyPr/>
+                    <a:lstStyle/>
+                    <a:p>
+                      <a:endParaRPr lang="en-US"/>
+                    </a:p>
+                  </a:txBody>
+                  <a:tcPr/>
+                </a:tc>
+                <a:tc>
+                  <a:txBody>
+                    <a:bodyPr/>
+                    <a:lstStyle/>
+                    <a:p>
+                      <a:endParaRPr lang="en-US" dirty="0"/>
+                    </a:p>
+                  </a:txBody>
+                  <a:tcPr/>
+                </a:tc>
+                <a:extLst>
+                  <a:ext uri="{0D108BD9-81ED-4DB2-BD59-A6C34878D82A}">
+                    <a16:rowId xmlns:a16="http://schemas.microsoft.com/office/drawing/2014/main" val="2302697545"/>
+                  </a:ext>
+                </a:extLst>
+              </a:tr>
+            </a:tbl>
+          </a:graphicData>
+        </a:graphic>
+      </p:graphicFrame>
+    </p:spTree>
+    <p:extLst>
+      <p:ext uri="{BB962C8B-B14F-4D97-AF65-F5344CB8AC3E}">
+        <p14:creationId xmlns:p14="http://schemas.microsoft.com/office/powerpoint/2010/main" val="2563158731"/>
+      </p:ext>
+    </p:extLst>
+  </p:cSld>
+  <p:clrMapOvr>
+    <a:masterClrMapping/>
+  </p:clrMapOvr>
+</p:sld>
+</file>
+
 <file path=ppt/slides/slide2.xml><?xml version="1.0" encoding="utf-8"?>
 <p:sld xmlns:a="http://schemas.openxmlformats.org/drawingml/2006/main" xmlns:r="http://schemas.openxmlformats.org/officeDocument/2006/relationships" xmlns:p="http://schemas.openxmlformats.org/presentationml/2006/main">
   <p:cSld>
